--- a/30/200727_JavaScript_concept.pptx
+++ b/30/200727_JavaScript_concept.pptx
@@ -5,42 +5,45 @@
     <p:sldMasterId id="2147483672" r:id="rId1"/>
   </p:sldMasterIdLst>
   <p:notesMasterIdLst>
-    <p:notesMasterId r:id="rId8"/>
+    <p:notesMasterId r:id="rId11"/>
   </p:notesMasterIdLst>
   <p:handoutMasterIdLst>
-    <p:handoutMasterId r:id="rId9"/>
+    <p:handoutMasterId r:id="rId12"/>
   </p:handoutMasterIdLst>
   <p:sldIdLst>
     <p:sldId id="357" r:id="rId2"/>
     <p:sldId id="500" r:id="rId3"/>
-    <p:sldId id="532" r:id="rId4"/>
-    <p:sldId id="533" r:id="rId5"/>
-    <p:sldId id="534" r:id="rId6"/>
-    <p:sldId id="535" r:id="rId7"/>
+    <p:sldId id="536" r:id="rId4"/>
+    <p:sldId id="532" r:id="rId5"/>
+    <p:sldId id="537" r:id="rId6"/>
+    <p:sldId id="533" r:id="rId7"/>
+    <p:sldId id="534" r:id="rId8"/>
+    <p:sldId id="538" r:id="rId9"/>
+    <p:sldId id="535" r:id="rId10"/>
   </p:sldIdLst>
   <p:sldSz cx="10160000" cy="5715000"/>
   <p:notesSz cx="9996488" cy="6865938"/>
   <p:embeddedFontLst>
     <p:embeddedFont>
-      <p:font typeface="Calibri" panose="020F0502020204030204" pitchFamily="34" charset="0"/>
-      <p:regular r:id="rId10"/>
-      <p:bold r:id="rId11"/>
-      <p:italic r:id="rId12"/>
-      <p:boldItalic r:id="rId13"/>
+      <p:font typeface="맑은 고딕" panose="020B0503020000020004" pitchFamily="50" charset="-127"/>
+      <p:regular r:id="rId13"/>
+      <p:bold r:id="rId14"/>
+    </p:embeddedFont>
+    <p:embeddedFont>
+      <p:font typeface="Calibri Light" panose="020F0302020204030204" pitchFamily="34" charset="0"/>
+      <p:regular r:id="rId15"/>
+      <p:italic r:id="rId16"/>
     </p:embeddedFont>
     <p:embeddedFont>
       <p:font typeface="맑은 고딕 Semilight" panose="020B0502040204020203" pitchFamily="50" charset="-127"/>
-      <p:regular r:id="rId14"/>
+      <p:regular r:id="rId17"/>
     </p:embeddedFont>
     <p:embeddedFont>
-      <p:font typeface="맑은 고딕" panose="020B0503020000020004" pitchFamily="50" charset="-127"/>
-      <p:regular r:id="rId15"/>
-      <p:bold r:id="rId16"/>
-    </p:embeddedFont>
-    <p:embeddedFont>
-      <p:font typeface="Calibri Light" panose="020F0302020204030204" pitchFamily="34" charset="0"/>
-      <p:regular r:id="rId17"/>
-      <p:italic r:id="rId18"/>
+      <p:font typeface="Calibri" panose="020F0502020204030204" pitchFamily="34" charset="0"/>
+      <p:regular r:id="rId18"/>
+      <p:bold r:id="rId19"/>
+      <p:italic r:id="rId20"/>
+      <p:boldItalic r:id="rId21"/>
     </p:embeddedFont>
   </p:embeddedFontLst>
   <p:defaultTextStyle>
@@ -228,7 +231,7 @@
           <a:p>
             <a:fld id="{9FE52F76-AF59-42F6-9CE2-B65810388E55}" type="datetimeFigureOut">
               <a:rPr lang="ko-KR" altLang="en-US" smtClean="0"/>
-              <a:t>2020-07-27</a:t>
+              <a:t>2020-07-29</a:t>
             </a:fld>
             <a:endParaRPr lang="ko-KR" altLang="en-US"/>
           </a:p>
@@ -393,7 +396,7 @@
           <a:p>
             <a:fld id="{75C19CB4-4756-4824-8E84-477C40131107}" type="datetimeFigureOut">
               <a:rPr lang="ko-KR" altLang="en-US" smtClean="0"/>
-              <a:t>2020-07-27</a:t>
+              <a:t>2020-07-29</a:t>
             </a:fld>
             <a:endParaRPr lang="ko-KR" altLang="en-US"/>
           </a:p>
@@ -726,7 +729,39 @@
               <a:rPr lang="en-US" altLang="ko-KR" smtClean="0">
                 <a:hlinkClick r:id="rId3"/>
               </a:rPr>
-              <a:t>https://opentutorials.org/course/743/4650</a:t>
+              <a:t>http://tcpschool.com/javascript/intro</a:t>
+            </a:r>
+            <a:endParaRPr lang="en-US" altLang="ko-KR" smtClean="0"/>
+          </a:p>
+          <a:p>
+            <a:pPr marL="0" marR="0" indent="0" algn="l" defTabSz="914400" rtl="0" eaLnBrk="1" fontAlgn="auto" latinLnBrk="1" hangingPunct="1">
+              <a:lnSpc>
+                <a:spcPct val="100000"/>
+              </a:lnSpc>
+              <a:spcBef>
+                <a:spcPts val="0"/>
+              </a:spcBef>
+              <a:spcAft>
+                <a:spcPts val="0"/>
+              </a:spcAft>
+              <a:buClrTx/>
+              <a:buSzTx/>
+              <a:buFontTx/>
+              <a:buNone/>
+              <a:tabLst/>
+              <a:defRPr/>
+            </a:pPr>
+            <a:r>
+              <a:rPr lang="en-US" altLang="ko-KR" smtClean="0">
+                <a:hlinkClick r:id="rId4"/>
+              </a:rPr>
+              <a:t>https</a:t>
+            </a:r>
+            <a:r>
+              <a:rPr lang="en-US" altLang="ko-KR" smtClean="0">
+                <a:hlinkClick r:id="rId4"/>
+              </a:rPr>
+              <a:t>://opentutorials.org/course/743/4650</a:t>
             </a:r>
             <a:endParaRPr lang="ko-KR" altLang="en-US" dirty="0"/>
           </a:p>
@@ -829,6 +864,12 @@
               <a:tabLst/>
               <a:defRPr/>
             </a:pPr>
+            <a:r>
+              <a:rPr lang="en-US" altLang="ko-KR" smtClean="0">
+                <a:hlinkClick r:id="rId3"/>
+              </a:rPr>
+              <a:t>https://opentutorials.org/course/743/4650</a:t>
+            </a:r>
             <a:endParaRPr lang="ko-KR" altLang="en-US" dirty="0"/>
           </a:p>
         </p:txBody>
@@ -859,7 +900,7 @@
     </p:spTree>
     <p:extLst>
       <p:ext uri="{BB962C8B-B14F-4D97-AF65-F5344CB8AC3E}">
-        <p14:creationId xmlns:p14="http://schemas.microsoft.com/office/powerpoint/2010/main" val="353713423"/>
+        <p14:creationId xmlns:p14="http://schemas.microsoft.com/office/powerpoint/2010/main" val="3501162577"/>
       </p:ext>
     </p:extLst>
   </p:cSld>
@@ -930,12 +971,6 @@
               <a:tabLst/>
               <a:defRPr/>
             </a:pPr>
-            <a:r>
-              <a:rPr lang="en-US" altLang="ko-KR" smtClean="0">
-                <a:hlinkClick r:id="rId3"/>
-              </a:rPr>
-              <a:t>https://sanghaklee.tistory.com/54</a:t>
-            </a:r>
             <a:endParaRPr lang="ko-KR" altLang="en-US" dirty="0"/>
           </a:p>
         </p:txBody>
@@ -966,7 +1001,7 @@
     </p:spTree>
     <p:extLst>
       <p:ext uri="{BB962C8B-B14F-4D97-AF65-F5344CB8AC3E}">
-        <p14:creationId xmlns:p14="http://schemas.microsoft.com/office/powerpoint/2010/main" val="2120328450"/>
+        <p14:creationId xmlns:p14="http://schemas.microsoft.com/office/powerpoint/2010/main" val="353713423"/>
       </p:ext>
     </p:extLst>
   </p:cSld>
@@ -1067,7 +1102,7 @@
     </p:spTree>
     <p:extLst>
       <p:ext uri="{BB962C8B-B14F-4D97-AF65-F5344CB8AC3E}">
-        <p14:creationId xmlns:p14="http://schemas.microsoft.com/office/powerpoint/2010/main" val="2112933894"/>
+        <p14:creationId xmlns:p14="http://schemas.microsoft.com/office/powerpoint/2010/main" val="1687177917"/>
       </p:ext>
     </p:extLst>
   </p:cSld>
@@ -1138,6 +1173,12 @@
               <a:tabLst/>
               <a:defRPr/>
             </a:pPr>
+            <a:r>
+              <a:rPr lang="en-US" altLang="ko-KR" smtClean="0">
+                <a:hlinkClick r:id="rId3"/>
+              </a:rPr>
+              <a:t>https://sanghaklee.tistory.com/54</a:t>
+            </a:r>
             <a:endParaRPr lang="ko-KR" altLang="en-US" dirty="0"/>
           </a:p>
         </p:txBody>
@@ -1160,6 +1201,309 @@
             <a:fld id="{A6D625BF-EF7C-4F5D-B58E-C92BFFBBF146}" type="slidenum">
               <a:rPr lang="ko-KR" altLang="en-US" smtClean="0"/>
               <a:t>6</a:t>
+            </a:fld>
+            <a:endParaRPr lang="ko-KR" altLang="en-US"/>
+          </a:p>
+        </p:txBody>
+      </p:sp>
+    </p:spTree>
+    <p:extLst>
+      <p:ext uri="{BB962C8B-B14F-4D97-AF65-F5344CB8AC3E}">
+        <p14:creationId xmlns:p14="http://schemas.microsoft.com/office/powerpoint/2010/main" val="2120328450"/>
+      </p:ext>
+    </p:extLst>
+  </p:cSld>
+  <p:clrMapOvr>
+    <a:masterClrMapping/>
+  </p:clrMapOvr>
+</p:notes>
+</file>
+
+<file path=ppt/notesSlides/notesSlide6.xml><?xml version="1.0" encoding="utf-8"?>
+<p:notes xmlns:a="http://schemas.openxmlformats.org/drawingml/2006/main" xmlns:r="http://schemas.openxmlformats.org/officeDocument/2006/relationships" xmlns:p="http://schemas.openxmlformats.org/presentationml/2006/main">
+  <p:cSld>
+    <p:spTree>
+      <p:nvGrpSpPr>
+        <p:cNvPr id="1" name=""/>
+        <p:cNvGrpSpPr/>
+        <p:nvPr/>
+      </p:nvGrpSpPr>
+      <p:grpSpPr>
+        <a:xfrm>
+          <a:off x="0" y="0"/>
+          <a:ext cx="0" cy="0"/>
+          <a:chOff x="0" y="0"/>
+          <a:chExt cx="0" cy="0"/>
+        </a:xfrm>
+      </p:grpSpPr>
+      <p:sp>
+        <p:nvSpPr>
+          <p:cNvPr id="2" name="슬라이드 이미지 개체 틀 1"/>
+          <p:cNvSpPr>
+            <a:spLocks noGrp="1" noRot="1" noChangeAspect="1"/>
+          </p:cNvSpPr>
+          <p:nvPr>
+            <p:ph type="sldImg"/>
+          </p:nvPr>
+        </p:nvSpPr>
+        <p:spPr/>
+      </p:sp>
+      <p:sp>
+        <p:nvSpPr>
+          <p:cNvPr id="3" name="슬라이드 노트 개체 틀 2"/>
+          <p:cNvSpPr>
+            <a:spLocks noGrp="1"/>
+          </p:cNvSpPr>
+          <p:nvPr>
+            <p:ph type="body" idx="1"/>
+          </p:nvPr>
+        </p:nvSpPr>
+        <p:spPr/>
+        <p:txBody>
+          <a:bodyPr/>
+          <a:lstStyle/>
+          <a:p>
+            <a:pPr marL="0" marR="0" indent="0" algn="l" defTabSz="914400" rtl="0" eaLnBrk="1" fontAlgn="auto" latinLnBrk="1" hangingPunct="1">
+              <a:lnSpc>
+                <a:spcPct val="100000"/>
+              </a:lnSpc>
+              <a:spcBef>
+                <a:spcPts val="0"/>
+              </a:spcBef>
+              <a:spcAft>
+                <a:spcPts val="0"/>
+              </a:spcAft>
+              <a:buClrTx/>
+              <a:buSzTx/>
+              <a:buFontTx/>
+              <a:buNone/>
+              <a:tabLst/>
+              <a:defRPr/>
+            </a:pPr>
+            <a:endParaRPr lang="ko-KR" altLang="en-US" dirty="0"/>
+          </a:p>
+        </p:txBody>
+      </p:sp>
+      <p:sp>
+        <p:nvSpPr>
+          <p:cNvPr id="4" name="슬라이드 번호 개체 틀 3"/>
+          <p:cNvSpPr>
+            <a:spLocks noGrp="1"/>
+          </p:cNvSpPr>
+          <p:nvPr>
+            <p:ph type="sldNum" sz="quarter" idx="10"/>
+          </p:nvPr>
+        </p:nvSpPr>
+        <p:spPr/>
+        <p:txBody>
+          <a:bodyPr/>
+          <a:lstStyle/>
+          <a:p>
+            <a:fld id="{A6D625BF-EF7C-4F5D-B58E-C92BFFBBF146}" type="slidenum">
+              <a:rPr lang="ko-KR" altLang="en-US" smtClean="0"/>
+              <a:t>7</a:t>
+            </a:fld>
+            <a:endParaRPr lang="ko-KR" altLang="en-US"/>
+          </a:p>
+        </p:txBody>
+      </p:sp>
+    </p:spTree>
+    <p:extLst>
+      <p:ext uri="{BB962C8B-B14F-4D97-AF65-F5344CB8AC3E}">
+        <p14:creationId xmlns:p14="http://schemas.microsoft.com/office/powerpoint/2010/main" val="2112933894"/>
+      </p:ext>
+    </p:extLst>
+  </p:cSld>
+  <p:clrMapOvr>
+    <a:masterClrMapping/>
+  </p:clrMapOvr>
+</p:notes>
+</file>
+
+<file path=ppt/notesSlides/notesSlide7.xml><?xml version="1.0" encoding="utf-8"?>
+<p:notes xmlns:a="http://schemas.openxmlformats.org/drawingml/2006/main" xmlns:r="http://schemas.openxmlformats.org/officeDocument/2006/relationships" xmlns:p="http://schemas.openxmlformats.org/presentationml/2006/main">
+  <p:cSld>
+    <p:spTree>
+      <p:nvGrpSpPr>
+        <p:cNvPr id="1" name=""/>
+        <p:cNvGrpSpPr/>
+        <p:nvPr/>
+      </p:nvGrpSpPr>
+      <p:grpSpPr>
+        <a:xfrm>
+          <a:off x="0" y="0"/>
+          <a:ext cx="0" cy="0"/>
+          <a:chOff x="0" y="0"/>
+          <a:chExt cx="0" cy="0"/>
+        </a:xfrm>
+      </p:grpSpPr>
+      <p:sp>
+        <p:nvSpPr>
+          <p:cNvPr id="2" name="슬라이드 이미지 개체 틀 1"/>
+          <p:cNvSpPr>
+            <a:spLocks noGrp="1" noRot="1" noChangeAspect="1"/>
+          </p:cNvSpPr>
+          <p:nvPr>
+            <p:ph type="sldImg"/>
+          </p:nvPr>
+        </p:nvSpPr>
+        <p:spPr/>
+      </p:sp>
+      <p:sp>
+        <p:nvSpPr>
+          <p:cNvPr id="3" name="슬라이드 노트 개체 틀 2"/>
+          <p:cNvSpPr>
+            <a:spLocks noGrp="1"/>
+          </p:cNvSpPr>
+          <p:nvPr>
+            <p:ph type="body" idx="1"/>
+          </p:nvPr>
+        </p:nvSpPr>
+        <p:spPr/>
+        <p:txBody>
+          <a:bodyPr/>
+          <a:lstStyle/>
+          <a:p>
+            <a:pPr marL="0" marR="0" indent="0" algn="l" defTabSz="914400" rtl="0" eaLnBrk="1" fontAlgn="auto" latinLnBrk="1" hangingPunct="1">
+              <a:lnSpc>
+                <a:spcPct val="100000"/>
+              </a:lnSpc>
+              <a:spcBef>
+                <a:spcPts val="0"/>
+              </a:spcBef>
+              <a:spcAft>
+                <a:spcPts val="0"/>
+              </a:spcAft>
+              <a:buClrTx/>
+              <a:buSzTx/>
+              <a:buFontTx/>
+              <a:buNone/>
+              <a:tabLst/>
+              <a:defRPr/>
+            </a:pPr>
+            <a:endParaRPr lang="ko-KR" altLang="en-US" dirty="0"/>
+          </a:p>
+        </p:txBody>
+      </p:sp>
+      <p:sp>
+        <p:nvSpPr>
+          <p:cNvPr id="4" name="슬라이드 번호 개체 틀 3"/>
+          <p:cNvSpPr>
+            <a:spLocks noGrp="1"/>
+          </p:cNvSpPr>
+          <p:nvPr>
+            <p:ph type="sldNum" sz="quarter" idx="10"/>
+          </p:nvPr>
+        </p:nvSpPr>
+        <p:spPr/>
+        <p:txBody>
+          <a:bodyPr/>
+          <a:lstStyle/>
+          <a:p>
+            <a:fld id="{A6D625BF-EF7C-4F5D-B58E-C92BFFBBF146}" type="slidenum">
+              <a:rPr lang="ko-KR" altLang="en-US" smtClean="0"/>
+              <a:t>8</a:t>
+            </a:fld>
+            <a:endParaRPr lang="ko-KR" altLang="en-US"/>
+          </a:p>
+        </p:txBody>
+      </p:sp>
+    </p:spTree>
+    <p:extLst>
+      <p:ext uri="{BB962C8B-B14F-4D97-AF65-F5344CB8AC3E}">
+        <p14:creationId xmlns:p14="http://schemas.microsoft.com/office/powerpoint/2010/main" val="2218189325"/>
+      </p:ext>
+    </p:extLst>
+  </p:cSld>
+  <p:clrMapOvr>
+    <a:masterClrMapping/>
+  </p:clrMapOvr>
+</p:notes>
+</file>
+
+<file path=ppt/notesSlides/notesSlide8.xml><?xml version="1.0" encoding="utf-8"?>
+<p:notes xmlns:a="http://schemas.openxmlformats.org/drawingml/2006/main" xmlns:r="http://schemas.openxmlformats.org/officeDocument/2006/relationships" xmlns:p="http://schemas.openxmlformats.org/presentationml/2006/main">
+  <p:cSld>
+    <p:spTree>
+      <p:nvGrpSpPr>
+        <p:cNvPr id="1" name=""/>
+        <p:cNvGrpSpPr/>
+        <p:nvPr/>
+      </p:nvGrpSpPr>
+      <p:grpSpPr>
+        <a:xfrm>
+          <a:off x="0" y="0"/>
+          <a:ext cx="0" cy="0"/>
+          <a:chOff x="0" y="0"/>
+          <a:chExt cx="0" cy="0"/>
+        </a:xfrm>
+      </p:grpSpPr>
+      <p:sp>
+        <p:nvSpPr>
+          <p:cNvPr id="2" name="슬라이드 이미지 개체 틀 1"/>
+          <p:cNvSpPr>
+            <a:spLocks noGrp="1" noRot="1" noChangeAspect="1"/>
+          </p:cNvSpPr>
+          <p:nvPr>
+            <p:ph type="sldImg"/>
+          </p:nvPr>
+        </p:nvSpPr>
+        <p:spPr/>
+      </p:sp>
+      <p:sp>
+        <p:nvSpPr>
+          <p:cNvPr id="3" name="슬라이드 노트 개체 틀 2"/>
+          <p:cNvSpPr>
+            <a:spLocks noGrp="1"/>
+          </p:cNvSpPr>
+          <p:nvPr>
+            <p:ph type="body" idx="1"/>
+          </p:nvPr>
+        </p:nvSpPr>
+        <p:spPr/>
+        <p:txBody>
+          <a:bodyPr/>
+          <a:lstStyle/>
+          <a:p>
+            <a:pPr marL="0" marR="0" indent="0" algn="l" defTabSz="914400" rtl="0" eaLnBrk="1" fontAlgn="auto" latinLnBrk="1" hangingPunct="1">
+              <a:lnSpc>
+                <a:spcPct val="100000"/>
+              </a:lnSpc>
+              <a:spcBef>
+                <a:spcPts val="0"/>
+              </a:spcBef>
+              <a:spcAft>
+                <a:spcPts val="0"/>
+              </a:spcAft>
+              <a:buClrTx/>
+              <a:buSzTx/>
+              <a:buFontTx/>
+              <a:buNone/>
+              <a:tabLst/>
+              <a:defRPr/>
+            </a:pPr>
+            <a:endParaRPr lang="ko-KR" altLang="en-US" dirty="0"/>
+          </a:p>
+        </p:txBody>
+      </p:sp>
+      <p:sp>
+        <p:nvSpPr>
+          <p:cNvPr id="4" name="슬라이드 번호 개체 틀 3"/>
+          <p:cNvSpPr>
+            <a:spLocks noGrp="1"/>
+          </p:cNvSpPr>
+          <p:nvPr>
+            <p:ph type="sldNum" sz="quarter" idx="10"/>
+          </p:nvPr>
+        </p:nvSpPr>
+        <p:spPr/>
+        <p:txBody>
+          <a:bodyPr/>
+          <a:lstStyle/>
+          <a:p>
+            <a:fld id="{A6D625BF-EF7C-4F5D-B58E-C92BFFBBF146}" type="slidenum">
+              <a:rPr lang="ko-KR" altLang="en-US" smtClean="0"/>
+              <a:t>9</a:t>
             </a:fld>
             <a:endParaRPr lang="ko-KR" altLang="en-US"/>
           </a:p>
@@ -1309,7 +1653,7 @@
           <a:p>
             <a:fld id="{D9D21D2B-B161-4A2C-A0F2-324F8DD03E7E}" type="datetimeFigureOut">
               <a:rPr lang="ko-KR" altLang="en-US" smtClean="0"/>
-              <a:t>2020-07-27</a:t>
+              <a:t>2020-07-29</a:t>
             </a:fld>
             <a:endParaRPr lang="ko-KR" altLang="en-US"/>
           </a:p>
@@ -1516,7 +1860,7 @@
           <a:p>
             <a:fld id="{D9D21D2B-B161-4A2C-A0F2-324F8DD03E7E}" type="datetimeFigureOut">
               <a:rPr lang="ko-KR" altLang="en-US" smtClean="0"/>
-              <a:t>2020-07-27</a:t>
+              <a:t>2020-07-29</a:t>
             </a:fld>
             <a:endParaRPr lang="ko-KR" altLang="en-US"/>
           </a:p>
@@ -1696,7 +2040,7 @@
           <a:p>
             <a:fld id="{D9D21D2B-B161-4A2C-A0F2-324F8DD03E7E}" type="datetimeFigureOut">
               <a:rPr lang="ko-KR" altLang="en-US" smtClean="0"/>
-              <a:t>2020-07-27</a:t>
+              <a:t>2020-07-29</a:t>
             </a:fld>
             <a:endParaRPr lang="ko-KR" altLang="en-US"/>
           </a:p>
@@ -1866,7 +2210,7 @@
           <a:p>
             <a:fld id="{D9D21D2B-B161-4A2C-A0F2-324F8DD03E7E}" type="datetimeFigureOut">
               <a:rPr lang="ko-KR" altLang="en-US" smtClean="0"/>
-              <a:t>2020-07-27</a:t>
+              <a:t>2020-07-29</a:t>
             </a:fld>
             <a:endParaRPr lang="ko-KR" altLang="en-US"/>
           </a:p>
@@ -2119,7 +2463,7 @@
           <a:p>
             <a:fld id="{D9D21D2B-B161-4A2C-A0F2-324F8DD03E7E}" type="datetimeFigureOut">
               <a:rPr lang="ko-KR" altLang="en-US" smtClean="0"/>
-              <a:t>2020-07-27</a:t>
+              <a:t>2020-07-29</a:t>
             </a:fld>
             <a:endParaRPr lang="ko-KR" altLang="en-US"/>
           </a:p>
@@ -2358,7 +2702,7 @@
           <a:p>
             <a:fld id="{D9D21D2B-B161-4A2C-A0F2-324F8DD03E7E}" type="datetimeFigureOut">
               <a:rPr lang="ko-KR" altLang="en-US" smtClean="0"/>
-              <a:t>2020-07-27</a:t>
+              <a:t>2020-07-29</a:t>
             </a:fld>
             <a:endParaRPr lang="ko-KR" altLang="en-US"/>
           </a:p>
@@ -2732,7 +3076,7 @@
           <a:p>
             <a:fld id="{D9D21D2B-B161-4A2C-A0F2-324F8DD03E7E}" type="datetimeFigureOut">
               <a:rPr lang="ko-KR" altLang="en-US" smtClean="0"/>
-              <a:t>2020-07-27</a:t>
+              <a:t>2020-07-29</a:t>
             </a:fld>
             <a:endParaRPr lang="ko-KR" altLang="en-US"/>
           </a:p>
@@ -2850,7 +3194,7 @@
           <a:p>
             <a:fld id="{D9D21D2B-B161-4A2C-A0F2-324F8DD03E7E}" type="datetimeFigureOut">
               <a:rPr lang="ko-KR" altLang="en-US" smtClean="0"/>
-              <a:t>2020-07-27</a:t>
+              <a:t>2020-07-29</a:t>
             </a:fld>
             <a:endParaRPr lang="ko-KR" altLang="en-US"/>
           </a:p>
@@ -2945,7 +3289,7 @@
           <a:p>
             <a:fld id="{D9D21D2B-B161-4A2C-A0F2-324F8DD03E7E}" type="datetimeFigureOut">
               <a:rPr lang="ko-KR" altLang="en-US" smtClean="0"/>
-              <a:t>2020-07-27</a:t>
+              <a:t>2020-07-29</a:t>
             </a:fld>
             <a:endParaRPr lang="ko-KR" altLang="en-US"/>
           </a:p>
@@ -3222,7 +3566,7 @@
           <a:p>
             <a:fld id="{D9D21D2B-B161-4A2C-A0F2-324F8DD03E7E}" type="datetimeFigureOut">
               <a:rPr lang="ko-KR" altLang="en-US" smtClean="0"/>
-              <a:t>2020-07-27</a:t>
+              <a:t>2020-07-29</a:t>
             </a:fld>
             <a:endParaRPr lang="ko-KR" altLang="en-US"/>
           </a:p>
@@ -3479,7 +3823,7 @@
           <a:p>
             <a:fld id="{D9D21D2B-B161-4A2C-A0F2-324F8DD03E7E}" type="datetimeFigureOut">
               <a:rPr lang="ko-KR" altLang="en-US" smtClean="0"/>
-              <a:t>2020-07-27</a:t>
+              <a:t>2020-07-29</a:t>
             </a:fld>
             <a:endParaRPr lang="ko-KR" altLang="en-US"/>
           </a:p>
@@ -3695,7 +4039,7 @@
           <a:p>
             <a:fld id="{D9D21D2B-B161-4A2C-A0F2-324F8DD03E7E}" type="datetimeFigureOut">
               <a:rPr lang="ko-KR" altLang="en-US" smtClean="0"/>
-              <a:t>2020-07-27</a:t>
+              <a:t>2020-07-29</a:t>
             </a:fld>
             <a:endParaRPr lang="ko-KR" altLang="en-US"/>
           </a:p>
@@ -4517,7 +4861,7 @@
         <p:spPr>
           <a:xfrm>
             <a:off x="267599" y="825566"/>
-            <a:ext cx="9578660" cy="3277820"/>
+            <a:ext cx="9578660" cy="3093154"/>
           </a:xfrm>
           <a:prstGeom prst="rect">
             <a:avLst/>
@@ -4632,21 +4976,7 @@
                 <a:latin typeface="+mn-ea"/>
                 <a:cs typeface="맑은 고딕 Semilight" panose="020B0502040204020203" pitchFamily="50" charset="-127"/>
               </a:rPr>
-              <a:t>프로그래밍적으로 제어하기 위해서 </a:t>
-            </a:r>
-            <a:r>
-              <a:rPr lang="ko-KR" altLang="en-US" sz="1400">
-                <a:ln>
-                  <a:solidFill>
-                    <a:schemeClr val="tx1">
-                      <a:alpha val="29000"/>
-                    </a:schemeClr>
-                  </a:solidFill>
-                </a:ln>
-                <a:latin typeface="+mn-ea"/>
-                <a:cs typeface="맑은 고딕 Semilight" panose="020B0502040204020203" pitchFamily="50" charset="-127"/>
-              </a:rPr>
-              <a:t>고안된 </a:t>
+              <a:t>프로그래밍적으로 제어하기 위해서 고안된 </a:t>
             </a:r>
             <a:r>
               <a:rPr lang="ko-KR" altLang="en-US" sz="1400" smtClean="0">
@@ -4768,7 +5098,7 @@
                 <a:latin typeface="+mn-ea"/>
                 <a:cs typeface="맑은 고딕 Semilight" panose="020B0502040204020203" pitchFamily="50" charset="-127"/>
               </a:rPr>
-              <a:t>최근에는 </a:t>
+              <a:t>자바스크립트</a:t>
             </a:r>
             <a:r>
               <a:rPr lang="en-US" altLang="ko-KR" sz="1400">
@@ -4782,7 +5112,7 @@
                 <a:latin typeface="+mn-ea"/>
                 <a:cs typeface="맑은 고딕 Semilight" panose="020B0502040204020203" pitchFamily="50" charset="-127"/>
               </a:rPr>
-              <a:t>HTML5</a:t>
+              <a:t>(JavaScript)</a:t>
             </a:r>
             <a:r>
               <a:rPr lang="ko-KR" altLang="en-US" sz="1400">
@@ -4796,7 +5126,21 @@
                 <a:latin typeface="+mn-ea"/>
                 <a:cs typeface="맑은 고딕 Semilight" panose="020B0502040204020203" pitchFamily="50" charset="-127"/>
               </a:rPr>
-              <a:t>의 적용이 가속화되면서 지금까지 </a:t>
+              <a:t>는 객체</a:t>
+            </a:r>
+            <a:r>
+              <a:rPr lang="en-US" altLang="ko-KR" sz="1400">
+                <a:ln>
+                  <a:solidFill>
+                    <a:schemeClr val="tx1">
+                      <a:alpha val="29000"/>
+                    </a:schemeClr>
+                  </a:solidFill>
+                </a:ln>
+                <a:latin typeface="+mn-ea"/>
+                <a:cs typeface="맑은 고딕 Semilight" panose="020B0502040204020203" pitchFamily="50" charset="-127"/>
+              </a:rPr>
+              <a:t>(object) </a:t>
             </a:r>
             <a:r>
               <a:rPr lang="ko-KR" altLang="en-US" sz="1400">
@@ -4810,7 +5154,21 @@
                 <a:latin typeface="+mn-ea"/>
                 <a:cs typeface="맑은 고딕 Semilight" panose="020B0502040204020203" pitchFamily="50" charset="-127"/>
               </a:rPr>
-              <a:t>모바일 </a:t>
+              <a:t>기반의 </a:t>
+            </a:r>
+            <a:r>
+              <a:rPr lang="ko-KR" altLang="en-US" sz="1400">
+                <a:ln>
+                  <a:solidFill>
+                    <a:schemeClr val="tx1">
+                      <a:alpha val="29000"/>
+                    </a:schemeClr>
+                  </a:solidFill>
+                </a:ln>
+                <a:latin typeface="+mn-ea"/>
+                <a:cs typeface="맑은 고딕 Semilight" panose="020B0502040204020203" pitchFamily="50" charset="-127"/>
+              </a:rPr>
+              <a:t>스크립트 </a:t>
             </a:r>
             <a:r>
               <a:rPr lang="ko-KR" altLang="en-US" sz="1400" smtClean="0">
@@ -4824,132 +5182,7 @@
                 <a:latin typeface="+mn-ea"/>
                 <a:cs typeface="맑은 고딕 Semilight" panose="020B0502040204020203" pitchFamily="50" charset="-127"/>
               </a:rPr>
-              <a:t>환경에서</a:t>
-            </a:r>
-            <a:r>
-              <a:rPr lang="en-US" altLang="ko-KR" sz="1400" smtClean="0">
-                <a:ln>
-                  <a:solidFill>
-                    <a:schemeClr val="tx1">
-                      <a:alpha val="29000"/>
-                    </a:schemeClr>
-                  </a:solidFill>
-                </a:ln>
-                <a:latin typeface="+mn-ea"/>
-                <a:cs typeface="맑은 고딕 Semilight" panose="020B0502040204020203" pitchFamily="50" charset="-127"/>
-              </a:rPr>
-              <a:t/>
-            </a:r>
-            <a:br>
-              <a:rPr lang="en-US" altLang="ko-KR" sz="1400" smtClean="0">
-                <a:ln>
-                  <a:solidFill>
-                    <a:schemeClr val="tx1">
-                      <a:alpha val="29000"/>
-                    </a:schemeClr>
-                  </a:solidFill>
-                </a:ln>
-                <a:latin typeface="+mn-ea"/>
-                <a:cs typeface="맑은 고딕 Semilight" panose="020B0502040204020203" pitchFamily="50" charset="-127"/>
-              </a:rPr>
-            </a:br>
-            <a:r>
-              <a:rPr lang="ko-KR" altLang="en-US" sz="1400" smtClean="0">
-                <a:ln>
-                  <a:solidFill>
-                    <a:schemeClr val="tx1">
-                      <a:alpha val="29000"/>
-                    </a:schemeClr>
-                  </a:solidFill>
-                </a:ln>
-                <a:latin typeface="+mn-ea"/>
-                <a:cs typeface="맑은 고딕 Semilight" panose="020B0502040204020203" pitchFamily="50" charset="-127"/>
-              </a:rPr>
-              <a:t> </a:t>
-            </a:r>
-            <a:r>
-              <a:rPr lang="ko-KR" altLang="en-US" sz="1400">
-                <a:ln>
-                  <a:solidFill>
-                    <a:schemeClr val="tx1">
-                      <a:alpha val="29000"/>
-                    </a:schemeClr>
-                  </a:solidFill>
-                </a:ln>
-                <a:latin typeface="+mn-ea"/>
-                <a:cs typeface="맑은 고딕 Semilight" panose="020B0502040204020203" pitchFamily="50" charset="-127"/>
-              </a:rPr>
-              <a:t>네이티브 앱</a:t>
-            </a:r>
-            <a:r>
-              <a:rPr lang="en-US" altLang="ko-KR" sz="1400">
-                <a:ln>
-                  <a:solidFill>
-                    <a:schemeClr val="tx1">
-                      <a:alpha val="29000"/>
-                    </a:schemeClr>
-                  </a:solidFill>
-                </a:ln>
-                <a:latin typeface="+mn-ea"/>
-                <a:cs typeface="맑은 고딕 Semilight" panose="020B0502040204020203" pitchFamily="50" charset="-127"/>
-              </a:rPr>
-              <a:t>(</a:t>
-            </a:r>
-            <a:r>
-              <a:rPr lang="ko-KR" altLang="en-US" sz="1400">
-                <a:ln>
-                  <a:solidFill>
-                    <a:schemeClr val="tx1">
-                      <a:alpha val="29000"/>
-                    </a:schemeClr>
-                  </a:solidFill>
-                </a:ln>
-                <a:latin typeface="+mn-ea"/>
-                <a:cs typeface="맑은 고딕 Semilight" panose="020B0502040204020203" pitchFamily="50" charset="-127"/>
-              </a:rPr>
-              <a:t>안드로이드</a:t>
-            </a:r>
-            <a:r>
-              <a:rPr lang="en-US" altLang="ko-KR" sz="1400">
-                <a:ln>
-                  <a:solidFill>
-                    <a:schemeClr val="tx1">
-                      <a:alpha val="29000"/>
-                    </a:schemeClr>
-                  </a:solidFill>
-                </a:ln>
-                <a:latin typeface="+mn-ea"/>
-                <a:cs typeface="맑은 고딕 Semilight" panose="020B0502040204020203" pitchFamily="50" charset="-127"/>
-              </a:rPr>
-              <a:t>, IOS)</a:t>
-            </a:r>
-            <a:r>
-              <a:rPr lang="ko-KR" altLang="en-US" sz="1400">
-                <a:ln>
-                  <a:solidFill>
-                    <a:schemeClr val="tx1">
-                      <a:alpha val="29000"/>
-                    </a:schemeClr>
-                  </a:solidFill>
-                </a:ln>
-                <a:latin typeface="+mn-ea"/>
-                <a:cs typeface="맑은 고딕 Semilight" panose="020B0502040204020203" pitchFamily="50" charset="-127"/>
-              </a:rPr>
-              <a:t>으로 구현해왔던 기능이 웹에서도 대부분 구현할 수 </a:t>
-            </a:r>
-            <a:r>
-              <a:rPr lang="ko-KR" altLang="en-US" sz="1400">
-                <a:ln>
-                  <a:solidFill>
-                    <a:schemeClr val="tx1">
-                      <a:alpha val="29000"/>
-                    </a:schemeClr>
-                  </a:solidFill>
-                </a:ln>
-                <a:latin typeface="+mn-ea"/>
-                <a:cs typeface="맑은 고딕 Semilight" panose="020B0502040204020203" pitchFamily="50" charset="-127"/>
-              </a:rPr>
-              <a:t>있음</a:t>
+              <a:t>언어</a:t>
             </a:r>
             <a:endParaRPr lang="en-US" altLang="ko-KR" sz="1400">
               <a:ln>
@@ -4961,7 +5194,6 @@
               </a:ln>
               <a:latin typeface="+mn-ea"/>
               <a:cs typeface="맑은 고딕 Semilight" panose="020B0502040204020203" pitchFamily="50" charset="-127"/>
-              <a:sym typeface="Wingdings" panose="05000000000000000000" pitchFamily="2" charset="2"/>
             </a:endParaRPr>
           </a:p>
           <a:p>
@@ -4977,6 +5209,144 @@
               </a:tabLst>
             </a:pPr>
             <a:r>
+              <a:rPr lang="en-US" altLang="ko-KR" sz="1400">
+                <a:ln>
+                  <a:solidFill>
+                    <a:schemeClr val="tx1">
+                      <a:alpha val="29000"/>
+                    </a:schemeClr>
+                  </a:solidFill>
+                </a:ln>
+                <a:latin typeface="+mn-ea"/>
+                <a:cs typeface="맑은 고딕 Semilight" panose="020B0502040204020203" pitchFamily="50" charset="-127"/>
+              </a:rPr>
+              <a:t>HTML</a:t>
+            </a:r>
+            <a:r>
+              <a:rPr lang="ko-KR" altLang="en-US" sz="1400">
+                <a:ln>
+                  <a:solidFill>
+                    <a:schemeClr val="tx1">
+                      <a:alpha val="29000"/>
+                    </a:schemeClr>
+                  </a:solidFill>
+                </a:ln>
+                <a:latin typeface="+mn-ea"/>
+                <a:cs typeface="맑은 고딕 Semilight" panose="020B0502040204020203" pitchFamily="50" charset="-127"/>
+              </a:rPr>
+              <a:t>로는 웹의 내용을 작성하고</a:t>
+            </a:r>
+            <a:r>
+              <a:rPr lang="en-US" altLang="ko-KR" sz="1400">
+                <a:ln>
+                  <a:solidFill>
+                    <a:schemeClr val="tx1">
+                      <a:alpha val="29000"/>
+                    </a:schemeClr>
+                  </a:solidFill>
+                </a:ln>
+                <a:latin typeface="+mn-ea"/>
+                <a:cs typeface="맑은 고딕 Semilight" panose="020B0502040204020203" pitchFamily="50" charset="-127"/>
+              </a:rPr>
+              <a:t>, </a:t>
+            </a:r>
+            <a:r>
+              <a:rPr lang="en-US" altLang="ko-KR" sz="1400" smtClean="0">
+                <a:ln>
+                  <a:solidFill>
+                    <a:schemeClr val="tx1">
+                      <a:alpha val="29000"/>
+                    </a:schemeClr>
+                  </a:solidFill>
+                </a:ln>
+                <a:latin typeface="+mn-ea"/>
+                <a:cs typeface="맑은 고딕 Semilight" panose="020B0502040204020203" pitchFamily="50" charset="-127"/>
+              </a:rPr>
+              <a:t/>
+            </a:r>
+            <a:br>
+              <a:rPr lang="en-US" altLang="ko-KR" sz="1400" smtClean="0">
+                <a:ln>
+                  <a:solidFill>
+                    <a:schemeClr val="tx1">
+                      <a:alpha val="29000"/>
+                    </a:schemeClr>
+                  </a:solidFill>
+                </a:ln>
+                <a:latin typeface="+mn-ea"/>
+                <a:cs typeface="맑은 고딕 Semilight" panose="020B0502040204020203" pitchFamily="50" charset="-127"/>
+              </a:rPr>
+            </a:br>
+            <a:r>
+              <a:rPr lang="en-US" altLang="ko-KR" sz="1400" smtClean="0">
+                <a:ln>
+                  <a:solidFill>
+                    <a:schemeClr val="tx1">
+                      <a:alpha val="29000"/>
+                    </a:schemeClr>
+                  </a:solidFill>
+                </a:ln>
+                <a:latin typeface="+mn-ea"/>
+                <a:cs typeface="맑은 고딕 Semilight" panose="020B0502040204020203" pitchFamily="50" charset="-127"/>
+              </a:rPr>
+              <a:t>CSS</a:t>
+            </a:r>
+            <a:r>
+              <a:rPr lang="ko-KR" altLang="en-US" sz="1400">
+                <a:ln>
+                  <a:solidFill>
+                    <a:schemeClr val="tx1">
+                      <a:alpha val="29000"/>
+                    </a:schemeClr>
+                  </a:solidFill>
+                </a:ln>
+                <a:latin typeface="+mn-ea"/>
+                <a:cs typeface="맑은 고딕 Semilight" panose="020B0502040204020203" pitchFamily="50" charset="-127"/>
+              </a:rPr>
+              <a:t>로는 웹을 디자인하며</a:t>
+            </a:r>
+            <a:r>
+              <a:rPr lang="en-US" altLang="ko-KR" sz="1400">
+                <a:ln>
+                  <a:solidFill>
+                    <a:schemeClr val="tx1">
+                      <a:alpha val="29000"/>
+                    </a:schemeClr>
+                  </a:solidFill>
+                </a:ln>
+                <a:latin typeface="+mn-ea"/>
+                <a:cs typeface="맑은 고딕 Semilight" panose="020B0502040204020203" pitchFamily="50" charset="-127"/>
+              </a:rPr>
+              <a:t>, </a:t>
+            </a:r>
+            <a:r>
+              <a:rPr lang="en-US" altLang="ko-KR" sz="1400" smtClean="0">
+                <a:ln>
+                  <a:solidFill>
+                    <a:schemeClr val="tx1">
+                      <a:alpha val="29000"/>
+                    </a:schemeClr>
+                  </a:solidFill>
+                </a:ln>
+                <a:latin typeface="+mn-ea"/>
+                <a:cs typeface="맑은 고딕 Semilight" panose="020B0502040204020203" pitchFamily="50" charset="-127"/>
+              </a:rPr>
+              <a:t/>
+            </a:r>
+            <a:br>
+              <a:rPr lang="en-US" altLang="ko-KR" sz="1400" smtClean="0">
+                <a:ln>
+                  <a:solidFill>
+                    <a:schemeClr val="tx1">
+                      <a:alpha val="29000"/>
+                    </a:schemeClr>
+                  </a:solidFill>
+                </a:ln>
+                <a:latin typeface="+mn-ea"/>
+                <a:cs typeface="맑은 고딕 Semilight" panose="020B0502040204020203" pitchFamily="50" charset="-127"/>
+              </a:rPr>
+            </a:br>
+            <a:r>
               <a:rPr lang="ko-KR" altLang="en-US" sz="1400" smtClean="0">
                 <a:ln>
                   <a:solidFill>
@@ -4987,24 +5357,36 @@
                 </a:ln>
                 <a:latin typeface="+mn-ea"/>
                 <a:cs typeface="맑은 고딕 Semilight" panose="020B0502040204020203" pitchFamily="50" charset="-127"/>
-                <a:sym typeface="Wingdings" panose="05000000000000000000" pitchFamily="2" charset="2"/>
-              </a:rPr>
-              <a:t>웹의 중요성에 따른 </a:t>
-            </a:r>
-            <a:r>
-              <a:rPr lang="en-US" altLang="ko-KR" sz="1400" smtClean="0">
-                <a:ln>
-                  <a:solidFill>
-                    <a:schemeClr val="tx1">
-                      <a:alpha val="29000"/>
-                    </a:schemeClr>
-                  </a:solidFill>
-                </a:ln>
-                <a:latin typeface="+mn-ea"/>
-                <a:cs typeface="맑은 고딕 Semilight" panose="020B0502040204020203" pitchFamily="50" charset="-127"/>
-                <a:sym typeface="Wingdings" panose="05000000000000000000" pitchFamily="2" charset="2"/>
-              </a:rPr>
-              <a:t>JavaScript</a:t>
+              </a:rPr>
+              <a:t>자바스크립트로는 </a:t>
+            </a:r>
+            <a:r>
+              <a:rPr lang="ko-KR" altLang="en-US" sz="1400">
+                <a:ln>
+                  <a:solidFill>
+                    <a:schemeClr val="tx1">
+                      <a:alpha val="29000"/>
+                    </a:schemeClr>
+                  </a:solidFill>
+                </a:ln>
+                <a:latin typeface="+mn-ea"/>
+                <a:cs typeface="맑은 고딕 Semilight" panose="020B0502040204020203" pitchFamily="50" charset="-127"/>
+              </a:rPr>
+              <a:t>웹의 </a:t>
+            </a:r>
+            <a:r>
+              <a:rPr lang="ko-KR" altLang="en-US" sz="1400">
+                <a:ln>
+                  <a:solidFill>
+                    <a:schemeClr val="tx1">
+                      <a:alpha val="29000"/>
+                    </a:schemeClr>
+                  </a:solidFill>
+                </a:ln>
+                <a:latin typeface="+mn-ea"/>
+                <a:cs typeface="맑은 고딕 Semilight" panose="020B0502040204020203" pitchFamily="50" charset="-127"/>
+              </a:rPr>
+              <a:t>동작을 </a:t>
             </a:r>
             <a:r>
               <a:rPr lang="ko-KR" altLang="en-US" sz="1400" smtClean="0">
@@ -5017,11 +5399,10 @@
                 </a:ln>
                 <a:latin typeface="+mn-ea"/>
                 <a:cs typeface="맑은 고딕 Semilight" panose="020B0502040204020203" pitchFamily="50" charset="-127"/>
-                <a:sym typeface="Wingdings" panose="05000000000000000000" pitchFamily="2" charset="2"/>
-              </a:rPr>
-              <a:t>의 중요성 확대</a:t>
-            </a:r>
-            <a:endParaRPr lang="en-US" altLang="ko-KR" sz="1400" smtClean="0">
+              </a:rPr>
+              <a:t>구현</a:t>
+            </a:r>
+            <a:endParaRPr lang="en-US" altLang="ko-KR" sz="1400">
               <a:ln>
                 <a:solidFill>
                   <a:schemeClr val="tx1">
@@ -5031,220 +5412,6 @@
               </a:ln>
               <a:latin typeface="+mn-ea"/>
               <a:cs typeface="맑은 고딕 Semilight" panose="020B0502040204020203" pitchFamily="50" charset="-127"/>
-              <a:sym typeface="Wingdings" panose="05000000000000000000" pitchFamily="2" charset="2"/>
-            </a:endParaRPr>
-          </a:p>
-          <a:p>
-            <a:pPr marL="966216" lvl="2" indent="-342900">
-              <a:lnSpc>
-                <a:spcPct val="150000"/>
-              </a:lnSpc>
-              <a:buFont typeface="+mj-lt"/>
-              <a:buAutoNum type="arabicParenR"/>
-              <a:tabLst>
-                <a:tab pos="182563" algn="l"/>
-                <a:tab pos="449263" algn="l"/>
-              </a:tabLst>
-            </a:pPr>
-            <a:r>
-              <a:rPr lang="en-US" altLang="ko-KR" sz="1200" smtClean="0">
-                <a:ln>
-                  <a:solidFill>
-                    <a:schemeClr val="tx1">
-                      <a:alpha val="29000"/>
-                    </a:schemeClr>
-                  </a:solidFill>
-                </a:ln>
-                <a:latin typeface="+mn-ea"/>
-                <a:cs typeface="맑은 고딕 Semilight" panose="020B0502040204020203" pitchFamily="50" charset="-127"/>
-                <a:sym typeface="Wingdings" panose="05000000000000000000" pitchFamily="2" charset="2"/>
-              </a:rPr>
-              <a:t>cross-platform</a:t>
-            </a:r>
-          </a:p>
-          <a:p>
-            <a:pPr marL="966216" lvl="2" indent="-342900">
-              <a:lnSpc>
-                <a:spcPct val="150000"/>
-              </a:lnSpc>
-              <a:buFont typeface="+mj-lt"/>
-              <a:buAutoNum type="arabicParenR"/>
-              <a:tabLst>
-                <a:tab pos="182563" algn="l"/>
-                <a:tab pos="449263" algn="l"/>
-              </a:tabLst>
-            </a:pPr>
-            <a:r>
-              <a:rPr lang="ko-KR" altLang="en-US" sz="1200">
-                <a:ln>
-                  <a:solidFill>
-                    <a:schemeClr val="tx1">
-                      <a:alpha val="29000"/>
-                    </a:schemeClr>
-                  </a:solidFill>
-                </a:ln>
-                <a:latin typeface="+mn-ea"/>
-                <a:cs typeface="맑은 고딕 Semilight" panose="020B0502040204020203" pitchFamily="50" charset="-127"/>
-                <a:sym typeface="Wingdings" panose="05000000000000000000" pitchFamily="2" charset="2"/>
-              </a:rPr>
-              <a:t>검색 </a:t>
-            </a:r>
-            <a:r>
-              <a:rPr lang="ko-KR" altLang="en-US" sz="1200" smtClean="0">
-                <a:ln>
-                  <a:solidFill>
-                    <a:schemeClr val="tx1">
-                      <a:alpha val="29000"/>
-                    </a:schemeClr>
-                  </a:solidFill>
-                </a:ln>
-                <a:latin typeface="+mn-ea"/>
-                <a:cs typeface="맑은 고딕 Semilight" panose="020B0502040204020203" pitchFamily="50" charset="-127"/>
-                <a:sym typeface="Wingdings" panose="05000000000000000000" pitchFamily="2" charset="2"/>
-              </a:rPr>
-              <a:t>가능</a:t>
-            </a:r>
-            <a:endParaRPr lang="en-US" altLang="ko-KR" sz="1200" smtClean="0">
-              <a:ln>
-                <a:solidFill>
-                  <a:schemeClr val="tx1">
-                    <a:alpha val="29000"/>
-                  </a:schemeClr>
-                </a:solidFill>
-              </a:ln>
-              <a:latin typeface="+mn-ea"/>
-              <a:cs typeface="맑은 고딕 Semilight" panose="020B0502040204020203" pitchFamily="50" charset="-127"/>
-              <a:sym typeface="Wingdings" panose="05000000000000000000" pitchFamily="2" charset="2"/>
-            </a:endParaRPr>
-          </a:p>
-          <a:p>
-            <a:pPr marL="966216" lvl="2" indent="-342900">
-              <a:lnSpc>
-                <a:spcPct val="150000"/>
-              </a:lnSpc>
-              <a:buFont typeface="+mj-lt"/>
-              <a:buAutoNum type="arabicParenR"/>
-              <a:tabLst>
-                <a:tab pos="182563" algn="l"/>
-                <a:tab pos="449263" algn="l"/>
-              </a:tabLst>
-            </a:pPr>
-            <a:r>
-              <a:rPr lang="ko-KR" altLang="en-US" sz="1200" smtClean="0">
-                <a:ln>
-                  <a:solidFill>
-                    <a:schemeClr val="tx1">
-                      <a:alpha val="29000"/>
-                    </a:schemeClr>
-                  </a:solidFill>
-                </a:ln>
-                <a:latin typeface="+mn-ea"/>
-                <a:cs typeface="맑은 고딕 Semilight" panose="020B0502040204020203" pitchFamily="50" charset="-127"/>
-                <a:sym typeface="Wingdings" panose="05000000000000000000" pitchFamily="2" charset="2"/>
-              </a:rPr>
-              <a:t>네이티브 </a:t>
-            </a:r>
-            <a:r>
-              <a:rPr lang="ko-KR" altLang="en-US" sz="1200">
-                <a:ln>
-                  <a:solidFill>
-                    <a:schemeClr val="tx1">
-                      <a:alpha val="29000"/>
-                    </a:schemeClr>
-                  </a:solidFill>
-                </a:ln>
-                <a:latin typeface="+mn-ea"/>
-                <a:cs typeface="맑은 고딕 Semilight" panose="020B0502040204020203" pitchFamily="50" charset="-127"/>
-                <a:sym typeface="Wingdings" panose="05000000000000000000" pitchFamily="2" charset="2"/>
-              </a:rPr>
-              <a:t>디바이스를 제어할 수 있는 하드브리드 시스템</a:t>
-            </a:r>
-            <a:r>
-              <a:rPr lang="en-US" altLang="ko-KR" sz="1200">
-                <a:ln>
-                  <a:solidFill>
-                    <a:schemeClr val="tx1">
-                      <a:alpha val="29000"/>
-                    </a:schemeClr>
-                  </a:solidFill>
-                </a:ln>
-                <a:latin typeface="+mn-ea"/>
-                <a:cs typeface="맑은 고딕 Semilight" panose="020B0502040204020203" pitchFamily="50" charset="-127"/>
-                <a:sym typeface="Wingdings" panose="05000000000000000000" pitchFamily="2" charset="2"/>
-              </a:rPr>
-              <a:t>(phonegap </a:t>
-            </a:r>
-            <a:r>
-              <a:rPr lang="ko-KR" altLang="en-US" sz="1200">
-                <a:ln>
-                  <a:solidFill>
-                    <a:schemeClr val="tx1">
-                      <a:alpha val="29000"/>
-                    </a:schemeClr>
-                  </a:solidFill>
-                </a:ln>
-                <a:latin typeface="+mn-ea"/>
-                <a:cs typeface="맑은 고딕 Semilight" panose="020B0502040204020203" pitchFamily="50" charset="-127"/>
-                <a:sym typeface="Wingdings" panose="05000000000000000000" pitchFamily="2" charset="2"/>
-              </a:rPr>
-              <a:t>등</a:t>
-            </a:r>
-            <a:r>
-              <a:rPr lang="en-US" altLang="ko-KR" sz="1200">
-                <a:ln>
-                  <a:solidFill>
-                    <a:schemeClr val="tx1">
-                      <a:alpha val="29000"/>
-                    </a:schemeClr>
-                  </a:solidFill>
-                </a:ln>
-                <a:latin typeface="+mn-ea"/>
-                <a:cs typeface="맑은 고딕 Semilight" panose="020B0502040204020203" pitchFamily="50" charset="-127"/>
-                <a:sym typeface="Wingdings" panose="05000000000000000000" pitchFamily="2" charset="2"/>
-              </a:rPr>
-              <a:t>)</a:t>
-            </a:r>
-            <a:r>
-              <a:rPr lang="ko-KR" altLang="en-US" sz="1200">
-                <a:ln>
-                  <a:solidFill>
-                    <a:schemeClr val="tx1">
-                      <a:alpha val="29000"/>
-                    </a:schemeClr>
-                  </a:solidFill>
-                </a:ln>
-                <a:latin typeface="+mn-ea"/>
-                <a:cs typeface="맑은 고딕 Semilight" panose="020B0502040204020203" pitchFamily="50" charset="-127"/>
-                <a:sym typeface="Wingdings" panose="05000000000000000000" pitchFamily="2" charset="2"/>
-              </a:rPr>
-              <a:t>이 </a:t>
-            </a:r>
-            <a:r>
-              <a:rPr lang="ko-KR" altLang="en-US" sz="1200" smtClean="0">
-                <a:ln>
-                  <a:solidFill>
-                    <a:schemeClr val="tx1">
-                      <a:alpha val="29000"/>
-                    </a:schemeClr>
-                  </a:solidFill>
-                </a:ln>
-                <a:latin typeface="+mn-ea"/>
-                <a:cs typeface="맑은 고딕 Semilight" panose="020B0502040204020203" pitchFamily="50" charset="-127"/>
-                <a:sym typeface="Wingdings" panose="05000000000000000000" pitchFamily="2" charset="2"/>
-              </a:rPr>
-              <a:t>존재</a:t>
-            </a:r>
-            <a:endParaRPr lang="en-US" altLang="ko-KR" sz="1200">
-              <a:ln>
-                <a:solidFill>
-                  <a:schemeClr val="tx1">
-                    <a:alpha val="29000"/>
-                  </a:schemeClr>
-                </a:solidFill>
-              </a:ln>
-              <a:latin typeface="+mn-ea"/>
-              <a:cs typeface="맑은 고딕 Semilight" panose="020B0502040204020203" pitchFamily="50" charset="-127"/>
-              <a:sym typeface="Wingdings" panose="05000000000000000000" pitchFamily="2" charset="2"/>
             </a:endParaRPr>
           </a:p>
           <a:p>
@@ -5260,6 +5427,20 @@
               </a:tabLst>
             </a:pPr>
             <a:r>
+              <a:rPr lang="ko-KR" altLang="en-US" sz="1400" smtClean="0">
+                <a:ln>
+                  <a:solidFill>
+                    <a:schemeClr val="tx1">
+                      <a:alpha val="29000"/>
+                    </a:schemeClr>
+                  </a:solidFill>
+                </a:ln>
+                <a:latin typeface="+mn-ea"/>
+                <a:cs typeface="맑은 고딕 Semilight" panose="020B0502040204020203" pitchFamily="50" charset="-127"/>
+              </a:rPr>
+              <a:t>자바스크립트는 </a:t>
+            </a:r>
+            <a:r>
               <a:rPr lang="ko-KR" altLang="en-US" sz="1400">
                 <a:ln>
                   <a:solidFill>
@@ -5270,9 +5451,8 @@
                 </a:ln>
                 <a:latin typeface="+mn-ea"/>
                 <a:cs typeface="맑은 고딕 Semilight" panose="020B0502040204020203" pitchFamily="50" charset="-127"/>
-                <a:sym typeface="Wingdings" panose="05000000000000000000" pitchFamily="2" charset="2"/>
-              </a:rPr>
-              <a:t>자바스크립트가 웹을 벗어나서 </a:t>
+              </a:rPr>
+              <a:t>주로 웹 브라우저에서 </a:t>
             </a:r>
             <a:r>
               <a:rPr lang="ko-KR" altLang="en-US" sz="1400">
@@ -5285,9 +5465,91 @@
                 </a:ln>
                 <a:latin typeface="+mn-ea"/>
                 <a:cs typeface="맑은 고딕 Semilight" panose="020B0502040204020203" pitchFamily="50" charset="-127"/>
-                <a:sym typeface="Wingdings" panose="05000000000000000000" pitchFamily="2" charset="2"/>
-              </a:rPr>
-              <a:t>광범위하게 </a:t>
+              </a:rPr>
+              <a:t>사용되나</a:t>
+            </a:r>
+            <a:r>
+              <a:rPr lang="en-US" altLang="ko-KR" sz="1400" smtClean="0">
+                <a:ln>
+                  <a:solidFill>
+                    <a:schemeClr val="tx1">
+                      <a:alpha val="29000"/>
+                    </a:schemeClr>
+                  </a:solidFill>
+                </a:ln>
+                <a:latin typeface="+mn-ea"/>
+                <a:cs typeface="맑은 고딕 Semilight" panose="020B0502040204020203" pitchFamily="50" charset="-127"/>
+              </a:rPr>
+              <a:t>,</a:t>
+            </a:r>
+            <a:br>
+              <a:rPr lang="en-US" altLang="ko-KR" sz="1400" smtClean="0">
+                <a:ln>
+                  <a:solidFill>
+                    <a:schemeClr val="tx1">
+                      <a:alpha val="29000"/>
+                    </a:schemeClr>
+                  </a:solidFill>
+                </a:ln>
+                <a:latin typeface="+mn-ea"/>
+                <a:cs typeface="맑은 고딕 Semilight" panose="020B0502040204020203" pitchFamily="50" charset="-127"/>
+              </a:rPr>
+            </a:br>
+            <a:r>
+              <a:rPr lang="en-US" altLang="ko-KR" sz="1400" smtClean="0">
+                <a:ln>
+                  <a:solidFill>
+                    <a:schemeClr val="tx1">
+                      <a:alpha val="29000"/>
+                    </a:schemeClr>
+                  </a:solidFill>
+                </a:ln>
+                <a:latin typeface="+mn-ea"/>
+                <a:cs typeface="맑은 고딕 Semilight" panose="020B0502040204020203" pitchFamily="50" charset="-127"/>
+              </a:rPr>
+              <a:t> </a:t>
+            </a:r>
+            <a:r>
+              <a:rPr lang="en-US" altLang="ko-KR" sz="1400">
+                <a:ln>
+                  <a:solidFill>
+                    <a:schemeClr val="tx1">
+                      <a:alpha val="29000"/>
+                    </a:schemeClr>
+                  </a:solidFill>
+                </a:ln>
+                <a:latin typeface="+mn-ea"/>
+                <a:cs typeface="맑은 고딕 Semilight" panose="020B0502040204020203" pitchFamily="50" charset="-127"/>
+              </a:rPr>
+              <a:t>Node.js</a:t>
+            </a:r>
+            <a:r>
+              <a:rPr lang="ko-KR" altLang="en-US" sz="1400">
+                <a:ln>
+                  <a:solidFill>
+                    <a:schemeClr val="tx1">
+                      <a:alpha val="29000"/>
+                    </a:schemeClr>
+                  </a:solidFill>
+                </a:ln>
+                <a:latin typeface="+mn-ea"/>
+                <a:cs typeface="맑은 고딕 Semilight" panose="020B0502040204020203" pitchFamily="50" charset="-127"/>
+              </a:rPr>
+              <a:t>와 같은 프레임워크를 사용하면 서버 측 프로그래밍에서도 사용할 </a:t>
+            </a:r>
+            <a:r>
+              <a:rPr lang="ko-KR" altLang="en-US" sz="1400">
+                <a:ln>
+                  <a:solidFill>
+                    <a:schemeClr val="tx1">
+                      <a:alpha val="29000"/>
+                    </a:schemeClr>
+                  </a:solidFill>
+                </a:ln>
+                <a:latin typeface="+mn-ea"/>
+                <a:cs typeface="맑은 고딕 Semilight" panose="020B0502040204020203" pitchFamily="50" charset="-127"/>
+              </a:rPr>
+              <a:t>수 </a:t>
             </a:r>
             <a:r>
               <a:rPr lang="ko-KR" altLang="en-US" sz="1400" smtClean="0">
@@ -5300,11 +5562,10 @@
                 </a:ln>
                 <a:latin typeface="+mn-ea"/>
                 <a:cs typeface="맑은 고딕 Semilight" panose="020B0502040204020203" pitchFamily="50" charset="-127"/>
-                <a:sym typeface="Wingdings" panose="05000000000000000000" pitchFamily="2" charset="2"/>
-              </a:rPr>
-              <a:t>사용</a:t>
-            </a:r>
-            <a:endParaRPr lang="en-US" altLang="ko-KR" sz="1400" smtClean="0">
+              </a:rPr>
+              <a:t>있음</a:t>
+            </a:r>
+            <a:endParaRPr lang="en-US" altLang="ko-KR" sz="1400">
               <a:ln>
                 <a:solidFill>
                   <a:schemeClr val="tx1">
@@ -5314,52 +5575,10 @@
               </a:ln>
               <a:latin typeface="+mn-ea"/>
               <a:cs typeface="맑은 고딕 Semilight" panose="020B0502040204020203" pitchFamily="50" charset="-127"/>
-              <a:sym typeface="Wingdings" panose="05000000000000000000" pitchFamily="2" charset="2"/>
             </a:endParaRPr>
           </a:p>
         </p:txBody>
       </p:sp>
-      <p:pic>
-        <p:nvPicPr>
-          <p:cNvPr id="1026" name="Picture 2" descr="비공식 자바스크립트 로고 2"/>
-          <p:cNvPicPr>
-            <a:picLocks noChangeAspect="1" noChangeArrowheads="1"/>
-          </p:cNvPicPr>
-          <p:nvPr/>
-        </p:nvPicPr>
-        <p:blipFill>
-          <a:blip r:embed="rId3" cstate="print">
-            <a:extLst>
-              <a:ext uri="{28A0092B-C50C-407E-A947-70E740481C1C}">
-                <a14:useLocalDpi xmlns:a14="http://schemas.microsoft.com/office/drawing/2010/main" val="0"/>
-              </a:ext>
-            </a:extLst>
-          </a:blip>
-          <a:srcRect/>
-          <a:stretch>
-            <a:fillRect/>
-          </a:stretch>
-        </p:blipFill>
-        <p:spPr bwMode="auto">
-          <a:xfrm>
-            <a:off x="4521941" y="4387885"/>
-            <a:ext cx="1069975" cy="1069975"/>
-          </a:xfrm>
-          <a:prstGeom prst="rect">
-            <a:avLst/>
-          </a:prstGeom>
-          <a:noFill/>
-          <a:extLst>
-            <a:ext uri="{909E8E84-426E-40DD-AFC4-6F175D3DCCD1}">
-              <a14:hiddenFill xmlns:a14="http://schemas.microsoft.com/office/drawing/2010/main">
-                <a:solidFill>
-                  <a:srgbClr val="FFFFFF"/>
-                </a:solidFill>
-              </a14:hiddenFill>
-            </a:ext>
-          </a:extLst>
-        </p:spPr>
-      </p:pic>
     </p:spTree>
     <p:extLst>
       <p:ext uri="{BB962C8B-B14F-4D97-AF65-F5344CB8AC3E}">
@@ -5520,7 +5739,7 @@
         <p:spPr>
           <a:xfrm>
             <a:off x="267599" y="825566"/>
-            <a:ext cx="9578660" cy="1800493"/>
+            <a:ext cx="9578660" cy="2631490"/>
           </a:xfrm>
           <a:prstGeom prst="rect">
             <a:avLst/>
@@ -5568,37 +5787,7 @@
                 <a:cs typeface="맑은 고딕 Semilight" panose="020B0502040204020203" pitchFamily="50" charset="-127"/>
                 <a:sym typeface="Wingdings" panose="05000000000000000000" pitchFamily="2" charset="2"/>
               </a:rPr>
-              <a:t>의</a:t>
-            </a:r>
-            <a:r>
-              <a:rPr lang="en-US" altLang="ko-KR" sz="1800" smtClean="0">
-                <a:ln>
-                  <a:solidFill>
-                    <a:schemeClr val="tx1">
-                      <a:alpha val="29000"/>
-                    </a:schemeClr>
-                  </a:solidFill>
-                </a:ln>
-                <a:latin typeface="+mn-ea"/>
-                <a:cs typeface="맑은 고딕 Semilight" panose="020B0502040204020203" pitchFamily="50" charset="-127"/>
-                <a:sym typeface="Wingdings" panose="05000000000000000000" pitchFamily="2" charset="2"/>
-              </a:rPr>
-              <a:t> </a:t>
-            </a:r>
-            <a:r>
-              <a:rPr lang="ko-KR" altLang="en-US" sz="1800" smtClean="0">
-                <a:ln>
-                  <a:solidFill>
-                    <a:schemeClr val="tx1">
-                      <a:alpha val="29000"/>
-                    </a:schemeClr>
-                  </a:solidFill>
-                </a:ln>
-                <a:latin typeface="+mn-ea"/>
-                <a:cs typeface="맑은 고딕 Semilight" panose="020B0502040204020203" pitchFamily="50" charset="-127"/>
-                <a:sym typeface="Wingdings" panose="05000000000000000000" pitchFamily="2" charset="2"/>
-              </a:rPr>
-              <a:t>역사</a:t>
+              <a:t>에대한 간단한 설명</a:t>
             </a:r>
             <a:endParaRPr lang="en-US" altLang="ko-KR" sz="1800" dirty="0">
               <a:ln>
@@ -5626,6 +5815,20 @@
               </a:tabLst>
             </a:pPr>
             <a:r>
+              <a:rPr lang="ko-KR" altLang="en-US" sz="1400" smtClean="0">
+                <a:ln>
+                  <a:solidFill>
+                    <a:schemeClr val="tx1">
+                      <a:alpha val="29000"/>
+                    </a:schemeClr>
+                  </a:solidFill>
+                </a:ln>
+                <a:latin typeface="+mn-ea"/>
+                <a:cs typeface="맑은 고딕 Semilight" panose="020B0502040204020203" pitchFamily="50" charset="-127"/>
+              </a:rPr>
+              <a:t>최근에는 </a:t>
+            </a:r>
+            <a:r>
               <a:rPr lang="en-US" altLang="ko-KR" sz="1400">
                 <a:ln>
                   <a:solidFill>
@@ -5637,7 +5840,7 @@
                 <a:latin typeface="+mn-ea"/>
                 <a:cs typeface="맑은 고딕 Semilight" panose="020B0502040204020203" pitchFamily="50" charset="-127"/>
               </a:rPr>
-              <a:t>HTML</a:t>
+              <a:t>HTML5</a:t>
             </a:r>
             <a:r>
               <a:rPr lang="ko-KR" altLang="en-US" sz="1400">
@@ -5651,21 +5854,7 @@
                 <a:latin typeface="+mn-ea"/>
                 <a:cs typeface="맑은 고딕 Semilight" panose="020B0502040204020203" pitchFamily="50" charset="-127"/>
               </a:rPr>
-              <a:t>이 한번 화면에 출력된 후에는 그 형태나 동작방법을 바꿀 </a:t>
-            </a:r>
-            <a:r>
-              <a:rPr lang="ko-KR" altLang="en-US" sz="1400">
-                <a:ln>
-                  <a:solidFill>
-                    <a:schemeClr val="tx1">
-                      <a:alpha val="29000"/>
-                    </a:schemeClr>
-                  </a:solidFill>
-                </a:ln>
-                <a:latin typeface="+mn-ea"/>
-                <a:cs typeface="맑은 고딕 Semilight" panose="020B0502040204020203" pitchFamily="50" charset="-127"/>
-              </a:rPr>
-              <a:t>수 </a:t>
+              <a:t>의 적용이 가속화되면서 지금까지 모바일 </a:t>
             </a:r>
             <a:r>
               <a:rPr lang="ko-KR" altLang="en-US" sz="1400" smtClean="0">
@@ -5679,7 +5868,7 @@
                 <a:latin typeface="+mn-ea"/>
                 <a:cs typeface="맑은 고딕 Semilight" panose="020B0502040204020203" pitchFamily="50" charset="-127"/>
               </a:rPr>
-              <a:t>없음</a:t>
+              <a:t>환경에서</a:t>
             </a:r>
             <a:r>
               <a:rPr lang="en-US" altLang="ko-KR" sz="1400" smtClean="0">
@@ -5709,7 +5898,7 @@
               </a:rPr>
             </a:br>
             <a:r>
-              <a:rPr lang="en-US" altLang="ko-KR" sz="1400" smtClean="0">
+              <a:rPr lang="ko-KR" altLang="en-US" sz="1400" smtClean="0">
                 <a:ln>
                   <a:solidFill>
                     <a:schemeClr val="tx1">
@@ -5723,50 +5912,6 @@
               <a:t> </a:t>
             </a:r>
             <a:r>
-              <a:rPr lang="en-US" altLang="ko-KR" sz="1400" smtClean="0">
-                <a:ln>
-                  <a:solidFill>
-                    <a:schemeClr val="tx1">
-                      <a:alpha val="29000"/>
-                    </a:schemeClr>
-                  </a:solidFill>
-                </a:ln>
-                <a:latin typeface="+mn-ea"/>
-                <a:cs typeface="맑은 고딕 Semilight" panose="020B0502040204020203" pitchFamily="50" charset="-127"/>
-                <a:sym typeface="Wingdings" panose="05000000000000000000" pitchFamily="2" charset="2"/>
-              </a:rPr>
-              <a:t> </a:t>
-            </a:r>
-            <a:r>
-              <a:rPr lang="ko-KR" altLang="en-US" sz="1400" smtClean="0">
-                <a:ln>
-                  <a:solidFill>
-                    <a:schemeClr val="tx1">
-                      <a:alpha val="29000"/>
-                    </a:schemeClr>
-                  </a:solidFill>
-                </a:ln>
-                <a:latin typeface="+mn-ea"/>
-                <a:cs typeface="맑은 고딕 Semilight" panose="020B0502040204020203" pitchFamily="50" charset="-127"/>
-                <a:sym typeface="Wingdings" panose="05000000000000000000" pitchFamily="2" charset="2"/>
-              </a:rPr>
-              <a:t>이러한</a:t>
-            </a:r>
-            <a:r>
-              <a:rPr lang="ko-KR" altLang="en-US" sz="1400" smtClean="0">
-                <a:ln>
-                  <a:solidFill>
-                    <a:schemeClr val="tx1">
-                      <a:alpha val="29000"/>
-                    </a:schemeClr>
-                  </a:solidFill>
-                </a:ln>
-                <a:latin typeface="+mn-ea"/>
-                <a:cs typeface="맑은 고딕 Semilight" panose="020B0502040204020203" pitchFamily="50" charset="-127"/>
-              </a:rPr>
-              <a:t> </a:t>
-            </a:r>
-            <a:r>
               <a:rPr lang="ko-KR" altLang="en-US" sz="1400">
                 <a:ln>
                   <a:solidFill>
@@ -5778,7 +5923,21 @@
                 <a:latin typeface="+mn-ea"/>
                 <a:cs typeface="맑은 고딕 Semilight" panose="020B0502040204020203" pitchFamily="50" charset="-127"/>
               </a:rPr>
-              <a:t>문제를 해결하기 위해서 </a:t>
+              <a:t>네이티브 앱</a:t>
+            </a:r>
+            <a:r>
+              <a:rPr lang="en-US" altLang="ko-KR" sz="1400">
+                <a:ln>
+                  <a:solidFill>
+                    <a:schemeClr val="tx1">
+                      <a:alpha val="29000"/>
+                    </a:schemeClr>
+                  </a:solidFill>
+                </a:ln>
+                <a:latin typeface="+mn-ea"/>
+                <a:cs typeface="맑은 고딕 Semilight" panose="020B0502040204020203" pitchFamily="50" charset="-127"/>
+              </a:rPr>
+              <a:t>(</a:t>
             </a:r>
             <a:r>
               <a:rPr lang="ko-KR" altLang="en-US" sz="1400">
@@ -5792,23 +5951,37 @@
                 <a:latin typeface="+mn-ea"/>
                 <a:cs typeface="맑은 고딕 Semilight" panose="020B0502040204020203" pitchFamily="50" charset="-127"/>
               </a:rPr>
-              <a:t>네스케이프에서 </a:t>
-            </a:r>
-            <a:r>
-              <a:rPr lang="ko-KR" altLang="en-US" sz="1400" smtClean="0">
-                <a:ln>
-                  <a:solidFill>
-                    <a:schemeClr val="tx1">
-                      <a:alpha val="29000"/>
-                    </a:schemeClr>
-                  </a:solidFill>
-                </a:ln>
-                <a:latin typeface="+mn-ea"/>
-                <a:cs typeface="맑은 고딕 Semilight" panose="020B0502040204020203" pitchFamily="50" charset="-127"/>
-              </a:rPr>
-              <a:t>만듦</a:t>
-            </a:r>
-            <a:endParaRPr lang="en-US" altLang="ko-KR" sz="1400" smtClean="0">
+              <a:t>안드로이드</a:t>
+            </a:r>
+            <a:r>
+              <a:rPr lang="en-US" altLang="ko-KR" sz="1400">
+                <a:ln>
+                  <a:solidFill>
+                    <a:schemeClr val="tx1">
+                      <a:alpha val="29000"/>
+                    </a:schemeClr>
+                  </a:solidFill>
+                </a:ln>
+                <a:latin typeface="+mn-ea"/>
+                <a:cs typeface="맑은 고딕 Semilight" panose="020B0502040204020203" pitchFamily="50" charset="-127"/>
+              </a:rPr>
+              <a:t>, IOS)</a:t>
+            </a:r>
+            <a:r>
+              <a:rPr lang="ko-KR" altLang="en-US" sz="1400">
+                <a:ln>
+                  <a:solidFill>
+                    <a:schemeClr val="tx1">
+                      <a:alpha val="29000"/>
+                    </a:schemeClr>
+                  </a:solidFill>
+                </a:ln>
+                <a:latin typeface="+mn-ea"/>
+                <a:cs typeface="맑은 고딕 Semilight" panose="020B0502040204020203" pitchFamily="50" charset="-127"/>
+              </a:rPr>
+              <a:t>으로 구현해왔던 기능이 웹에서도 대부분 구현할 수 있음</a:t>
+            </a:r>
+            <a:endParaRPr lang="en-US" altLang="ko-KR" sz="1400">
               <a:ln>
                 <a:solidFill>
                   <a:schemeClr val="tx1">
@@ -5818,6 +5991,7 @@
               </a:ln>
               <a:latin typeface="+mn-ea"/>
               <a:cs typeface="맑은 고딕 Semilight" panose="020B0502040204020203" pitchFamily="50" charset="-127"/>
+              <a:sym typeface="Wingdings" panose="05000000000000000000" pitchFamily="2" charset="2"/>
             </a:endParaRPr>
           </a:p>
           <a:p>
@@ -5833,62 +6007,6 @@
               </a:tabLst>
             </a:pPr>
             <a:r>
-              <a:rPr lang="ko-KR" altLang="en-US" sz="1400">
-                <a:ln>
-                  <a:solidFill>
-                    <a:schemeClr val="tx1">
-                      <a:alpha val="29000"/>
-                    </a:schemeClr>
-                  </a:solidFill>
-                </a:ln>
-                <a:latin typeface="+mn-ea"/>
-                <a:cs typeface="맑은 고딕 Semilight" panose="020B0502040204020203" pitchFamily="50" charset="-127"/>
-              </a:rPr>
-              <a:t>마이크로소프트의 인터넷 익스플로러에 </a:t>
-            </a:r>
-            <a:r>
-              <a:rPr lang="en-US" altLang="ko-KR" sz="1400">
-                <a:ln>
-                  <a:solidFill>
-                    <a:schemeClr val="tx1">
-                      <a:alpha val="29000"/>
-                    </a:schemeClr>
-                  </a:solidFill>
-                </a:ln>
-                <a:latin typeface="+mn-ea"/>
-                <a:cs typeface="맑은 고딕 Semilight" panose="020B0502040204020203" pitchFamily="50" charset="-127"/>
-              </a:rPr>
-              <a:t>jscript</a:t>
-            </a:r>
-            <a:r>
-              <a:rPr lang="ko-KR" altLang="en-US" sz="1400">
-                <a:ln>
-                  <a:solidFill>
-                    <a:schemeClr val="tx1">
-                      <a:alpha val="29000"/>
-                    </a:schemeClr>
-                  </a:solidFill>
-                </a:ln>
-                <a:latin typeface="+mn-ea"/>
-                <a:cs typeface="맑은 고딕 Semilight" panose="020B0502040204020203" pitchFamily="50" charset="-127"/>
-              </a:rPr>
-              <a:t>라는 </a:t>
-            </a:r>
-            <a:r>
-              <a:rPr lang="ko-KR" altLang="en-US" sz="1400">
-                <a:ln>
-                  <a:solidFill>
-                    <a:schemeClr val="tx1">
-                      <a:alpha val="29000"/>
-                    </a:schemeClr>
-                  </a:solidFill>
-                </a:ln>
-                <a:latin typeface="+mn-ea"/>
-                <a:cs typeface="맑은 고딕 Semilight" panose="020B0502040204020203" pitchFamily="50" charset="-127"/>
-              </a:rPr>
-              <a:t>이름으로 </a:t>
-            </a:r>
-            <a:r>
               <a:rPr lang="ko-KR" altLang="en-US" sz="1400" smtClean="0">
                 <a:ln>
                   <a:solidFill>
@@ -5899,8 +6017,9 @@
                 </a:ln>
                 <a:latin typeface="+mn-ea"/>
                 <a:cs typeface="맑은 고딕 Semilight" panose="020B0502040204020203" pitchFamily="50" charset="-127"/>
-              </a:rPr>
-              <a:t>탑재됨</a:t>
+                <a:sym typeface="Wingdings" panose="05000000000000000000" pitchFamily="2" charset="2"/>
+              </a:rPr>
+              <a:t>웹의 중요성에 따른 </a:t>
             </a:r>
             <a:r>
               <a:rPr lang="en-US" altLang="ko-KR" sz="1400" smtClean="0">
@@ -5913,50 +6032,9 @@
                 </a:ln>
                 <a:latin typeface="+mn-ea"/>
                 <a:cs typeface="맑은 고딕 Semilight" panose="020B0502040204020203" pitchFamily="50" charset="-127"/>
-              </a:rPr>
-              <a:t/>
-            </a:r>
-            <a:br>
-              <a:rPr lang="en-US" altLang="ko-KR" sz="1400" smtClean="0">
-                <a:ln>
-                  <a:solidFill>
-                    <a:schemeClr val="tx1">
-                      <a:alpha val="29000"/>
-                    </a:schemeClr>
-                  </a:solidFill>
-                </a:ln>
-                <a:latin typeface="+mn-ea"/>
-                <a:cs typeface="맑은 고딕 Semilight" panose="020B0502040204020203" pitchFamily="50" charset="-127"/>
-              </a:rPr>
-            </a:br>
-            <a:r>
-              <a:rPr lang="en-US" altLang="ko-KR" sz="1400" smtClean="0">
-                <a:ln>
-                  <a:solidFill>
-                    <a:schemeClr val="tx1">
-                      <a:alpha val="29000"/>
-                    </a:schemeClr>
-                  </a:solidFill>
-                </a:ln>
-                <a:latin typeface="+mn-ea"/>
-                <a:cs typeface="맑은 고딕 Semilight" panose="020B0502040204020203" pitchFamily="50" charset="-127"/>
-              </a:rPr>
-              <a:t> </a:t>
-            </a:r>
-            <a:r>
-              <a:rPr lang="en-US" altLang="ko-KR" sz="1400" smtClean="0">
-                <a:ln>
-                  <a:solidFill>
-                    <a:schemeClr val="tx1">
-                      <a:alpha val="29000"/>
-                    </a:schemeClr>
-                  </a:solidFill>
-                </a:ln>
-                <a:latin typeface="+mn-ea"/>
-                <a:cs typeface="맑은 고딕 Semilight" panose="020B0502040204020203" pitchFamily="50" charset="-127"/>
                 <a:sym typeface="Wingdings" panose="05000000000000000000" pitchFamily="2" charset="2"/>
               </a:rPr>
-              <a:t> </a:t>
+              <a:t>JavaScript</a:t>
             </a:r>
             <a:r>
               <a:rPr lang="ko-KR" altLang="en-US" sz="1400" smtClean="0">
@@ -5969,64 +6047,9 @@
                 </a:ln>
                 <a:latin typeface="+mn-ea"/>
                 <a:cs typeface="맑은 고딕 Semilight" panose="020B0502040204020203" pitchFamily="50" charset="-127"/>
-              </a:rPr>
-              <a:t>후에 </a:t>
-            </a:r>
-            <a:r>
-              <a:rPr lang="en-US" altLang="ko-KR" sz="1400">
-                <a:ln>
-                  <a:solidFill>
-                    <a:schemeClr val="tx1">
-                      <a:alpha val="29000"/>
-                    </a:schemeClr>
-                  </a:solidFill>
-                </a:ln>
-                <a:latin typeface="+mn-ea"/>
-                <a:cs typeface="맑은 고딕 Semilight" panose="020B0502040204020203" pitchFamily="50" charset="-127"/>
-              </a:rPr>
-              <a:t>ECMA</a:t>
-            </a:r>
-            <a:r>
-              <a:rPr lang="ko-KR" altLang="en-US" sz="1400">
-                <a:ln>
-                  <a:solidFill>
-                    <a:schemeClr val="tx1">
-                      <a:alpha val="29000"/>
-                    </a:schemeClr>
-                  </a:solidFill>
-                </a:ln>
-                <a:latin typeface="+mn-ea"/>
-                <a:cs typeface="맑은 고딕 Semilight" panose="020B0502040204020203" pitchFamily="50" charset="-127"/>
-              </a:rPr>
-              <a:t>라는 표준화 기구로 이 언어의 관리 </a:t>
-            </a:r>
-            <a:r>
-              <a:rPr lang="ko-KR" altLang="en-US" sz="1400">
-                <a:ln>
-                  <a:solidFill>
-                    <a:schemeClr val="tx1">
-                      <a:alpha val="29000"/>
-                    </a:schemeClr>
-                  </a:solidFill>
-                </a:ln>
-                <a:latin typeface="+mn-ea"/>
-                <a:cs typeface="맑은 고딕 Semilight" panose="020B0502040204020203" pitchFamily="50" charset="-127"/>
-              </a:rPr>
-              <a:t>주체가 </a:t>
-            </a:r>
-            <a:r>
-              <a:rPr lang="ko-KR" altLang="en-US" sz="1400" smtClean="0">
-                <a:ln>
-                  <a:solidFill>
-                    <a:schemeClr val="tx1">
-                      <a:alpha val="29000"/>
-                    </a:schemeClr>
-                  </a:solidFill>
-                </a:ln>
-                <a:latin typeface="+mn-ea"/>
-                <a:cs typeface="맑은 고딕 Semilight" panose="020B0502040204020203" pitchFamily="50" charset="-127"/>
-              </a:rPr>
-              <a:t>옮겨짐</a:t>
+                <a:sym typeface="Wingdings" panose="05000000000000000000" pitchFamily="2" charset="2"/>
+              </a:rPr>
+              <a:t>의 중요성 확대</a:t>
             </a:r>
             <a:endParaRPr lang="en-US" altLang="ko-KR" sz="1400" smtClean="0">
               <a:ln>
@@ -6038,14 +6061,324 @@
               </a:ln>
               <a:latin typeface="+mn-ea"/>
               <a:cs typeface="맑은 고딕 Semilight" panose="020B0502040204020203" pitchFamily="50" charset="-127"/>
+              <a:sym typeface="Wingdings" panose="05000000000000000000" pitchFamily="2" charset="2"/>
+            </a:endParaRPr>
+          </a:p>
+          <a:p>
+            <a:pPr marL="966216" lvl="2" indent="-342900">
+              <a:lnSpc>
+                <a:spcPct val="150000"/>
+              </a:lnSpc>
+              <a:buFont typeface="+mj-lt"/>
+              <a:buAutoNum type="arabicParenR"/>
+              <a:tabLst>
+                <a:tab pos="182563" algn="l"/>
+                <a:tab pos="449263" algn="l"/>
+              </a:tabLst>
+            </a:pPr>
+            <a:r>
+              <a:rPr lang="en-US" altLang="ko-KR" sz="1200" smtClean="0">
+                <a:ln>
+                  <a:solidFill>
+                    <a:schemeClr val="tx1">
+                      <a:alpha val="29000"/>
+                    </a:schemeClr>
+                  </a:solidFill>
+                </a:ln>
+                <a:latin typeface="+mn-ea"/>
+                <a:cs typeface="맑은 고딕 Semilight" panose="020B0502040204020203" pitchFamily="50" charset="-127"/>
+                <a:sym typeface="Wingdings" panose="05000000000000000000" pitchFamily="2" charset="2"/>
+              </a:rPr>
+              <a:t>cross-platform</a:t>
+            </a:r>
+          </a:p>
+          <a:p>
+            <a:pPr marL="966216" lvl="2" indent="-342900">
+              <a:lnSpc>
+                <a:spcPct val="150000"/>
+              </a:lnSpc>
+              <a:buFont typeface="+mj-lt"/>
+              <a:buAutoNum type="arabicParenR"/>
+              <a:tabLst>
+                <a:tab pos="182563" algn="l"/>
+                <a:tab pos="449263" algn="l"/>
+              </a:tabLst>
+            </a:pPr>
+            <a:r>
+              <a:rPr lang="ko-KR" altLang="en-US" sz="1200">
+                <a:ln>
+                  <a:solidFill>
+                    <a:schemeClr val="tx1">
+                      <a:alpha val="29000"/>
+                    </a:schemeClr>
+                  </a:solidFill>
+                </a:ln>
+                <a:latin typeface="+mn-ea"/>
+                <a:cs typeface="맑은 고딕 Semilight" panose="020B0502040204020203" pitchFamily="50" charset="-127"/>
+                <a:sym typeface="Wingdings" panose="05000000000000000000" pitchFamily="2" charset="2"/>
+              </a:rPr>
+              <a:t>검색 </a:t>
+            </a:r>
+            <a:r>
+              <a:rPr lang="ko-KR" altLang="en-US" sz="1200" smtClean="0">
+                <a:ln>
+                  <a:solidFill>
+                    <a:schemeClr val="tx1">
+                      <a:alpha val="29000"/>
+                    </a:schemeClr>
+                  </a:solidFill>
+                </a:ln>
+                <a:latin typeface="+mn-ea"/>
+                <a:cs typeface="맑은 고딕 Semilight" panose="020B0502040204020203" pitchFamily="50" charset="-127"/>
+                <a:sym typeface="Wingdings" panose="05000000000000000000" pitchFamily="2" charset="2"/>
+              </a:rPr>
+              <a:t>가능</a:t>
+            </a:r>
+            <a:endParaRPr lang="en-US" altLang="ko-KR" sz="1200" smtClean="0">
+              <a:ln>
+                <a:solidFill>
+                  <a:schemeClr val="tx1">
+                    <a:alpha val="29000"/>
+                  </a:schemeClr>
+                </a:solidFill>
+              </a:ln>
+              <a:latin typeface="+mn-ea"/>
+              <a:cs typeface="맑은 고딕 Semilight" panose="020B0502040204020203" pitchFamily="50" charset="-127"/>
+              <a:sym typeface="Wingdings" panose="05000000000000000000" pitchFamily="2" charset="2"/>
+            </a:endParaRPr>
+          </a:p>
+          <a:p>
+            <a:pPr marL="966216" lvl="2" indent="-342900">
+              <a:lnSpc>
+                <a:spcPct val="150000"/>
+              </a:lnSpc>
+              <a:buFont typeface="+mj-lt"/>
+              <a:buAutoNum type="arabicParenR"/>
+              <a:tabLst>
+                <a:tab pos="182563" algn="l"/>
+                <a:tab pos="449263" algn="l"/>
+              </a:tabLst>
+            </a:pPr>
+            <a:r>
+              <a:rPr lang="ko-KR" altLang="en-US" sz="1200" smtClean="0">
+                <a:ln>
+                  <a:solidFill>
+                    <a:schemeClr val="tx1">
+                      <a:alpha val="29000"/>
+                    </a:schemeClr>
+                  </a:solidFill>
+                </a:ln>
+                <a:latin typeface="+mn-ea"/>
+                <a:cs typeface="맑은 고딕 Semilight" panose="020B0502040204020203" pitchFamily="50" charset="-127"/>
+                <a:sym typeface="Wingdings" panose="05000000000000000000" pitchFamily="2" charset="2"/>
+              </a:rPr>
+              <a:t>네이티브 </a:t>
+            </a:r>
+            <a:r>
+              <a:rPr lang="ko-KR" altLang="en-US" sz="1200">
+                <a:ln>
+                  <a:solidFill>
+                    <a:schemeClr val="tx1">
+                      <a:alpha val="29000"/>
+                    </a:schemeClr>
+                  </a:solidFill>
+                </a:ln>
+                <a:latin typeface="+mn-ea"/>
+                <a:cs typeface="맑은 고딕 Semilight" panose="020B0502040204020203" pitchFamily="50" charset="-127"/>
+                <a:sym typeface="Wingdings" panose="05000000000000000000" pitchFamily="2" charset="2"/>
+              </a:rPr>
+              <a:t>디바이스를 제어할 수 있는 하드브리드 시스템</a:t>
+            </a:r>
+            <a:r>
+              <a:rPr lang="en-US" altLang="ko-KR" sz="1200">
+                <a:ln>
+                  <a:solidFill>
+                    <a:schemeClr val="tx1">
+                      <a:alpha val="29000"/>
+                    </a:schemeClr>
+                  </a:solidFill>
+                </a:ln>
+                <a:latin typeface="+mn-ea"/>
+                <a:cs typeface="맑은 고딕 Semilight" panose="020B0502040204020203" pitchFamily="50" charset="-127"/>
+                <a:sym typeface="Wingdings" panose="05000000000000000000" pitchFamily="2" charset="2"/>
+              </a:rPr>
+              <a:t>(phonegap </a:t>
+            </a:r>
+            <a:r>
+              <a:rPr lang="ko-KR" altLang="en-US" sz="1200">
+                <a:ln>
+                  <a:solidFill>
+                    <a:schemeClr val="tx1">
+                      <a:alpha val="29000"/>
+                    </a:schemeClr>
+                  </a:solidFill>
+                </a:ln>
+                <a:latin typeface="+mn-ea"/>
+                <a:cs typeface="맑은 고딕 Semilight" panose="020B0502040204020203" pitchFamily="50" charset="-127"/>
+                <a:sym typeface="Wingdings" panose="05000000000000000000" pitchFamily="2" charset="2"/>
+              </a:rPr>
+              <a:t>등</a:t>
+            </a:r>
+            <a:r>
+              <a:rPr lang="en-US" altLang="ko-KR" sz="1200">
+                <a:ln>
+                  <a:solidFill>
+                    <a:schemeClr val="tx1">
+                      <a:alpha val="29000"/>
+                    </a:schemeClr>
+                  </a:solidFill>
+                </a:ln>
+                <a:latin typeface="+mn-ea"/>
+                <a:cs typeface="맑은 고딕 Semilight" panose="020B0502040204020203" pitchFamily="50" charset="-127"/>
+                <a:sym typeface="Wingdings" panose="05000000000000000000" pitchFamily="2" charset="2"/>
+              </a:rPr>
+              <a:t>)</a:t>
+            </a:r>
+            <a:r>
+              <a:rPr lang="ko-KR" altLang="en-US" sz="1200">
+                <a:ln>
+                  <a:solidFill>
+                    <a:schemeClr val="tx1">
+                      <a:alpha val="29000"/>
+                    </a:schemeClr>
+                  </a:solidFill>
+                </a:ln>
+                <a:latin typeface="+mn-ea"/>
+                <a:cs typeface="맑은 고딕 Semilight" panose="020B0502040204020203" pitchFamily="50" charset="-127"/>
+                <a:sym typeface="Wingdings" panose="05000000000000000000" pitchFamily="2" charset="2"/>
+              </a:rPr>
+              <a:t>이 </a:t>
+            </a:r>
+            <a:r>
+              <a:rPr lang="ko-KR" altLang="en-US" sz="1200" smtClean="0">
+                <a:ln>
+                  <a:solidFill>
+                    <a:schemeClr val="tx1">
+                      <a:alpha val="29000"/>
+                    </a:schemeClr>
+                  </a:solidFill>
+                </a:ln>
+                <a:latin typeface="+mn-ea"/>
+                <a:cs typeface="맑은 고딕 Semilight" panose="020B0502040204020203" pitchFamily="50" charset="-127"/>
+                <a:sym typeface="Wingdings" panose="05000000000000000000" pitchFamily="2" charset="2"/>
+              </a:rPr>
+              <a:t>존재</a:t>
+            </a:r>
+            <a:endParaRPr lang="en-US" altLang="ko-KR" sz="1200">
+              <a:ln>
+                <a:solidFill>
+                  <a:schemeClr val="tx1">
+                    <a:alpha val="29000"/>
+                  </a:schemeClr>
+                </a:solidFill>
+              </a:ln>
+              <a:latin typeface="+mn-ea"/>
+              <a:cs typeface="맑은 고딕 Semilight" panose="020B0502040204020203" pitchFamily="50" charset="-127"/>
+              <a:sym typeface="Wingdings" panose="05000000000000000000" pitchFamily="2" charset="2"/>
+            </a:endParaRPr>
+          </a:p>
+          <a:p>
+            <a:pPr marL="449263" lvl="1" indent="-182563">
+              <a:lnSpc>
+                <a:spcPct val="150000"/>
+              </a:lnSpc>
+              <a:buFontTx/>
+              <a:buChar char="-"/>
+              <a:tabLst>
+                <a:tab pos="182563" algn="l"/>
+                <a:tab pos="449263" algn="l"/>
+              </a:tabLst>
+            </a:pPr>
+            <a:r>
+              <a:rPr lang="ko-KR" altLang="en-US" sz="1400">
+                <a:ln>
+                  <a:solidFill>
+                    <a:schemeClr val="tx1">
+                      <a:alpha val="29000"/>
+                    </a:schemeClr>
+                  </a:solidFill>
+                </a:ln>
+                <a:latin typeface="+mn-ea"/>
+                <a:cs typeface="맑은 고딕 Semilight" panose="020B0502040204020203" pitchFamily="50" charset="-127"/>
+                <a:sym typeface="Wingdings" panose="05000000000000000000" pitchFamily="2" charset="2"/>
+              </a:rPr>
+              <a:t>자바스크립트가 웹을 벗어나서 광범위하게 </a:t>
+            </a:r>
+            <a:r>
+              <a:rPr lang="ko-KR" altLang="en-US" sz="1400" smtClean="0">
+                <a:ln>
+                  <a:solidFill>
+                    <a:schemeClr val="tx1">
+                      <a:alpha val="29000"/>
+                    </a:schemeClr>
+                  </a:solidFill>
+                </a:ln>
+                <a:latin typeface="+mn-ea"/>
+                <a:cs typeface="맑은 고딕 Semilight" panose="020B0502040204020203" pitchFamily="50" charset="-127"/>
+                <a:sym typeface="Wingdings" panose="05000000000000000000" pitchFamily="2" charset="2"/>
+              </a:rPr>
+              <a:t>사용</a:t>
+            </a:r>
+            <a:endParaRPr lang="en-US" altLang="ko-KR" sz="1400" smtClean="0">
+              <a:ln>
+                <a:solidFill>
+                  <a:schemeClr val="tx1">
+                    <a:alpha val="29000"/>
+                  </a:schemeClr>
+                </a:solidFill>
+              </a:ln>
+              <a:latin typeface="+mn-ea"/>
+              <a:cs typeface="맑은 고딕 Semilight" panose="020B0502040204020203" pitchFamily="50" charset="-127"/>
+              <a:sym typeface="Wingdings" panose="05000000000000000000" pitchFamily="2" charset="2"/>
             </a:endParaRPr>
           </a:p>
         </p:txBody>
       </p:sp>
+      <p:pic>
+        <p:nvPicPr>
+          <p:cNvPr id="1026" name="Picture 2" descr="비공식 자바스크립트 로고 2"/>
+          <p:cNvPicPr>
+            <a:picLocks noChangeAspect="1" noChangeArrowheads="1"/>
+          </p:cNvPicPr>
+          <p:nvPr/>
+        </p:nvPicPr>
+        <p:blipFill>
+          <a:blip r:embed="rId3" cstate="print">
+            <a:extLst>
+              <a:ext uri="{28A0092B-C50C-407E-A947-70E740481C1C}">
+                <a14:useLocalDpi xmlns:a14="http://schemas.microsoft.com/office/drawing/2010/main" val="0"/>
+              </a:ext>
+            </a:extLst>
+          </a:blip>
+          <a:srcRect/>
+          <a:stretch>
+            <a:fillRect/>
+          </a:stretch>
+        </p:blipFill>
+        <p:spPr bwMode="auto">
+          <a:xfrm>
+            <a:off x="4521941" y="4083085"/>
+            <a:ext cx="1069975" cy="1069975"/>
+          </a:xfrm>
+          <a:prstGeom prst="rect">
+            <a:avLst/>
+          </a:prstGeom>
+          <a:noFill/>
+          <a:extLst>
+            <a:ext uri="{909E8E84-426E-40DD-AFC4-6F175D3DCCD1}">
+              <a14:hiddenFill xmlns:a14="http://schemas.microsoft.com/office/drawing/2010/main">
+                <a:solidFill>
+                  <a:srgbClr val="FFFFFF"/>
+                </a:solidFill>
+              </a14:hiddenFill>
+            </a:ext>
+          </a:extLst>
+        </p:spPr>
+      </p:pic>
     </p:spTree>
     <p:extLst>
       <p:ext uri="{BB962C8B-B14F-4D97-AF65-F5344CB8AC3E}">
-        <p14:creationId xmlns:p14="http://schemas.microsoft.com/office/powerpoint/2010/main" val="2683363900"/>
+        <p14:creationId xmlns:p14="http://schemas.microsoft.com/office/powerpoint/2010/main" val="3332997058"/>
       </p:ext>
     </p:extLst>
   </p:cSld>
@@ -6202,7 +6535,7 @@
         <p:spPr>
           <a:xfrm>
             <a:off x="267599" y="825566"/>
-            <a:ext cx="9578660" cy="1800493"/>
+            <a:ext cx="9578660" cy="2769989"/>
           </a:xfrm>
           <a:prstGeom prst="rect">
             <a:avLst/>
@@ -6235,7 +6568,52 @@
                 <a:cs typeface="맑은 고딕 Semilight" panose="020B0502040204020203" pitchFamily="50" charset="-127"/>
                 <a:sym typeface="Wingdings" panose="05000000000000000000" pitchFamily="2" charset="2"/>
               </a:rPr>
-              <a:t>ECMAScript</a:t>
+              <a:t>JavaScript</a:t>
+            </a:r>
+            <a:r>
+              <a:rPr lang="ko-KR" altLang="en-US" sz="1800" smtClean="0">
+                <a:ln>
+                  <a:solidFill>
+                    <a:schemeClr val="tx1">
+                      <a:alpha val="29000"/>
+                    </a:schemeClr>
+                  </a:solidFill>
+                </a:ln>
+                <a:latin typeface="+mn-ea"/>
+                <a:cs typeface="맑은 고딕 Semilight" panose="020B0502040204020203" pitchFamily="50" charset="-127"/>
+                <a:sym typeface="Wingdings" panose="05000000000000000000" pitchFamily="2" charset="2"/>
+              </a:rPr>
+              <a:t>의</a:t>
+            </a:r>
+            <a:r>
+              <a:rPr lang="en-US" altLang="ko-KR" sz="1800" smtClean="0">
+                <a:ln>
+                  <a:solidFill>
+                    <a:schemeClr val="tx1">
+                      <a:alpha val="29000"/>
+                    </a:schemeClr>
+                  </a:solidFill>
+                </a:ln>
+                <a:latin typeface="+mn-ea"/>
+                <a:cs typeface="맑은 고딕 Semilight" panose="020B0502040204020203" pitchFamily="50" charset="-127"/>
+                <a:sym typeface="Wingdings" panose="05000000000000000000" pitchFamily="2" charset="2"/>
+              </a:rPr>
+              <a:t> </a:t>
+            </a:r>
+            <a:r>
+              <a:rPr lang="ko-KR" altLang="en-US" sz="1800" smtClean="0">
+                <a:ln>
+                  <a:solidFill>
+                    <a:schemeClr val="tx1">
+                      <a:alpha val="29000"/>
+                    </a:schemeClr>
+                  </a:solidFill>
+                </a:ln>
+                <a:latin typeface="+mn-ea"/>
+                <a:cs typeface="맑은 고딕 Semilight" panose="020B0502040204020203" pitchFamily="50" charset="-127"/>
+                <a:sym typeface="Wingdings" panose="05000000000000000000" pitchFamily="2" charset="2"/>
+              </a:rPr>
+              <a:t>역사</a:t>
             </a:r>
             <a:endParaRPr lang="en-US" altLang="ko-KR" sz="1800" dirty="0">
               <a:ln>
@@ -6274,7 +6652,7 @@
                 <a:latin typeface="+mn-ea"/>
                 <a:cs typeface="맑은 고딕 Semilight" panose="020B0502040204020203" pitchFamily="50" charset="-127"/>
               </a:rPr>
-              <a:t>ECMAScript</a:t>
+              <a:t>HTML</a:t>
             </a:r>
             <a:r>
               <a:rPr lang="ko-KR" altLang="en-US" sz="1400">
@@ -6288,21 +6666,106 @@
                 <a:latin typeface="+mn-ea"/>
                 <a:cs typeface="맑은 고딕 Semilight" panose="020B0502040204020203" pitchFamily="50" charset="-127"/>
               </a:rPr>
-              <a:t>는 표준화 기구인 </a:t>
-            </a:r>
-            <a:r>
-              <a:rPr lang="en-US" altLang="ko-KR" sz="1400">
-                <a:ln>
-                  <a:solidFill>
-                    <a:schemeClr val="tx1">
-                      <a:alpha val="29000"/>
-                    </a:schemeClr>
-                  </a:solidFill>
-                </a:ln>
-                <a:latin typeface="+mn-ea"/>
-                <a:cs typeface="맑은 고딕 Semilight" panose="020B0502040204020203" pitchFamily="50" charset="-127"/>
-              </a:rPr>
-              <a:t>Ecma International</a:t>
+              <a:t>이 한번 화면에 출력된 후에는 그 형태나 동작방법을 바꿀 수 </a:t>
+            </a:r>
+            <a:r>
+              <a:rPr lang="ko-KR" altLang="en-US" sz="1400" smtClean="0">
+                <a:ln>
+                  <a:solidFill>
+                    <a:schemeClr val="tx1">
+                      <a:alpha val="29000"/>
+                    </a:schemeClr>
+                  </a:solidFill>
+                </a:ln>
+                <a:latin typeface="+mn-ea"/>
+                <a:cs typeface="맑은 고딕 Semilight" panose="020B0502040204020203" pitchFamily="50" charset="-127"/>
+              </a:rPr>
+              <a:t>없음</a:t>
+            </a:r>
+            <a:r>
+              <a:rPr lang="en-US" altLang="ko-KR" sz="1400" smtClean="0">
+                <a:ln>
+                  <a:solidFill>
+                    <a:schemeClr val="tx1">
+                      <a:alpha val="29000"/>
+                    </a:schemeClr>
+                  </a:solidFill>
+                </a:ln>
+                <a:latin typeface="+mn-ea"/>
+                <a:cs typeface="맑은 고딕 Semilight" panose="020B0502040204020203" pitchFamily="50" charset="-127"/>
+              </a:rPr>
+              <a:t/>
+            </a:r>
+            <a:br>
+              <a:rPr lang="en-US" altLang="ko-KR" sz="1400" smtClean="0">
+                <a:ln>
+                  <a:solidFill>
+                    <a:schemeClr val="tx1">
+                      <a:alpha val="29000"/>
+                    </a:schemeClr>
+                  </a:solidFill>
+                </a:ln>
+                <a:latin typeface="+mn-ea"/>
+                <a:cs typeface="맑은 고딕 Semilight" panose="020B0502040204020203" pitchFamily="50" charset="-127"/>
+              </a:rPr>
+            </a:br>
+            <a:r>
+              <a:rPr lang="en-US" altLang="ko-KR" sz="1400" smtClean="0">
+                <a:ln>
+                  <a:solidFill>
+                    <a:schemeClr val="tx1">
+                      <a:alpha val="29000"/>
+                    </a:schemeClr>
+                  </a:solidFill>
+                </a:ln>
+                <a:latin typeface="+mn-ea"/>
+                <a:cs typeface="맑은 고딕 Semilight" panose="020B0502040204020203" pitchFamily="50" charset="-127"/>
+              </a:rPr>
+              <a:t> </a:t>
+            </a:r>
+            <a:r>
+              <a:rPr lang="en-US" altLang="ko-KR" sz="1400" smtClean="0">
+                <a:ln>
+                  <a:solidFill>
+                    <a:schemeClr val="tx1">
+                      <a:alpha val="29000"/>
+                    </a:schemeClr>
+                  </a:solidFill>
+                </a:ln>
+                <a:latin typeface="+mn-ea"/>
+                <a:cs typeface="맑은 고딕 Semilight" panose="020B0502040204020203" pitchFamily="50" charset="-127"/>
+                <a:sym typeface="Wingdings" panose="05000000000000000000" pitchFamily="2" charset="2"/>
+              </a:rPr>
+              <a:t> </a:t>
+            </a:r>
+            <a:r>
+              <a:rPr lang="ko-KR" altLang="en-US" sz="1400" smtClean="0">
+                <a:ln>
+                  <a:solidFill>
+                    <a:schemeClr val="tx1">
+                      <a:alpha val="29000"/>
+                    </a:schemeClr>
+                  </a:solidFill>
+                </a:ln>
+                <a:latin typeface="+mn-ea"/>
+                <a:cs typeface="맑은 고딕 Semilight" panose="020B0502040204020203" pitchFamily="50" charset="-127"/>
+                <a:sym typeface="Wingdings" panose="05000000000000000000" pitchFamily="2" charset="2"/>
+              </a:rPr>
+              <a:t>이러한</a:t>
+            </a:r>
+            <a:r>
+              <a:rPr lang="ko-KR" altLang="en-US" sz="1400" smtClean="0">
+                <a:ln>
+                  <a:solidFill>
+                    <a:schemeClr val="tx1">
+                      <a:alpha val="29000"/>
+                    </a:schemeClr>
+                  </a:solidFill>
+                </a:ln>
+                <a:latin typeface="+mn-ea"/>
+                <a:cs typeface="맑은 고딕 Semilight" panose="020B0502040204020203" pitchFamily="50" charset="-127"/>
+              </a:rPr>
+              <a:t> </a:t>
             </a:r>
             <a:r>
               <a:rPr lang="ko-KR" altLang="en-US" sz="1400">
@@ -6316,21 +6779,7 @@
                 <a:latin typeface="+mn-ea"/>
                 <a:cs typeface="맑은 고딕 Semilight" panose="020B0502040204020203" pitchFamily="50" charset="-127"/>
               </a:rPr>
-              <a:t>에 의해서 관리되는 </a:t>
-            </a:r>
-            <a:r>
-              <a:rPr lang="ko-KR" altLang="en-US" sz="1400">
-                <a:ln>
-                  <a:solidFill>
-                    <a:schemeClr val="tx1">
-                      <a:alpha val="29000"/>
-                    </a:schemeClr>
-                  </a:solidFill>
-                </a:ln>
-                <a:latin typeface="+mn-ea"/>
-                <a:cs typeface="맑은 고딕 Semilight" panose="020B0502040204020203" pitchFamily="50" charset="-127"/>
-              </a:rPr>
-              <a:t>자바스크립트 </a:t>
+              <a:t>문제를 해결하기 위해서 네스케이프에서 </a:t>
             </a:r>
             <a:r>
               <a:rPr lang="ko-KR" altLang="en-US" sz="1400" smtClean="0">
@@ -6344,7 +6793,7 @@
                 <a:latin typeface="+mn-ea"/>
                 <a:cs typeface="맑은 고딕 Semilight" panose="020B0502040204020203" pitchFamily="50" charset="-127"/>
               </a:rPr>
-              <a:t>표준안</a:t>
+              <a:t>만듦</a:t>
             </a:r>
             <a:endParaRPr lang="en-US" altLang="ko-KR" sz="1400" smtClean="0">
               <a:ln>
@@ -6371,18 +6820,116 @@
               </a:tabLst>
             </a:pPr>
             <a:r>
-              <a:rPr lang="en-US" altLang="ko-KR" sz="1400" smtClean="0">
-                <a:ln>
-                  <a:solidFill>
-                    <a:schemeClr val="tx1">
-                      <a:alpha val="29000"/>
-                    </a:schemeClr>
-                  </a:solidFill>
-                </a:ln>
-                <a:latin typeface="+mn-ea"/>
-                <a:cs typeface="맑은 고딕 Semilight" panose="020B0502040204020203" pitchFamily="50" charset="-127"/>
-              </a:rPr>
-              <a:t>2013</a:t>
+              <a:rPr lang="ko-KR" altLang="en-US" sz="1400">
+                <a:ln>
+                  <a:solidFill>
+                    <a:schemeClr val="tx1">
+                      <a:alpha val="29000"/>
+                    </a:schemeClr>
+                  </a:solidFill>
+                </a:ln>
+                <a:latin typeface="+mn-ea"/>
+                <a:cs typeface="맑은 고딕 Semilight" panose="020B0502040204020203" pitchFamily="50" charset="-127"/>
+              </a:rPr>
+              <a:t>자바스크립트는 </a:t>
+            </a:r>
+            <a:r>
+              <a:rPr lang="en-US" altLang="ko-KR" sz="1400">
+                <a:ln>
+                  <a:solidFill>
+                    <a:schemeClr val="tx1">
+                      <a:alpha val="29000"/>
+                    </a:schemeClr>
+                  </a:solidFill>
+                </a:ln>
+                <a:latin typeface="+mn-ea"/>
+                <a:cs typeface="맑은 고딕 Semilight" panose="020B0502040204020203" pitchFamily="50" charset="-127"/>
+              </a:rPr>
+              <a:t>1995</a:t>
+            </a:r>
+            <a:r>
+              <a:rPr lang="ko-KR" altLang="en-US" sz="1400">
+                <a:ln>
+                  <a:solidFill>
+                    <a:schemeClr val="tx1">
+                      <a:alpha val="29000"/>
+                    </a:schemeClr>
+                  </a:solidFill>
+                </a:ln>
+                <a:latin typeface="+mn-ea"/>
+                <a:cs typeface="맑은 고딕 Semilight" panose="020B0502040204020203" pitchFamily="50" charset="-127"/>
+              </a:rPr>
+              <a:t>년에 넷스케이프</a:t>
+            </a:r>
+            <a:r>
+              <a:rPr lang="en-US" altLang="ko-KR" sz="1400">
+                <a:ln>
+                  <a:solidFill>
+                    <a:schemeClr val="tx1">
+                      <a:alpha val="29000"/>
+                    </a:schemeClr>
+                  </a:solidFill>
+                </a:ln>
+                <a:latin typeface="+mn-ea"/>
+                <a:cs typeface="맑은 고딕 Semilight" panose="020B0502040204020203" pitchFamily="50" charset="-127"/>
+              </a:rPr>
+              <a:t>(Netscape)</a:t>
+            </a:r>
+            <a:r>
+              <a:rPr lang="ko-KR" altLang="en-US" sz="1400">
+                <a:ln>
+                  <a:solidFill>
+                    <a:schemeClr val="tx1">
+                      <a:alpha val="29000"/>
+                    </a:schemeClr>
+                  </a:solidFill>
+                </a:ln>
+                <a:latin typeface="+mn-ea"/>
+                <a:cs typeface="맑은 고딕 Semilight" panose="020B0502040204020203" pitchFamily="50" charset="-127"/>
+              </a:rPr>
+              <a:t>의 브렌던 아이크</a:t>
+            </a:r>
+            <a:r>
+              <a:rPr lang="en-US" altLang="ko-KR" sz="1400">
+                <a:ln>
+                  <a:solidFill>
+                    <a:schemeClr val="tx1">
+                      <a:alpha val="29000"/>
+                    </a:schemeClr>
+                  </a:solidFill>
+                </a:ln>
+                <a:latin typeface="+mn-ea"/>
+                <a:cs typeface="맑은 고딕 Semilight" panose="020B0502040204020203" pitchFamily="50" charset="-127"/>
+              </a:rPr>
+              <a:t>(Brendan Eich)</a:t>
+            </a:r>
+            <a:r>
+              <a:rPr lang="ko-KR" altLang="en-US" sz="1400">
+                <a:ln>
+                  <a:solidFill>
+                    <a:schemeClr val="tx1">
+                      <a:alpha val="29000"/>
+                    </a:schemeClr>
+                  </a:solidFill>
+                </a:ln>
+                <a:latin typeface="+mn-ea"/>
+                <a:cs typeface="맑은 고딕 Semilight" panose="020B0502040204020203" pitchFamily="50" charset="-127"/>
+              </a:rPr>
+              <a:t>에 </a:t>
+            </a:r>
+            <a:r>
+              <a:rPr lang="ko-KR" altLang="en-US" sz="1400">
+                <a:ln>
+                  <a:solidFill>
+                    <a:schemeClr val="tx1">
+                      <a:alpha val="29000"/>
+                    </a:schemeClr>
+                  </a:solidFill>
+                </a:ln>
+                <a:latin typeface="+mn-ea"/>
+                <a:cs typeface="맑은 고딕 Semilight" panose="020B0502040204020203" pitchFamily="50" charset="-127"/>
+              </a:rPr>
+              <a:t>의해 </a:t>
             </a:r>
             <a:r>
               <a:rPr lang="ko-KR" altLang="en-US" sz="1400" smtClean="0">
@@ -6396,7 +6943,45 @@
                 <a:latin typeface="+mn-ea"/>
                 <a:cs typeface="맑은 고딕 Semilight" panose="020B0502040204020203" pitchFamily="50" charset="-127"/>
               </a:rPr>
-              <a:t>년에서는 </a:t>
+              <a:t>만들어짐</a:t>
+            </a:r>
+            <a:endParaRPr lang="en-US" altLang="ko-KR" sz="1400">
+              <a:ln>
+                <a:solidFill>
+                  <a:schemeClr val="tx1">
+                    <a:alpha val="29000"/>
+                  </a:schemeClr>
+                </a:solidFill>
+              </a:ln>
+              <a:latin typeface="+mn-ea"/>
+              <a:cs typeface="맑은 고딕 Semilight" panose="020B0502040204020203" pitchFamily="50" charset="-127"/>
+            </a:endParaRPr>
+          </a:p>
+          <a:p>
+            <a:pPr marL="449263" lvl="1" indent="-182563">
+              <a:lnSpc>
+                <a:spcPct val="150000"/>
+              </a:lnSpc>
+              <a:buFontTx/>
+              <a:buChar char="-"/>
+              <a:tabLst>
+                <a:tab pos="182563" algn="l"/>
+                <a:tab pos="449263" algn="l"/>
+              </a:tabLst>
+            </a:pPr>
+            <a:r>
+              <a:rPr lang="ko-KR" altLang="en-US" sz="1400">
+                <a:ln>
+                  <a:solidFill>
+                    <a:schemeClr val="tx1">
+                      <a:alpha val="29000"/>
+                    </a:schemeClr>
+                  </a:solidFill>
+                </a:ln>
+                <a:latin typeface="+mn-ea"/>
+                <a:cs typeface="맑은 고딕 Semilight" panose="020B0502040204020203" pitchFamily="50" charset="-127"/>
+              </a:rPr>
+              <a:t>처음에는 모카</a:t>
             </a:r>
             <a:r>
               <a:rPr lang="en-US" altLang="ko-KR" sz="1400">
@@ -6410,7 +6995,7 @@
                 <a:latin typeface="+mn-ea"/>
                 <a:cs typeface="맑은 고딕 Semilight" panose="020B0502040204020203" pitchFamily="50" charset="-127"/>
               </a:rPr>
-              <a:t>ECMAScript 5</a:t>
+              <a:t>(Mocha)</a:t>
             </a:r>
             <a:r>
               <a:rPr lang="ko-KR" altLang="en-US" sz="1400">
@@ -6424,7 +7009,7 @@
                 <a:latin typeface="+mn-ea"/>
                 <a:cs typeface="맑은 고딕 Semilight" panose="020B0502040204020203" pitchFamily="50" charset="-127"/>
               </a:rPr>
-              <a:t>가 </a:t>
+              <a:t>라는 </a:t>
             </a:r>
             <a:r>
               <a:rPr lang="ko-KR" altLang="en-US" sz="1400">
@@ -6438,7 +7023,7 @@
                 <a:latin typeface="+mn-ea"/>
                 <a:cs typeface="맑은 고딕 Semilight" panose="020B0502040204020203" pitchFamily="50" charset="-127"/>
               </a:rPr>
-              <a:t>표준으로 </a:t>
+              <a:t>이름으로 </a:t>
             </a:r>
             <a:r>
               <a:rPr lang="ko-KR" altLang="en-US" sz="1400" smtClean="0">
@@ -6452,281 +7037,7 @@
                 <a:latin typeface="+mn-ea"/>
                 <a:cs typeface="맑은 고딕 Semilight" panose="020B0502040204020203" pitchFamily="50" charset="-127"/>
               </a:rPr>
-              <a:t>정의</a:t>
-            </a:r>
-            <a:r>
-              <a:rPr lang="en-US" altLang="ko-KR" sz="1400" smtClean="0">
-                <a:ln>
-                  <a:solidFill>
-                    <a:schemeClr val="tx1">
-                      <a:alpha val="29000"/>
-                    </a:schemeClr>
-                  </a:solidFill>
-                </a:ln>
-                <a:latin typeface="+mn-ea"/>
-                <a:cs typeface="맑은 고딕 Semilight" panose="020B0502040204020203" pitchFamily="50" charset="-127"/>
-              </a:rPr>
-              <a:t/>
-            </a:r>
-            <a:br>
-              <a:rPr lang="en-US" altLang="ko-KR" sz="1400" smtClean="0">
-                <a:ln>
-                  <a:solidFill>
-                    <a:schemeClr val="tx1">
-                      <a:alpha val="29000"/>
-                    </a:schemeClr>
-                  </a:solidFill>
-                </a:ln>
-                <a:latin typeface="+mn-ea"/>
-                <a:cs typeface="맑은 고딕 Semilight" panose="020B0502040204020203" pitchFamily="50" charset="-127"/>
-              </a:rPr>
-            </a:br>
-            <a:r>
-              <a:rPr lang="en-US" altLang="ko-KR" sz="1400" smtClean="0">
-                <a:ln>
-                  <a:solidFill>
-                    <a:schemeClr val="tx1">
-                      <a:alpha val="29000"/>
-                    </a:schemeClr>
-                  </a:solidFill>
-                </a:ln>
-                <a:latin typeface="+mn-ea"/>
-                <a:cs typeface="맑은 고딕 Semilight" panose="020B0502040204020203" pitchFamily="50" charset="-127"/>
-              </a:rPr>
-              <a:t> </a:t>
-            </a:r>
-            <a:r>
-              <a:rPr lang="en-US" altLang="ko-KR" sz="1400" smtClean="0">
-                <a:ln>
-                  <a:solidFill>
-                    <a:schemeClr val="tx1">
-                      <a:alpha val="29000"/>
-                    </a:schemeClr>
-                  </a:solidFill>
-                </a:ln>
-                <a:latin typeface="+mn-ea"/>
-                <a:cs typeface="맑은 고딕 Semilight" panose="020B0502040204020203" pitchFamily="50" charset="-127"/>
-                <a:sym typeface="Wingdings" panose="05000000000000000000" pitchFamily="2" charset="2"/>
-              </a:rPr>
-              <a:t> </a:t>
-            </a:r>
-            <a:r>
-              <a:rPr lang="ko-KR" altLang="en-US" sz="1400" smtClean="0">
-                <a:ln>
-                  <a:solidFill>
-                    <a:schemeClr val="tx1">
-                      <a:alpha val="29000"/>
-                    </a:schemeClr>
-                  </a:solidFill>
-                </a:ln>
-                <a:latin typeface="+mn-ea"/>
-                <a:cs typeface="맑은 고딕 Semilight" panose="020B0502040204020203" pitchFamily="50" charset="-127"/>
-                <a:sym typeface="Wingdings" panose="05000000000000000000" pitchFamily="2" charset="2"/>
-              </a:rPr>
-              <a:t>이 당시는 </a:t>
-            </a:r>
-            <a:r>
-              <a:rPr lang="en-US" altLang="ko-KR" sz="1400">
-                <a:ln>
-                  <a:solidFill>
-                    <a:schemeClr val="tx1">
-                      <a:alpha val="29000"/>
-                    </a:schemeClr>
-                  </a:solidFill>
-                </a:ln>
-                <a:latin typeface="+mn-ea"/>
-                <a:cs typeface="맑은 고딕 Semilight" panose="020B0502040204020203" pitchFamily="50" charset="-127"/>
-              </a:rPr>
-              <a:t>ECMAScript </a:t>
-            </a:r>
-            <a:r>
-              <a:rPr lang="en-US" altLang="ko-KR" sz="1400" smtClean="0">
-                <a:ln>
-                  <a:solidFill>
-                    <a:schemeClr val="tx1">
-                      <a:alpha val="29000"/>
-                    </a:schemeClr>
-                  </a:solidFill>
-                </a:ln>
-                <a:latin typeface="+mn-ea"/>
-                <a:cs typeface="맑은 고딕 Semilight" panose="020B0502040204020203" pitchFamily="50" charset="-127"/>
-              </a:rPr>
-              <a:t>3 </a:t>
-            </a:r>
-            <a:r>
-              <a:rPr lang="ko-KR" altLang="en-US" sz="1400" smtClean="0">
-                <a:ln>
-                  <a:solidFill>
-                    <a:schemeClr val="tx1">
-                      <a:alpha val="29000"/>
-                    </a:schemeClr>
-                  </a:solidFill>
-                </a:ln>
-                <a:latin typeface="+mn-ea"/>
-                <a:cs typeface="맑은 고딕 Semilight" panose="020B0502040204020203" pitchFamily="50" charset="-127"/>
-              </a:rPr>
-              <a:t>사용 중</a:t>
-            </a:r>
-            <a:r>
-              <a:rPr lang="en-US" altLang="ko-KR" sz="1400" smtClean="0">
-                <a:ln>
-                  <a:solidFill>
-                    <a:schemeClr val="tx1">
-                      <a:alpha val="29000"/>
-                    </a:schemeClr>
-                  </a:solidFill>
-                </a:ln>
-                <a:latin typeface="+mn-ea"/>
-                <a:cs typeface="맑은 고딕 Semilight" panose="020B0502040204020203" pitchFamily="50" charset="-127"/>
-              </a:rPr>
-              <a:t/>
-            </a:r>
-            <a:br>
-              <a:rPr lang="en-US" altLang="ko-KR" sz="1400" smtClean="0">
-                <a:ln>
-                  <a:solidFill>
-                    <a:schemeClr val="tx1">
-                      <a:alpha val="29000"/>
-                    </a:schemeClr>
-                  </a:solidFill>
-                </a:ln>
-                <a:latin typeface="+mn-ea"/>
-                <a:cs typeface="맑은 고딕 Semilight" panose="020B0502040204020203" pitchFamily="50" charset="-127"/>
-              </a:rPr>
-            </a:br>
-            <a:r>
-              <a:rPr lang="en-US" altLang="ko-KR" sz="1400" smtClean="0">
-                <a:ln>
-                  <a:solidFill>
-                    <a:schemeClr val="tx1">
-                      <a:alpha val="29000"/>
-                    </a:schemeClr>
-                  </a:solidFill>
-                </a:ln>
-                <a:latin typeface="+mn-ea"/>
-                <a:cs typeface="맑은 고딕 Semilight" panose="020B0502040204020203" pitchFamily="50" charset="-127"/>
-              </a:rPr>
-              <a:t> </a:t>
-            </a:r>
-            <a:r>
-              <a:rPr lang="en-US" altLang="ko-KR" sz="1400" smtClean="0">
-                <a:ln>
-                  <a:solidFill>
-                    <a:schemeClr val="tx1">
-                      <a:alpha val="29000"/>
-                    </a:schemeClr>
-                  </a:solidFill>
-                </a:ln>
-                <a:latin typeface="+mn-ea"/>
-                <a:cs typeface="맑은 고딕 Semilight" panose="020B0502040204020203" pitchFamily="50" charset="-127"/>
-                <a:sym typeface="Wingdings" panose="05000000000000000000" pitchFamily="2" charset="2"/>
-              </a:rPr>
-              <a:t> </a:t>
-            </a:r>
-            <a:r>
-              <a:rPr lang="ko-KR" altLang="en-US" sz="1400" smtClean="0">
-                <a:ln>
-                  <a:solidFill>
-                    <a:schemeClr val="tx1">
-                      <a:alpha val="29000"/>
-                    </a:schemeClr>
-                  </a:solidFill>
-                </a:ln>
-                <a:latin typeface="+mn-ea"/>
-                <a:cs typeface="맑은 고딕 Semilight" panose="020B0502040204020203" pitchFamily="50" charset="-127"/>
-                <a:sym typeface="Wingdings" panose="05000000000000000000" pitchFamily="2" charset="2"/>
-              </a:rPr>
-              <a:t>현재는 </a:t>
-            </a:r>
-            <a:r>
-              <a:rPr lang="en-US" altLang="ko-KR" sz="1400" smtClean="0">
-                <a:ln>
-                  <a:solidFill>
-                    <a:schemeClr val="tx1">
-                      <a:alpha val="29000"/>
-                    </a:schemeClr>
-                  </a:solidFill>
-                </a:ln>
-                <a:latin typeface="+mn-ea"/>
-                <a:cs typeface="맑은 고딕 Semilight" panose="020B0502040204020203" pitchFamily="50" charset="-127"/>
-                <a:sym typeface="Wingdings" panose="05000000000000000000" pitchFamily="2" charset="2"/>
-              </a:rPr>
-              <a:t>6 </a:t>
-            </a:r>
-            <a:r>
-              <a:rPr lang="ko-KR" altLang="en-US" sz="1400" smtClean="0">
-                <a:ln>
-                  <a:solidFill>
-                    <a:schemeClr val="tx1">
-                      <a:alpha val="29000"/>
-                    </a:schemeClr>
-                  </a:solidFill>
-                </a:ln>
-                <a:latin typeface="+mn-ea"/>
-                <a:cs typeface="맑은 고딕 Semilight" panose="020B0502040204020203" pitchFamily="50" charset="-127"/>
-                <a:sym typeface="Wingdings" panose="05000000000000000000" pitchFamily="2" charset="2"/>
-              </a:rPr>
-              <a:t>등의 상위 버전이 있으나 </a:t>
-            </a:r>
-            <a:r>
-              <a:rPr lang="en-US" altLang="ko-KR" sz="1400" smtClean="0">
-                <a:ln>
-                  <a:solidFill>
-                    <a:schemeClr val="tx1">
-                      <a:alpha val="29000"/>
-                    </a:schemeClr>
-                  </a:solidFill>
-                </a:ln>
-                <a:latin typeface="+mn-ea"/>
-                <a:cs typeface="맑은 고딕 Semilight" panose="020B0502040204020203" pitchFamily="50" charset="-127"/>
-                <a:sym typeface="Wingdings" panose="05000000000000000000" pitchFamily="2" charset="2"/>
-              </a:rPr>
-              <a:t>5</a:t>
-            </a:r>
-            <a:r>
-              <a:rPr lang="ko-KR" altLang="en-US" sz="1400" smtClean="0">
-                <a:ln>
-                  <a:solidFill>
-                    <a:schemeClr val="tx1">
-                      <a:alpha val="29000"/>
-                    </a:schemeClr>
-                  </a:solidFill>
-                </a:ln>
-                <a:latin typeface="+mn-ea"/>
-                <a:cs typeface="맑은 고딕 Semilight" panose="020B0502040204020203" pitchFamily="50" charset="-127"/>
-                <a:sym typeface="Wingdings" panose="05000000000000000000" pitchFamily="2" charset="2"/>
-              </a:rPr>
-              <a:t>를</a:t>
-            </a:r>
-            <a:r>
-              <a:rPr lang="en-US" altLang="ko-KR" sz="1400" smtClean="0">
-                <a:ln>
-                  <a:solidFill>
-                    <a:schemeClr val="tx1">
-                      <a:alpha val="29000"/>
-                    </a:schemeClr>
-                  </a:solidFill>
-                </a:ln>
-                <a:latin typeface="+mn-ea"/>
-                <a:cs typeface="맑은 고딕 Semilight" panose="020B0502040204020203" pitchFamily="50" charset="-127"/>
-                <a:sym typeface="Wingdings" panose="05000000000000000000" pitchFamily="2" charset="2"/>
-              </a:rPr>
-              <a:t> </a:t>
-            </a:r>
-            <a:r>
-              <a:rPr lang="ko-KR" altLang="en-US" sz="1400" smtClean="0">
-                <a:ln>
-                  <a:solidFill>
-                    <a:schemeClr val="tx1">
-                      <a:alpha val="29000"/>
-                    </a:schemeClr>
-                  </a:solidFill>
-                </a:ln>
-                <a:latin typeface="+mn-ea"/>
-                <a:cs typeface="맑은 고딕 Semilight" panose="020B0502040204020203" pitchFamily="50" charset="-127"/>
-                <a:sym typeface="Wingdings" panose="05000000000000000000" pitchFamily="2" charset="2"/>
-              </a:rPr>
-              <a:t>많이 사용 중</a:t>
+              <a:t>개발됨</a:t>
             </a:r>
             <a:endParaRPr lang="en-US" altLang="ko-KR" sz="1400" smtClean="0">
               <a:ln>
@@ -6740,12 +7051,340 @@
               <a:cs typeface="맑은 고딕 Semilight" panose="020B0502040204020203" pitchFamily="50" charset="-127"/>
             </a:endParaRPr>
           </a:p>
+          <a:p>
+            <a:pPr marL="449263" lvl="1" indent="-182563">
+              <a:lnSpc>
+                <a:spcPct val="150000"/>
+              </a:lnSpc>
+              <a:buFontTx/>
+              <a:buChar char="-"/>
+              <a:tabLst>
+                <a:tab pos="182563" algn="l"/>
+                <a:tab pos="449263" algn="l"/>
+              </a:tabLst>
+            </a:pPr>
+            <a:r>
+              <a:rPr lang="ko-KR" altLang="en-US" sz="1400" smtClean="0">
+                <a:ln>
+                  <a:solidFill>
+                    <a:schemeClr val="tx1">
+                      <a:alpha val="29000"/>
+                    </a:schemeClr>
+                  </a:solidFill>
+                </a:ln>
+                <a:latin typeface="+mn-ea"/>
+                <a:cs typeface="맑은 고딕 Semilight" panose="020B0502040204020203" pitchFamily="50" charset="-127"/>
+              </a:rPr>
+              <a:t>그 </a:t>
+            </a:r>
+            <a:r>
+              <a:rPr lang="ko-KR" altLang="en-US" sz="1400">
+                <a:ln>
+                  <a:solidFill>
+                    <a:schemeClr val="tx1">
+                      <a:alpha val="29000"/>
+                    </a:schemeClr>
+                  </a:solidFill>
+                </a:ln>
+                <a:latin typeface="+mn-ea"/>
+                <a:cs typeface="맑은 고딕 Semilight" panose="020B0502040204020203" pitchFamily="50" charset="-127"/>
+              </a:rPr>
+              <a:t>후에 라이브스크립트</a:t>
+            </a:r>
+            <a:r>
+              <a:rPr lang="en-US" altLang="ko-KR" sz="1400">
+                <a:ln>
+                  <a:solidFill>
+                    <a:schemeClr val="tx1">
+                      <a:alpha val="29000"/>
+                    </a:schemeClr>
+                  </a:solidFill>
+                </a:ln>
+                <a:latin typeface="+mn-ea"/>
+                <a:cs typeface="맑은 고딕 Semilight" panose="020B0502040204020203" pitchFamily="50" charset="-127"/>
+              </a:rPr>
+              <a:t>(LiveScript), </a:t>
+            </a:r>
+            <a:r>
+              <a:rPr lang="ko-KR" altLang="en-US" sz="1400">
+                <a:ln>
+                  <a:solidFill>
+                    <a:schemeClr val="tx1">
+                      <a:alpha val="29000"/>
+                    </a:schemeClr>
+                  </a:solidFill>
+                </a:ln>
+                <a:latin typeface="+mn-ea"/>
+                <a:cs typeface="맑은 고딕 Semilight" panose="020B0502040204020203" pitchFamily="50" charset="-127"/>
+              </a:rPr>
+              <a:t>최종적으로는 자바스크립트</a:t>
+            </a:r>
+            <a:r>
+              <a:rPr lang="en-US" altLang="ko-KR" sz="1400">
+                <a:ln>
+                  <a:solidFill>
+                    <a:schemeClr val="tx1">
+                      <a:alpha val="29000"/>
+                    </a:schemeClr>
+                  </a:solidFill>
+                </a:ln>
+                <a:latin typeface="+mn-ea"/>
+                <a:cs typeface="맑은 고딕 Semilight" panose="020B0502040204020203" pitchFamily="50" charset="-127"/>
+              </a:rPr>
+              <a:t>(JavaScript)</a:t>
+            </a:r>
+            <a:r>
+              <a:rPr lang="ko-KR" altLang="en-US" sz="1400">
+                <a:ln>
+                  <a:solidFill>
+                    <a:schemeClr val="tx1">
+                      <a:alpha val="29000"/>
+                    </a:schemeClr>
+                  </a:solidFill>
+                </a:ln>
+                <a:latin typeface="+mn-ea"/>
+                <a:cs typeface="맑은 고딕 Semilight" panose="020B0502040204020203" pitchFamily="50" charset="-127"/>
+              </a:rPr>
+              <a:t>라는 </a:t>
+            </a:r>
+            <a:r>
+              <a:rPr lang="ko-KR" altLang="en-US" sz="1400">
+                <a:ln>
+                  <a:solidFill>
+                    <a:schemeClr val="tx1">
+                      <a:alpha val="29000"/>
+                    </a:schemeClr>
+                  </a:solidFill>
+                </a:ln>
+                <a:latin typeface="+mn-ea"/>
+                <a:cs typeface="맑은 고딕 Semilight" panose="020B0502040204020203" pitchFamily="50" charset="-127"/>
+              </a:rPr>
+              <a:t>이름으로 </a:t>
+            </a:r>
+            <a:r>
+              <a:rPr lang="ko-KR" altLang="en-US" sz="1400" smtClean="0">
+                <a:ln>
+                  <a:solidFill>
+                    <a:schemeClr val="tx1">
+                      <a:alpha val="29000"/>
+                    </a:schemeClr>
+                  </a:solidFill>
+                </a:ln>
+                <a:latin typeface="+mn-ea"/>
+                <a:cs typeface="맑은 고딕 Semilight" panose="020B0502040204020203" pitchFamily="50" charset="-127"/>
+              </a:rPr>
+              <a:t>변경됨</a:t>
+            </a:r>
+            <a:endParaRPr lang="en-US" altLang="ko-KR" sz="1400" smtClean="0">
+              <a:ln>
+                <a:solidFill>
+                  <a:schemeClr val="tx1">
+                    <a:alpha val="29000"/>
+                  </a:schemeClr>
+                </a:solidFill>
+              </a:ln>
+              <a:latin typeface="+mn-ea"/>
+              <a:cs typeface="맑은 고딕 Semilight" panose="020B0502040204020203" pitchFamily="50" charset="-127"/>
+            </a:endParaRPr>
+          </a:p>
+          <a:p>
+            <a:pPr marL="449263" lvl="1" indent="-182563">
+              <a:lnSpc>
+                <a:spcPct val="150000"/>
+              </a:lnSpc>
+              <a:buFontTx/>
+              <a:buChar char="-"/>
+              <a:tabLst>
+                <a:tab pos="182563" algn="l"/>
+                <a:tab pos="449263" algn="l"/>
+              </a:tabLst>
+            </a:pPr>
+            <a:r>
+              <a:rPr lang="ko-KR" altLang="en-US" sz="1400">
+                <a:ln>
+                  <a:solidFill>
+                    <a:schemeClr val="tx1">
+                      <a:alpha val="29000"/>
+                    </a:schemeClr>
+                  </a:solidFill>
+                </a:ln>
+                <a:latin typeface="+mn-ea"/>
+                <a:cs typeface="맑은 고딕 Semilight" panose="020B0502040204020203" pitchFamily="50" charset="-127"/>
+              </a:rPr>
+              <a:t>마이크로소프트의 인터넷 익스플로러에 </a:t>
+            </a:r>
+            <a:r>
+              <a:rPr lang="en-US" altLang="ko-KR" sz="1400">
+                <a:ln>
+                  <a:solidFill>
+                    <a:schemeClr val="tx1">
+                      <a:alpha val="29000"/>
+                    </a:schemeClr>
+                  </a:solidFill>
+                </a:ln>
+                <a:latin typeface="+mn-ea"/>
+                <a:cs typeface="맑은 고딕 Semilight" panose="020B0502040204020203" pitchFamily="50" charset="-127"/>
+              </a:rPr>
+              <a:t>jscript</a:t>
+            </a:r>
+            <a:r>
+              <a:rPr lang="ko-KR" altLang="en-US" sz="1400">
+                <a:ln>
+                  <a:solidFill>
+                    <a:schemeClr val="tx1">
+                      <a:alpha val="29000"/>
+                    </a:schemeClr>
+                  </a:solidFill>
+                </a:ln>
+                <a:latin typeface="+mn-ea"/>
+                <a:cs typeface="맑은 고딕 Semilight" panose="020B0502040204020203" pitchFamily="50" charset="-127"/>
+              </a:rPr>
+              <a:t>라는 이름으로 </a:t>
+            </a:r>
+            <a:r>
+              <a:rPr lang="ko-KR" altLang="en-US" sz="1400" smtClean="0">
+                <a:ln>
+                  <a:solidFill>
+                    <a:schemeClr val="tx1">
+                      <a:alpha val="29000"/>
+                    </a:schemeClr>
+                  </a:solidFill>
+                </a:ln>
+                <a:latin typeface="+mn-ea"/>
+                <a:cs typeface="맑은 고딕 Semilight" panose="020B0502040204020203" pitchFamily="50" charset="-127"/>
+              </a:rPr>
+              <a:t>탑재됨</a:t>
+            </a:r>
+            <a:r>
+              <a:rPr lang="en-US" altLang="ko-KR" sz="1400" smtClean="0">
+                <a:ln>
+                  <a:solidFill>
+                    <a:schemeClr val="tx1">
+                      <a:alpha val="29000"/>
+                    </a:schemeClr>
+                  </a:solidFill>
+                </a:ln>
+                <a:latin typeface="+mn-ea"/>
+                <a:cs typeface="맑은 고딕 Semilight" panose="020B0502040204020203" pitchFamily="50" charset="-127"/>
+              </a:rPr>
+              <a:t/>
+            </a:r>
+            <a:br>
+              <a:rPr lang="en-US" altLang="ko-KR" sz="1400" smtClean="0">
+                <a:ln>
+                  <a:solidFill>
+                    <a:schemeClr val="tx1">
+                      <a:alpha val="29000"/>
+                    </a:schemeClr>
+                  </a:solidFill>
+                </a:ln>
+                <a:latin typeface="+mn-ea"/>
+                <a:cs typeface="맑은 고딕 Semilight" panose="020B0502040204020203" pitchFamily="50" charset="-127"/>
+              </a:rPr>
+            </a:br>
+            <a:r>
+              <a:rPr lang="en-US" altLang="ko-KR" sz="1400" smtClean="0">
+                <a:ln>
+                  <a:solidFill>
+                    <a:schemeClr val="tx1">
+                      <a:alpha val="29000"/>
+                    </a:schemeClr>
+                  </a:solidFill>
+                </a:ln>
+                <a:latin typeface="+mn-ea"/>
+                <a:cs typeface="맑은 고딕 Semilight" panose="020B0502040204020203" pitchFamily="50" charset="-127"/>
+              </a:rPr>
+              <a:t> </a:t>
+            </a:r>
+            <a:r>
+              <a:rPr lang="en-US" altLang="ko-KR" sz="1400" smtClean="0">
+                <a:ln>
+                  <a:solidFill>
+                    <a:schemeClr val="tx1">
+                      <a:alpha val="29000"/>
+                    </a:schemeClr>
+                  </a:solidFill>
+                </a:ln>
+                <a:latin typeface="+mn-ea"/>
+                <a:cs typeface="맑은 고딕 Semilight" panose="020B0502040204020203" pitchFamily="50" charset="-127"/>
+                <a:sym typeface="Wingdings" panose="05000000000000000000" pitchFamily="2" charset="2"/>
+              </a:rPr>
+              <a:t> </a:t>
+            </a:r>
+            <a:r>
+              <a:rPr lang="ko-KR" altLang="en-US" sz="1400" smtClean="0">
+                <a:ln>
+                  <a:solidFill>
+                    <a:schemeClr val="tx1">
+                      <a:alpha val="29000"/>
+                    </a:schemeClr>
+                  </a:solidFill>
+                </a:ln>
+                <a:latin typeface="+mn-ea"/>
+                <a:cs typeface="맑은 고딕 Semilight" panose="020B0502040204020203" pitchFamily="50" charset="-127"/>
+              </a:rPr>
+              <a:t>후에 </a:t>
+            </a:r>
+            <a:r>
+              <a:rPr lang="en-US" altLang="ko-KR" sz="1400">
+                <a:ln>
+                  <a:solidFill>
+                    <a:schemeClr val="tx1">
+                      <a:alpha val="29000"/>
+                    </a:schemeClr>
+                  </a:solidFill>
+                </a:ln>
+                <a:latin typeface="+mn-ea"/>
+                <a:cs typeface="맑은 고딕 Semilight" panose="020B0502040204020203" pitchFamily="50" charset="-127"/>
+              </a:rPr>
+              <a:t>ECMA</a:t>
+            </a:r>
+            <a:r>
+              <a:rPr lang="ko-KR" altLang="en-US" sz="1400">
+                <a:ln>
+                  <a:solidFill>
+                    <a:schemeClr val="tx1">
+                      <a:alpha val="29000"/>
+                    </a:schemeClr>
+                  </a:solidFill>
+                </a:ln>
+                <a:latin typeface="+mn-ea"/>
+                <a:cs typeface="맑은 고딕 Semilight" panose="020B0502040204020203" pitchFamily="50" charset="-127"/>
+              </a:rPr>
+              <a:t>라는 표준화 기구로 이 언어의 관리 주체가 </a:t>
+            </a:r>
+            <a:r>
+              <a:rPr lang="ko-KR" altLang="en-US" sz="1400" smtClean="0">
+                <a:ln>
+                  <a:solidFill>
+                    <a:schemeClr val="tx1">
+                      <a:alpha val="29000"/>
+                    </a:schemeClr>
+                  </a:solidFill>
+                </a:ln>
+                <a:latin typeface="+mn-ea"/>
+                <a:cs typeface="맑은 고딕 Semilight" panose="020B0502040204020203" pitchFamily="50" charset="-127"/>
+              </a:rPr>
+              <a:t>옮겨짐</a:t>
+            </a:r>
+            <a:endParaRPr lang="en-US" altLang="ko-KR" sz="1400" smtClean="0">
+              <a:ln>
+                <a:solidFill>
+                  <a:schemeClr val="tx1">
+                    <a:alpha val="29000"/>
+                  </a:schemeClr>
+                </a:solidFill>
+              </a:ln>
+              <a:latin typeface="+mn-ea"/>
+              <a:cs typeface="맑은 고딕 Semilight" panose="020B0502040204020203" pitchFamily="50" charset="-127"/>
+            </a:endParaRPr>
+          </a:p>
         </p:txBody>
       </p:sp>
     </p:spTree>
     <p:extLst>
       <p:ext uri="{BB962C8B-B14F-4D97-AF65-F5344CB8AC3E}">
-        <p14:creationId xmlns:p14="http://schemas.microsoft.com/office/powerpoint/2010/main" val="3392562536"/>
+        <p14:creationId xmlns:p14="http://schemas.microsoft.com/office/powerpoint/2010/main" val="2683363900"/>
       </p:ext>
     </p:extLst>
   </p:cSld>
@@ -6902,7 +7541,7 @@
         <p:spPr>
           <a:xfrm>
             <a:off x="267599" y="825566"/>
-            <a:ext cx="9578660" cy="4431983"/>
+            <a:ext cx="9578660" cy="1477328"/>
           </a:xfrm>
           <a:prstGeom prst="rect">
             <a:avLst/>
@@ -6950,7 +7589,37 @@
                 <a:cs typeface="맑은 고딕 Semilight" panose="020B0502040204020203" pitchFamily="50" charset="-127"/>
                 <a:sym typeface="Wingdings" panose="05000000000000000000" pitchFamily="2" charset="2"/>
               </a:rPr>
-              <a:t>로 할 수 있는 일들</a:t>
+              <a:t>의</a:t>
+            </a:r>
+            <a:r>
+              <a:rPr lang="en-US" altLang="ko-KR" sz="1800" smtClean="0">
+                <a:ln>
+                  <a:solidFill>
+                    <a:schemeClr val="tx1">
+                      <a:alpha val="29000"/>
+                    </a:schemeClr>
+                  </a:solidFill>
+                </a:ln>
+                <a:latin typeface="+mn-ea"/>
+                <a:cs typeface="맑은 고딕 Semilight" panose="020B0502040204020203" pitchFamily="50" charset="-127"/>
+                <a:sym typeface="Wingdings" panose="05000000000000000000" pitchFamily="2" charset="2"/>
+              </a:rPr>
+              <a:t> </a:t>
+            </a:r>
+            <a:r>
+              <a:rPr lang="ko-KR" altLang="en-US" sz="1800" smtClean="0">
+                <a:ln>
+                  <a:solidFill>
+                    <a:schemeClr val="tx1">
+                      <a:alpha val="29000"/>
+                    </a:schemeClr>
+                  </a:solidFill>
+                </a:ln>
+                <a:latin typeface="+mn-ea"/>
+                <a:cs typeface="맑은 고딕 Semilight" panose="020B0502040204020203" pitchFamily="50" charset="-127"/>
+                <a:sym typeface="Wingdings" panose="05000000000000000000" pitchFamily="2" charset="2"/>
+              </a:rPr>
+              <a:t>특징</a:t>
             </a:r>
             <a:endParaRPr lang="en-US" altLang="ko-KR" sz="1800" dirty="0">
               <a:ln>
@@ -6978,6 +7647,20 @@
               </a:tabLst>
             </a:pPr>
             <a:r>
+              <a:rPr lang="ko-KR" altLang="en-US" sz="1400" smtClean="0">
+                <a:ln>
+                  <a:solidFill>
+                    <a:schemeClr val="tx1">
+                      <a:alpha val="29000"/>
+                    </a:schemeClr>
+                  </a:solidFill>
+                </a:ln>
+                <a:latin typeface="+mn-ea"/>
+                <a:cs typeface="맑은 고딕 Semilight" panose="020B0502040204020203" pitchFamily="50" charset="-127"/>
+              </a:rPr>
+              <a:t>자바스크립트는 </a:t>
+            </a:r>
+            <a:r>
               <a:rPr lang="ko-KR" altLang="en-US" sz="1400">
                 <a:ln>
                   <a:solidFill>
@@ -6989,22 +7672,47 @@
                 <a:latin typeface="+mn-ea"/>
                 <a:cs typeface="맑은 고딕 Semilight" panose="020B0502040204020203" pitchFamily="50" charset="-127"/>
               </a:rPr>
-              <a:t>웹페이지 스크립팅 </a:t>
-            </a:r>
-            <a:r>
-              <a:rPr lang="en-US" altLang="ko-KR" sz="1400">
-                <a:ln>
-                  <a:solidFill>
-                    <a:schemeClr val="tx1">
-                      <a:alpha val="29000"/>
-                    </a:schemeClr>
-                  </a:solidFill>
-                </a:ln>
-                <a:latin typeface="+mn-ea"/>
-                <a:cs typeface="맑은 고딕 Semilight" panose="020B0502040204020203" pitchFamily="50" charset="-127"/>
-              </a:rPr>
-              <a:t>- DOM</a:t>
-            </a:r>
+              <a:t>객체 기반의 </a:t>
+            </a:r>
+            <a:r>
+              <a:rPr lang="ko-KR" altLang="en-US" sz="1400">
+                <a:ln>
+                  <a:solidFill>
+                    <a:schemeClr val="tx1">
+                      <a:alpha val="29000"/>
+                    </a:schemeClr>
+                  </a:solidFill>
+                </a:ln>
+                <a:latin typeface="+mn-ea"/>
+                <a:cs typeface="맑은 고딕 Semilight" panose="020B0502040204020203" pitchFamily="50" charset="-127"/>
+              </a:rPr>
+              <a:t>스크립트 </a:t>
+            </a:r>
+            <a:r>
+              <a:rPr lang="ko-KR" altLang="en-US" sz="1400" smtClean="0">
+                <a:ln>
+                  <a:solidFill>
+                    <a:schemeClr val="tx1">
+                      <a:alpha val="29000"/>
+                    </a:schemeClr>
+                  </a:solidFill>
+                </a:ln>
+                <a:latin typeface="+mn-ea"/>
+                <a:cs typeface="맑은 고딕 Semilight" panose="020B0502040204020203" pitchFamily="50" charset="-127"/>
+              </a:rPr>
+              <a:t>언어</a:t>
+            </a:r>
+            <a:endParaRPr lang="en-US" altLang="ko-KR" sz="1400">
+              <a:ln>
+                <a:solidFill>
+                  <a:schemeClr val="tx1">
+                    <a:alpha val="29000"/>
+                  </a:schemeClr>
+                </a:solidFill>
+              </a:ln>
+              <a:latin typeface="+mn-ea"/>
+              <a:cs typeface="맑은 고딕 Semilight" panose="020B0502040204020203" pitchFamily="50" charset="-127"/>
+            </a:endParaRPr>
           </a:p>
           <a:p>
             <a:pPr marL="449263" lvl="1" indent="-182563">
@@ -7019,6 +7727,20 @@
               </a:tabLst>
             </a:pPr>
             <a:r>
+              <a:rPr lang="ko-KR" altLang="en-US" sz="1400" smtClean="0">
+                <a:ln>
+                  <a:solidFill>
+                    <a:schemeClr val="tx1">
+                      <a:alpha val="29000"/>
+                    </a:schemeClr>
+                  </a:solidFill>
+                </a:ln>
+                <a:latin typeface="+mn-ea"/>
+                <a:cs typeface="맑은 고딕 Semilight" panose="020B0502040204020203" pitchFamily="50" charset="-127"/>
+              </a:rPr>
+              <a:t>자바스크립트는 </a:t>
+            </a:r>
+            <a:r>
               <a:rPr lang="ko-KR" altLang="en-US" sz="1400">
                 <a:ln>
                   <a:solidFill>
@@ -7030,7 +7752,7 @@
                 <a:latin typeface="+mn-ea"/>
                 <a:cs typeface="맑은 고딕 Semilight" panose="020B0502040204020203" pitchFamily="50" charset="-127"/>
               </a:rPr>
-              <a:t>서버 측 스크립팅 </a:t>
+              <a:t>동적이며</a:t>
             </a:r>
             <a:r>
               <a:rPr lang="en-US" altLang="ko-KR" sz="1400">
@@ -7044,8 +7766,61 @@
                 <a:latin typeface="+mn-ea"/>
                 <a:cs typeface="맑은 고딕 Semilight" panose="020B0502040204020203" pitchFamily="50" charset="-127"/>
               </a:rPr>
-              <a:t>- node.js</a:t>
-            </a:r>
+              <a:t>, </a:t>
+            </a:r>
+            <a:r>
+              <a:rPr lang="ko-KR" altLang="en-US" sz="1400">
+                <a:ln>
+                  <a:solidFill>
+                    <a:schemeClr val="tx1">
+                      <a:alpha val="29000"/>
+                    </a:schemeClr>
+                  </a:solidFill>
+                </a:ln>
+                <a:latin typeface="+mn-ea"/>
+                <a:cs typeface="맑은 고딕 Semilight" panose="020B0502040204020203" pitchFamily="50" charset="-127"/>
+              </a:rPr>
+              <a:t>타입을 명시할 필요가 없는 </a:t>
+            </a:r>
+            <a:r>
+              <a:rPr lang="ko-KR" altLang="en-US" sz="1400">
+                <a:ln>
+                  <a:solidFill>
+                    <a:schemeClr val="tx1">
+                      <a:alpha val="29000"/>
+                    </a:schemeClr>
+                  </a:solidFill>
+                </a:ln>
+                <a:latin typeface="+mn-ea"/>
+                <a:cs typeface="맑은 고딕 Semilight" panose="020B0502040204020203" pitchFamily="50" charset="-127"/>
+              </a:rPr>
+              <a:t>인터프리터 </a:t>
+            </a:r>
+            <a:r>
+              <a:rPr lang="ko-KR" altLang="en-US" sz="1400" smtClean="0">
+                <a:ln>
+                  <a:solidFill>
+                    <a:schemeClr val="tx1">
+                      <a:alpha val="29000"/>
+                    </a:schemeClr>
+                  </a:solidFill>
+                </a:ln>
+                <a:latin typeface="+mn-ea"/>
+                <a:cs typeface="맑은 고딕 Semilight" panose="020B0502040204020203" pitchFamily="50" charset="-127"/>
+              </a:rPr>
+              <a:t>언어</a:t>
+            </a:r>
+            <a:endParaRPr lang="en-US" altLang="ko-KR" sz="1400">
+              <a:ln>
+                <a:solidFill>
+                  <a:schemeClr val="tx1">
+                    <a:alpha val="29000"/>
+                  </a:schemeClr>
+                </a:solidFill>
+              </a:ln>
+              <a:latin typeface="+mn-ea"/>
+              <a:cs typeface="맑은 고딕 Semilight" panose="020B0502040204020203" pitchFamily="50" charset="-127"/>
+            </a:endParaRPr>
           </a:p>
           <a:p>
             <a:pPr marL="449263" lvl="1" indent="-182563">
@@ -7060,6 +7835,20 @@
               </a:tabLst>
             </a:pPr>
             <a:r>
+              <a:rPr lang="ko-KR" altLang="en-US" sz="1400" smtClean="0">
+                <a:ln>
+                  <a:solidFill>
+                    <a:schemeClr val="tx1">
+                      <a:alpha val="29000"/>
+                    </a:schemeClr>
+                  </a:solidFill>
+                </a:ln>
+                <a:latin typeface="+mn-ea"/>
+                <a:cs typeface="맑은 고딕 Semilight" panose="020B0502040204020203" pitchFamily="50" charset="-127"/>
+              </a:rPr>
+              <a:t>자바스크립트는 </a:t>
+            </a:r>
+            <a:r>
               <a:rPr lang="ko-KR" altLang="en-US" sz="1400">
                 <a:ln>
                   <a:solidFill>
@@ -7071,345 +7860,7 @@
                 <a:latin typeface="+mn-ea"/>
                 <a:cs typeface="맑은 고딕 Semilight" panose="020B0502040204020203" pitchFamily="50" charset="-127"/>
               </a:rPr>
-              <a:t>브라우저 확장기능</a:t>
-            </a:r>
-          </a:p>
-          <a:p>
-            <a:pPr marL="851916" lvl="2" indent="-228600">
-              <a:lnSpc>
-                <a:spcPct val="150000"/>
-              </a:lnSpc>
-              <a:buFont typeface="+mj-lt"/>
-              <a:buAutoNum type="arabicParenR"/>
-              <a:tabLst>
-                <a:tab pos="182563" algn="l"/>
-                <a:tab pos="449263" algn="l"/>
-              </a:tabLst>
-            </a:pPr>
-            <a:r>
-              <a:rPr lang="en-US" altLang="ko-KR" sz="1200">
-                <a:ln>
-                  <a:solidFill>
-                    <a:schemeClr val="tx1">
-                      <a:alpha val="29000"/>
-                    </a:schemeClr>
-                  </a:solidFill>
-                </a:ln>
-                <a:latin typeface="+mn-ea"/>
-                <a:cs typeface="맑은 고딕 Semilight" panose="020B0502040204020203" pitchFamily="50" charset="-127"/>
-              </a:rPr>
-              <a:t>Google Chrome extensions</a:t>
-            </a:r>
-          </a:p>
-          <a:p>
-            <a:pPr marL="851916" lvl="2" indent="-228600">
-              <a:lnSpc>
-                <a:spcPct val="150000"/>
-              </a:lnSpc>
-              <a:buFont typeface="+mj-lt"/>
-              <a:buAutoNum type="arabicParenR"/>
-              <a:tabLst>
-                <a:tab pos="182563" algn="l"/>
-                <a:tab pos="449263" algn="l"/>
-              </a:tabLst>
-            </a:pPr>
-            <a:r>
-              <a:rPr lang="en-US" altLang="ko-KR" sz="1200">
-                <a:ln>
-                  <a:solidFill>
-                    <a:schemeClr val="tx1">
-                      <a:alpha val="29000"/>
-                    </a:schemeClr>
-                  </a:solidFill>
-                </a:ln>
-                <a:latin typeface="+mn-ea"/>
-                <a:cs typeface="맑은 고딕 Semilight" panose="020B0502040204020203" pitchFamily="50" charset="-127"/>
-              </a:rPr>
-              <a:t>Opera extensions</a:t>
-            </a:r>
-          </a:p>
-          <a:p>
-            <a:pPr marL="851916" lvl="2" indent="-228600">
-              <a:lnSpc>
-                <a:spcPct val="150000"/>
-              </a:lnSpc>
-              <a:buFont typeface="+mj-lt"/>
-              <a:buAutoNum type="arabicParenR"/>
-              <a:tabLst>
-                <a:tab pos="182563" algn="l"/>
-                <a:tab pos="449263" algn="l"/>
-              </a:tabLst>
-            </a:pPr>
-            <a:r>
-              <a:rPr lang="en-US" altLang="ko-KR" sz="1200">
-                <a:ln>
-                  <a:solidFill>
-                    <a:schemeClr val="tx1">
-                      <a:alpha val="29000"/>
-                    </a:schemeClr>
-                  </a:solidFill>
-                </a:ln>
-                <a:latin typeface="+mn-ea"/>
-                <a:cs typeface="맑은 고딕 Semilight" panose="020B0502040204020203" pitchFamily="50" charset="-127"/>
-              </a:rPr>
-              <a:t>Apple Safari 5 extensions</a:t>
-            </a:r>
-          </a:p>
-          <a:p>
-            <a:pPr marL="851916" lvl="2" indent="-228600">
-              <a:lnSpc>
-                <a:spcPct val="150000"/>
-              </a:lnSpc>
-              <a:buFont typeface="+mj-lt"/>
-              <a:buAutoNum type="arabicParenR"/>
-              <a:tabLst>
-                <a:tab pos="182563" algn="l"/>
-                <a:tab pos="449263" algn="l"/>
-              </a:tabLst>
-            </a:pPr>
-            <a:r>
-              <a:rPr lang="en-US" altLang="ko-KR" sz="1200">
-                <a:ln>
-                  <a:solidFill>
-                    <a:schemeClr val="tx1">
-                      <a:alpha val="29000"/>
-                    </a:schemeClr>
-                  </a:solidFill>
-                </a:ln>
-                <a:latin typeface="+mn-ea"/>
-                <a:cs typeface="맑은 고딕 Semilight" panose="020B0502040204020203" pitchFamily="50" charset="-127"/>
-              </a:rPr>
-              <a:t>Apple Dashboard Widgets</a:t>
-            </a:r>
-          </a:p>
-          <a:p>
-            <a:pPr marL="851916" lvl="2" indent="-228600">
-              <a:lnSpc>
-                <a:spcPct val="150000"/>
-              </a:lnSpc>
-              <a:buFont typeface="+mj-lt"/>
-              <a:buAutoNum type="arabicParenR"/>
-              <a:tabLst>
-                <a:tab pos="182563" algn="l"/>
-                <a:tab pos="449263" algn="l"/>
-              </a:tabLst>
-            </a:pPr>
-            <a:r>
-              <a:rPr lang="en-US" altLang="ko-KR" sz="1200">
-                <a:ln>
-                  <a:solidFill>
-                    <a:schemeClr val="tx1">
-                      <a:alpha val="29000"/>
-                    </a:schemeClr>
-                  </a:solidFill>
-                </a:ln>
-                <a:latin typeface="+mn-ea"/>
-                <a:cs typeface="맑은 고딕 Semilight" panose="020B0502040204020203" pitchFamily="50" charset="-127"/>
-              </a:rPr>
-              <a:t>Microsoft </a:t>
-            </a:r>
-            <a:r>
-              <a:rPr lang="en-US" altLang="ko-KR" sz="1200" smtClean="0">
-                <a:ln>
-                  <a:solidFill>
-                    <a:schemeClr val="tx1">
-                      <a:alpha val="29000"/>
-                    </a:schemeClr>
-                  </a:solidFill>
-                </a:ln>
-                <a:latin typeface="+mn-ea"/>
-                <a:cs typeface="맑은 고딕 Semilight" panose="020B0502040204020203" pitchFamily="50" charset="-127"/>
-              </a:rPr>
-              <a:t>Gadgets</a:t>
-            </a:r>
-          </a:p>
-          <a:p>
-            <a:pPr marL="851916" lvl="2" indent="-228600">
-              <a:lnSpc>
-                <a:spcPct val="150000"/>
-              </a:lnSpc>
-              <a:buFont typeface="+mj-lt"/>
-              <a:buAutoNum type="arabicParenR"/>
-              <a:tabLst>
-                <a:tab pos="182563" algn="l"/>
-                <a:tab pos="449263" algn="l"/>
-              </a:tabLst>
-            </a:pPr>
-            <a:r>
-              <a:rPr lang="en-US" altLang="ko-KR" sz="1200" smtClean="0">
-                <a:ln>
-                  <a:solidFill>
-                    <a:schemeClr val="tx1">
-                      <a:alpha val="29000"/>
-                    </a:schemeClr>
-                  </a:solidFill>
-                </a:ln>
-                <a:latin typeface="+mn-ea"/>
-                <a:cs typeface="맑은 고딕 Semilight" panose="020B0502040204020203" pitchFamily="50" charset="-127"/>
-              </a:rPr>
-              <a:t>Google </a:t>
-            </a:r>
-            <a:r>
-              <a:rPr lang="en-US" altLang="ko-KR" sz="1200">
-                <a:ln>
-                  <a:solidFill>
-                    <a:schemeClr val="tx1">
-                      <a:alpha val="29000"/>
-                    </a:schemeClr>
-                  </a:solidFill>
-                </a:ln>
-                <a:latin typeface="+mn-ea"/>
-                <a:cs typeface="맑은 고딕 Semilight" panose="020B0502040204020203" pitchFamily="50" charset="-127"/>
-              </a:rPr>
-              <a:t>Desktop </a:t>
-            </a:r>
-            <a:r>
-              <a:rPr lang="en-US" altLang="ko-KR" sz="1200" smtClean="0">
-                <a:ln>
-                  <a:solidFill>
-                    <a:schemeClr val="tx1">
-                      <a:alpha val="29000"/>
-                    </a:schemeClr>
-                  </a:solidFill>
-                </a:ln>
-                <a:latin typeface="+mn-ea"/>
-                <a:cs typeface="맑은 고딕 Semilight" panose="020B0502040204020203" pitchFamily="50" charset="-127"/>
-              </a:rPr>
-              <a:t>Gadgets</a:t>
-            </a:r>
-          </a:p>
-          <a:p>
-            <a:pPr marL="449263" lvl="1" indent="-182563">
-              <a:lnSpc>
-                <a:spcPct val="150000"/>
-              </a:lnSpc>
-              <a:buFontTx/>
-              <a:buChar char="-"/>
-              <a:tabLst>
-                <a:tab pos="182563" algn="l"/>
-                <a:tab pos="449263" algn="l"/>
-              </a:tabLst>
-            </a:pPr>
-            <a:r>
-              <a:rPr lang="en-US" altLang="ko-KR" sz="1400" smtClean="0">
-                <a:ln>
-                  <a:solidFill>
-                    <a:schemeClr val="tx1">
-                      <a:alpha val="29000"/>
-                    </a:schemeClr>
-                  </a:solidFill>
-                </a:ln>
-                <a:latin typeface="+mn-ea"/>
-                <a:cs typeface="맑은 고딕 Semilight" panose="020B0502040204020203" pitchFamily="50" charset="-127"/>
-              </a:rPr>
-              <a:t>Adobe </a:t>
-            </a:r>
-            <a:r>
-              <a:rPr lang="en-US" altLang="ko-KR" sz="1400">
-                <a:ln>
-                  <a:solidFill>
-                    <a:schemeClr val="tx1">
-                      <a:alpha val="29000"/>
-                    </a:schemeClr>
-                  </a:solidFill>
-                </a:ln>
-                <a:latin typeface="+mn-ea"/>
-                <a:cs typeface="맑은 고딕 Semilight" panose="020B0502040204020203" pitchFamily="50" charset="-127"/>
-              </a:rPr>
-              <a:t>PDF</a:t>
-            </a:r>
-          </a:p>
-          <a:p>
-            <a:pPr marL="449263" lvl="1" indent="-182563">
-              <a:lnSpc>
-                <a:spcPct val="150000"/>
-              </a:lnSpc>
-              <a:buFontTx/>
-              <a:buChar char="-"/>
-              <a:tabLst>
-                <a:tab pos="182563" algn="l"/>
-                <a:tab pos="449263" algn="l"/>
-              </a:tabLst>
-            </a:pPr>
-            <a:r>
-              <a:rPr lang="en-US" altLang="ko-KR" sz="1400">
-                <a:ln>
-                  <a:solidFill>
-                    <a:schemeClr val="tx1">
-                      <a:alpha val="29000"/>
-                    </a:schemeClr>
-                  </a:solidFill>
-                </a:ln>
-                <a:latin typeface="+mn-ea"/>
-                <a:cs typeface="맑은 고딕 Semilight" panose="020B0502040204020203" pitchFamily="50" charset="-127"/>
-              </a:rPr>
-              <a:t>Tools in the Adobe Creative </a:t>
-            </a:r>
-            <a:r>
-              <a:rPr lang="en-US" altLang="ko-KR" sz="1400">
-                <a:ln>
-                  <a:solidFill>
-                    <a:schemeClr val="tx1">
-                      <a:alpha val="29000"/>
-                    </a:schemeClr>
-                  </a:solidFill>
-                </a:ln>
-                <a:latin typeface="+mn-ea"/>
-                <a:cs typeface="맑은 고딕 Semilight" panose="020B0502040204020203" pitchFamily="50" charset="-127"/>
-              </a:rPr>
-              <a:t>Suite</a:t>
-            </a:r>
-            <a:r>
-              <a:rPr lang="en-US" altLang="ko-KR" sz="1400" smtClean="0">
-                <a:ln>
-                  <a:solidFill>
-                    <a:schemeClr val="tx1">
-                      <a:alpha val="29000"/>
-                    </a:schemeClr>
-                  </a:solidFill>
-                </a:ln>
-                <a:latin typeface="+mn-ea"/>
-                <a:cs typeface="맑은 고딕 Semilight" panose="020B0502040204020203" pitchFamily="50" charset="-127"/>
-              </a:rPr>
-              <a:t>, OpenOffice.org</a:t>
-            </a:r>
-            <a:endParaRPr lang="en-US" altLang="ko-KR" sz="1400">
-              <a:ln>
-                <a:solidFill>
-                  <a:schemeClr val="tx1">
-                    <a:alpha val="29000"/>
-                  </a:schemeClr>
-                </a:solidFill>
-              </a:ln>
-              <a:latin typeface="+mn-ea"/>
-              <a:cs typeface="맑은 고딕 Semilight" panose="020B0502040204020203" pitchFamily="50" charset="-127"/>
-            </a:endParaRPr>
-          </a:p>
-          <a:p>
-            <a:pPr marL="449263" lvl="1" indent="-182563">
-              <a:lnSpc>
-                <a:spcPct val="150000"/>
-              </a:lnSpc>
-              <a:buFontTx/>
-              <a:buChar char="-"/>
-              <a:tabLst>
-                <a:tab pos="182563" algn="l"/>
-                <a:tab pos="449263" algn="l"/>
-              </a:tabLst>
-            </a:pPr>
-            <a:r>
-              <a:rPr lang="en-US" altLang="ko-KR" sz="1400">
-                <a:ln>
-                  <a:solidFill>
-                    <a:schemeClr val="tx1">
-                      <a:alpha val="29000"/>
-                    </a:schemeClr>
-                  </a:solidFill>
-                </a:ln>
-                <a:latin typeface="+mn-ea"/>
-                <a:cs typeface="맑은 고딕 Semilight" panose="020B0502040204020203" pitchFamily="50" charset="-127"/>
-              </a:rPr>
-              <a:t>Unity </a:t>
+              <a:t>객체 지향형 프로그래밍과 함수형 프로그래밍을 모두 </a:t>
             </a:r>
             <a:r>
               <a:rPr lang="ko-KR" altLang="en-US" sz="1400">
@@ -7423,62 +7874,7 @@
                 <a:latin typeface="+mn-ea"/>
                 <a:cs typeface="맑은 고딕 Semilight" panose="020B0502040204020203" pitchFamily="50" charset="-127"/>
               </a:rPr>
-              <a:t>게임 엔진</a:t>
-            </a:r>
-          </a:p>
-          <a:p>
-            <a:pPr marL="449263" lvl="1" indent="-182563">
-              <a:lnSpc>
-                <a:spcPct val="150000"/>
-              </a:lnSpc>
-              <a:buFontTx/>
-              <a:buChar char="-"/>
-              <a:tabLst>
-                <a:tab pos="182563" algn="l"/>
-                <a:tab pos="449263" algn="l"/>
-              </a:tabLst>
-            </a:pPr>
-            <a:r>
-              <a:rPr lang="en-US" altLang="ko-KR" sz="1400">
-                <a:ln>
-                  <a:solidFill>
-                    <a:schemeClr val="tx1">
-                      <a:alpha val="29000"/>
-                    </a:schemeClr>
-                  </a:solidFill>
-                </a:ln>
-                <a:latin typeface="+mn-ea"/>
-                <a:cs typeface="맑은 고딕 Semilight" panose="020B0502040204020203" pitchFamily="50" charset="-127"/>
-              </a:rPr>
-              <a:t>Google </a:t>
-            </a:r>
-            <a:r>
-              <a:rPr lang="en-US" altLang="ko-KR" sz="1400">
-                <a:ln>
-                  <a:solidFill>
-                    <a:schemeClr val="tx1">
-                      <a:alpha val="29000"/>
-                    </a:schemeClr>
-                  </a:solidFill>
-                </a:ln>
-                <a:latin typeface="+mn-ea"/>
-                <a:cs typeface="맑은 고딕 Semilight" panose="020B0502040204020203" pitchFamily="50" charset="-127"/>
-              </a:rPr>
-              <a:t>Apps </a:t>
-            </a:r>
-            <a:r>
-              <a:rPr lang="en-US" altLang="ko-KR" sz="1400" smtClean="0">
-                <a:ln>
-                  <a:solidFill>
-                    <a:schemeClr val="tx1">
-                      <a:alpha val="29000"/>
-                    </a:schemeClr>
-                  </a:solidFill>
-                </a:ln>
-                <a:latin typeface="+mn-ea"/>
-                <a:cs typeface="맑은 고딕 Semilight" panose="020B0502040204020203" pitchFamily="50" charset="-127"/>
-              </a:rPr>
-              <a:t>Script</a:t>
+              <a:t>표현할 </a:t>
             </a:r>
             <a:r>
               <a:rPr lang="ko-KR" altLang="en-US" sz="1400" smtClean="0">
@@ -7492,7 +7888,7 @@
                 <a:latin typeface="+mn-ea"/>
                 <a:cs typeface="맑은 고딕 Semilight" panose="020B0502040204020203" pitchFamily="50" charset="-127"/>
               </a:rPr>
-              <a:t>채팅 시스템</a:t>
+              <a:t>수 있음</a:t>
             </a:r>
             <a:endParaRPr lang="en-US" altLang="ko-KR" sz="1400" smtClean="0">
               <a:ln>
@@ -7511,7 +7907,7 @@
     </p:spTree>
     <p:extLst>
       <p:ext uri="{BB962C8B-B14F-4D97-AF65-F5344CB8AC3E}">
-        <p14:creationId xmlns:p14="http://schemas.microsoft.com/office/powerpoint/2010/main" val="2952524589"/>
+        <p14:creationId xmlns:p14="http://schemas.microsoft.com/office/powerpoint/2010/main" val="3608587132"/>
       </p:ext>
     </p:extLst>
   </p:cSld>
@@ -7668,6 +8064,1362 @@
         <p:spPr>
           <a:xfrm>
             <a:off x="267599" y="825566"/>
+            <a:ext cx="9578660" cy="4062651"/>
+          </a:xfrm>
+          <a:prstGeom prst="rect">
+            <a:avLst/>
+          </a:prstGeom>
+          <a:noFill/>
+        </p:spPr>
+        <p:txBody>
+          <a:bodyPr wrap="square" rtlCol="0">
+            <a:spAutoFit/>
+          </a:bodyPr>
+          <a:lstStyle/>
+          <a:p>
+            <a:pPr marL="285750" indent="-285750">
+              <a:lnSpc>
+                <a:spcPct val="150000"/>
+              </a:lnSpc>
+              <a:buFont typeface="Arial" panose="020B0604020202020204" pitchFamily="34" charset="0"/>
+              <a:buChar char="•"/>
+            </a:pPr>
+            <a:r>
+              <a:rPr lang="en-US" altLang="ko-KR" sz="1800" smtClean="0">
+                <a:ln>
+                  <a:solidFill>
+                    <a:schemeClr val="tx1">
+                      <a:alpha val="29000"/>
+                    </a:schemeClr>
+                  </a:solidFill>
+                </a:ln>
+                <a:latin typeface="+mn-ea"/>
+                <a:cs typeface="맑은 고딕 Semilight" panose="020B0502040204020203" pitchFamily="50" charset="-127"/>
+                <a:sym typeface="Wingdings" panose="05000000000000000000" pitchFamily="2" charset="2"/>
+              </a:rPr>
+              <a:t>ECMAScript</a:t>
+            </a:r>
+            <a:endParaRPr lang="en-US" altLang="ko-KR" sz="1800" dirty="0">
+              <a:ln>
+                <a:solidFill>
+                  <a:schemeClr val="tx1">
+                    <a:alpha val="29000"/>
+                  </a:schemeClr>
+                </a:solidFill>
+              </a:ln>
+              <a:latin typeface="+mn-ea"/>
+              <a:cs typeface="맑은 고딕 Semilight" panose="020B0502040204020203" pitchFamily="50" charset="-127"/>
+              <a:sym typeface="Wingdings" panose="05000000000000000000" pitchFamily="2" charset="2"/>
+            </a:endParaRPr>
+          </a:p>
+          <a:p>
+            <a:pPr marL="449263" lvl="1" indent="-182563">
+              <a:lnSpc>
+                <a:spcPct val="150000"/>
+              </a:lnSpc>
+              <a:buFontTx/>
+              <a:buChar char="-"/>
+              <a:tabLst>
+                <a:tab pos="182563" algn="l"/>
+                <a:tab pos="449263" algn="l"/>
+              </a:tabLst>
+            </a:pPr>
+            <a:r>
+              <a:rPr lang="en-US" altLang="ko-KR" sz="1400">
+                <a:ln>
+                  <a:solidFill>
+                    <a:schemeClr val="tx1">
+                      <a:alpha val="29000"/>
+                    </a:schemeClr>
+                  </a:solidFill>
+                </a:ln>
+                <a:latin typeface="+mn-ea"/>
+                <a:cs typeface="맑은 고딕 Semilight" panose="020B0502040204020203" pitchFamily="50" charset="-127"/>
+              </a:rPr>
+              <a:t>ECMAScript</a:t>
+            </a:r>
+            <a:r>
+              <a:rPr lang="ko-KR" altLang="en-US" sz="1400">
+                <a:ln>
+                  <a:solidFill>
+                    <a:schemeClr val="tx1">
+                      <a:alpha val="29000"/>
+                    </a:schemeClr>
+                  </a:solidFill>
+                </a:ln>
+                <a:latin typeface="+mn-ea"/>
+                <a:cs typeface="맑은 고딕 Semilight" panose="020B0502040204020203" pitchFamily="50" charset="-127"/>
+              </a:rPr>
+              <a:t>는 표준화 기구인 </a:t>
+            </a:r>
+            <a:r>
+              <a:rPr lang="en-US" altLang="ko-KR" sz="1400">
+                <a:ln>
+                  <a:solidFill>
+                    <a:schemeClr val="tx1">
+                      <a:alpha val="29000"/>
+                    </a:schemeClr>
+                  </a:solidFill>
+                </a:ln>
+                <a:latin typeface="+mn-ea"/>
+                <a:cs typeface="맑은 고딕 Semilight" panose="020B0502040204020203" pitchFamily="50" charset="-127"/>
+              </a:rPr>
+              <a:t>Ecma International</a:t>
+            </a:r>
+            <a:r>
+              <a:rPr lang="ko-KR" altLang="en-US" sz="1400">
+                <a:ln>
+                  <a:solidFill>
+                    <a:schemeClr val="tx1">
+                      <a:alpha val="29000"/>
+                    </a:schemeClr>
+                  </a:solidFill>
+                </a:ln>
+                <a:latin typeface="+mn-ea"/>
+                <a:cs typeface="맑은 고딕 Semilight" panose="020B0502040204020203" pitchFamily="50" charset="-127"/>
+              </a:rPr>
+              <a:t>에 의해서 관리되는 자바스크립트 </a:t>
+            </a:r>
+            <a:r>
+              <a:rPr lang="ko-KR" altLang="en-US" sz="1400" smtClean="0">
+                <a:ln>
+                  <a:solidFill>
+                    <a:schemeClr val="tx1">
+                      <a:alpha val="29000"/>
+                    </a:schemeClr>
+                  </a:solidFill>
+                </a:ln>
+                <a:latin typeface="+mn-ea"/>
+                <a:cs typeface="맑은 고딕 Semilight" panose="020B0502040204020203" pitchFamily="50" charset="-127"/>
+              </a:rPr>
+              <a:t>표준안</a:t>
+            </a:r>
+            <a:endParaRPr lang="en-US" altLang="ko-KR" sz="1400" smtClean="0">
+              <a:ln>
+                <a:solidFill>
+                  <a:schemeClr val="tx1">
+                    <a:alpha val="29000"/>
+                  </a:schemeClr>
+                </a:solidFill>
+              </a:ln>
+              <a:latin typeface="+mn-ea"/>
+              <a:cs typeface="맑은 고딕 Semilight" panose="020B0502040204020203" pitchFamily="50" charset="-127"/>
+            </a:endParaRPr>
+          </a:p>
+          <a:p>
+            <a:pPr marL="449263" lvl="1" indent="-182563">
+              <a:lnSpc>
+                <a:spcPct val="150000"/>
+              </a:lnSpc>
+              <a:buFontTx/>
+              <a:buChar char="-"/>
+              <a:tabLst>
+                <a:tab pos="182563" algn="l"/>
+                <a:tab pos="449263" algn="l"/>
+              </a:tabLst>
+            </a:pPr>
+            <a:r>
+              <a:rPr lang="en-US" altLang="ko-KR" sz="1400">
+                <a:ln>
+                  <a:solidFill>
+                    <a:schemeClr val="tx1">
+                      <a:alpha val="29000"/>
+                    </a:schemeClr>
+                  </a:solidFill>
+                </a:ln>
+                <a:latin typeface="+mn-ea"/>
+                <a:cs typeface="맑은 고딕 Semilight" panose="020B0502040204020203" pitchFamily="50" charset="-127"/>
+              </a:rPr>
+              <a:t>1996</a:t>
+            </a:r>
+            <a:r>
+              <a:rPr lang="ko-KR" altLang="en-US" sz="1400">
+                <a:ln>
+                  <a:solidFill>
+                    <a:schemeClr val="tx1">
+                      <a:alpha val="29000"/>
+                    </a:schemeClr>
+                  </a:solidFill>
+                </a:ln>
+                <a:latin typeface="+mn-ea"/>
+                <a:cs typeface="맑은 고딕 Semilight" panose="020B0502040204020203" pitchFamily="50" charset="-127"/>
+              </a:rPr>
+              <a:t>년에 넷스케이프</a:t>
+            </a:r>
+            <a:r>
+              <a:rPr lang="en-US" altLang="ko-KR" sz="1400">
+                <a:ln>
+                  <a:solidFill>
+                    <a:schemeClr val="tx1">
+                      <a:alpha val="29000"/>
+                    </a:schemeClr>
+                  </a:solidFill>
+                </a:ln>
+                <a:latin typeface="+mn-ea"/>
+                <a:cs typeface="맑은 고딕 Semilight" panose="020B0502040204020203" pitchFamily="50" charset="-127"/>
+              </a:rPr>
+              <a:t>(Netscape)</a:t>
+            </a:r>
+            <a:r>
+              <a:rPr lang="ko-KR" altLang="en-US" sz="1400">
+                <a:ln>
+                  <a:solidFill>
+                    <a:schemeClr val="tx1">
+                      <a:alpha val="29000"/>
+                    </a:schemeClr>
+                  </a:solidFill>
+                </a:ln>
+                <a:latin typeface="+mn-ea"/>
+                <a:cs typeface="맑은 고딕 Semilight" panose="020B0502040204020203" pitchFamily="50" charset="-127"/>
+              </a:rPr>
+              <a:t>는 자바스크립트를 국제 표준안으로 </a:t>
+            </a:r>
+            <a:r>
+              <a:rPr lang="ko-KR" altLang="en-US" sz="1400">
+                <a:ln>
+                  <a:solidFill>
+                    <a:schemeClr val="tx1">
+                      <a:alpha val="29000"/>
+                    </a:schemeClr>
+                  </a:solidFill>
+                </a:ln>
+                <a:latin typeface="+mn-ea"/>
+                <a:cs typeface="맑은 고딕 Semilight" panose="020B0502040204020203" pitchFamily="50" charset="-127"/>
+              </a:rPr>
+              <a:t>만들기 </a:t>
+            </a:r>
+            <a:r>
+              <a:rPr lang="ko-KR" altLang="en-US" sz="1400" smtClean="0">
+                <a:ln>
+                  <a:solidFill>
+                    <a:schemeClr val="tx1">
+                      <a:alpha val="29000"/>
+                    </a:schemeClr>
+                  </a:solidFill>
+                </a:ln>
+                <a:latin typeface="+mn-ea"/>
+                <a:cs typeface="맑은 고딕 Semilight" panose="020B0502040204020203" pitchFamily="50" charset="-127"/>
+              </a:rPr>
+              <a:t>위해</a:t>
+            </a:r>
+            <a:r>
+              <a:rPr lang="en-US" altLang="ko-KR" sz="1400" smtClean="0">
+                <a:ln>
+                  <a:solidFill>
+                    <a:schemeClr val="tx1">
+                      <a:alpha val="29000"/>
+                    </a:schemeClr>
+                  </a:solidFill>
+                </a:ln>
+                <a:latin typeface="+mn-ea"/>
+                <a:cs typeface="맑은 고딕 Semilight" panose="020B0502040204020203" pitchFamily="50" charset="-127"/>
+              </a:rPr>
+              <a:t/>
+            </a:r>
+            <a:br>
+              <a:rPr lang="en-US" altLang="ko-KR" sz="1400" smtClean="0">
+                <a:ln>
+                  <a:solidFill>
+                    <a:schemeClr val="tx1">
+                      <a:alpha val="29000"/>
+                    </a:schemeClr>
+                  </a:solidFill>
+                </a:ln>
+                <a:latin typeface="+mn-ea"/>
+                <a:cs typeface="맑은 고딕 Semilight" panose="020B0502040204020203" pitchFamily="50" charset="-127"/>
+              </a:rPr>
+            </a:br>
+            <a:r>
+              <a:rPr lang="ko-KR" altLang="en-US" sz="1400" smtClean="0">
+                <a:ln>
+                  <a:solidFill>
+                    <a:schemeClr val="tx1">
+                      <a:alpha val="29000"/>
+                    </a:schemeClr>
+                  </a:solidFill>
+                </a:ln>
+                <a:latin typeface="+mn-ea"/>
+                <a:cs typeface="맑은 고딕 Semilight" panose="020B0502040204020203" pitchFamily="50" charset="-127"/>
+              </a:rPr>
+              <a:t> </a:t>
+            </a:r>
+            <a:r>
+              <a:rPr lang="en-US" altLang="ko-KR" sz="1400">
+                <a:ln>
+                  <a:solidFill>
+                    <a:schemeClr val="tx1">
+                      <a:alpha val="29000"/>
+                    </a:schemeClr>
+                  </a:solidFill>
+                </a:ln>
+                <a:latin typeface="+mn-ea"/>
+                <a:cs typeface="맑은 고딕 Semilight" panose="020B0502040204020203" pitchFamily="50" charset="-127"/>
+              </a:rPr>
+              <a:t>ECMA(European Computer Manufacturers Association)</a:t>
+            </a:r>
+            <a:r>
+              <a:rPr lang="ko-KR" altLang="en-US" sz="1400">
+                <a:ln>
+                  <a:solidFill>
+                    <a:schemeClr val="tx1">
+                      <a:alpha val="29000"/>
+                    </a:schemeClr>
+                  </a:solidFill>
+                </a:ln>
+                <a:latin typeface="+mn-ea"/>
+                <a:cs typeface="맑은 고딕 Semilight" panose="020B0502040204020203" pitchFamily="50" charset="-127"/>
+              </a:rPr>
+              <a:t>에 </a:t>
+            </a:r>
+            <a:r>
+              <a:rPr lang="ko-KR" altLang="en-US" sz="1400" smtClean="0">
+                <a:ln>
+                  <a:solidFill>
+                    <a:schemeClr val="tx1">
+                      <a:alpha val="29000"/>
+                    </a:schemeClr>
+                  </a:solidFill>
+                </a:ln>
+                <a:latin typeface="+mn-ea"/>
+                <a:cs typeface="맑은 고딕 Semilight" panose="020B0502040204020203" pitchFamily="50" charset="-127"/>
+              </a:rPr>
+              <a:t>제출</a:t>
+            </a:r>
+            <a:endParaRPr lang="en-US" altLang="ko-KR" sz="1400">
+              <a:ln>
+                <a:solidFill>
+                  <a:schemeClr val="tx1">
+                    <a:alpha val="29000"/>
+                  </a:schemeClr>
+                </a:solidFill>
+              </a:ln>
+              <a:latin typeface="+mn-ea"/>
+              <a:cs typeface="맑은 고딕 Semilight" panose="020B0502040204020203" pitchFamily="50" charset="-127"/>
+            </a:endParaRPr>
+          </a:p>
+          <a:p>
+            <a:pPr marL="449263" lvl="1" indent="-182563">
+              <a:lnSpc>
+                <a:spcPct val="150000"/>
+              </a:lnSpc>
+              <a:buFontTx/>
+              <a:buChar char="-"/>
+              <a:tabLst>
+                <a:tab pos="182563" algn="l"/>
+                <a:tab pos="449263" algn="l"/>
+              </a:tabLst>
+            </a:pPr>
+            <a:r>
+              <a:rPr lang="ko-KR" altLang="en-US" sz="1400">
+                <a:ln>
+                  <a:solidFill>
+                    <a:schemeClr val="tx1">
+                      <a:alpha val="29000"/>
+                    </a:schemeClr>
+                  </a:solidFill>
+                </a:ln>
+                <a:latin typeface="+mn-ea"/>
+                <a:cs typeface="맑은 고딕 Semilight" panose="020B0502040204020203" pitchFamily="50" charset="-127"/>
+              </a:rPr>
+              <a:t>그 결과 </a:t>
+            </a:r>
+            <a:r>
+              <a:rPr lang="en-US" altLang="ko-KR" sz="1400">
+                <a:ln>
+                  <a:solidFill>
+                    <a:schemeClr val="tx1">
+                      <a:alpha val="29000"/>
+                    </a:schemeClr>
+                  </a:solidFill>
+                </a:ln>
+                <a:latin typeface="+mn-ea"/>
+                <a:cs typeface="맑은 고딕 Semilight" panose="020B0502040204020203" pitchFamily="50" charset="-127"/>
+              </a:rPr>
+              <a:t>ECMA</a:t>
+            </a:r>
+            <a:r>
+              <a:rPr lang="ko-KR" altLang="en-US" sz="1400">
+                <a:ln>
+                  <a:solidFill>
+                    <a:schemeClr val="tx1">
+                      <a:alpha val="29000"/>
+                    </a:schemeClr>
+                  </a:solidFill>
+                </a:ln>
+                <a:latin typeface="+mn-ea"/>
+                <a:cs typeface="맑은 고딕 Semilight" panose="020B0502040204020203" pitchFamily="50" charset="-127"/>
+              </a:rPr>
+              <a:t>는 </a:t>
+            </a:r>
+            <a:r>
+              <a:rPr lang="en-US" altLang="ko-KR" sz="1400">
+                <a:ln>
+                  <a:solidFill>
+                    <a:schemeClr val="tx1">
+                      <a:alpha val="29000"/>
+                    </a:schemeClr>
+                  </a:solidFill>
+                </a:ln>
+                <a:latin typeface="+mn-ea"/>
+                <a:cs typeface="맑은 고딕 Semilight" panose="020B0502040204020203" pitchFamily="50" charset="-127"/>
+              </a:rPr>
+              <a:t>ECMAScript</a:t>
+            </a:r>
+            <a:r>
+              <a:rPr lang="ko-KR" altLang="en-US" sz="1400">
+                <a:ln>
+                  <a:solidFill>
+                    <a:schemeClr val="tx1">
+                      <a:alpha val="29000"/>
+                    </a:schemeClr>
+                  </a:solidFill>
+                </a:ln>
+                <a:latin typeface="+mn-ea"/>
+                <a:cs typeface="맑은 고딕 Semilight" panose="020B0502040204020203" pitchFamily="50" charset="-127"/>
+              </a:rPr>
+              <a:t>라는 새로운 표준을 제정하였고</a:t>
+            </a:r>
+            <a:r>
+              <a:rPr lang="en-US" altLang="ko-KR" sz="1400">
+                <a:ln>
+                  <a:solidFill>
+                    <a:schemeClr val="tx1">
+                      <a:alpha val="29000"/>
+                    </a:schemeClr>
+                  </a:solidFill>
+                </a:ln>
+                <a:latin typeface="+mn-ea"/>
+                <a:cs typeface="맑은 고딕 Semilight" panose="020B0502040204020203" pitchFamily="50" charset="-127"/>
+              </a:rPr>
+              <a:t>, </a:t>
+            </a:r>
+            <a:r>
+              <a:rPr lang="en-US" altLang="ko-KR" sz="1400" smtClean="0">
+                <a:ln>
+                  <a:solidFill>
+                    <a:schemeClr val="tx1">
+                      <a:alpha val="29000"/>
+                    </a:schemeClr>
+                  </a:solidFill>
+                </a:ln>
+                <a:latin typeface="+mn-ea"/>
+                <a:cs typeface="맑은 고딕 Semilight" panose="020B0502040204020203" pitchFamily="50" charset="-127"/>
+              </a:rPr>
+              <a:t/>
+            </a:r>
+            <a:br>
+              <a:rPr lang="en-US" altLang="ko-KR" sz="1400" smtClean="0">
+                <a:ln>
+                  <a:solidFill>
+                    <a:schemeClr val="tx1">
+                      <a:alpha val="29000"/>
+                    </a:schemeClr>
+                  </a:solidFill>
+                </a:ln>
+                <a:latin typeface="+mn-ea"/>
+                <a:cs typeface="맑은 고딕 Semilight" panose="020B0502040204020203" pitchFamily="50" charset="-127"/>
+              </a:rPr>
+            </a:br>
+            <a:r>
+              <a:rPr lang="ko-KR" altLang="en-US" sz="1400" smtClean="0">
+                <a:ln>
+                  <a:solidFill>
+                    <a:schemeClr val="tx1">
+                      <a:alpha val="29000"/>
+                    </a:schemeClr>
+                  </a:solidFill>
+                </a:ln>
+                <a:latin typeface="+mn-ea"/>
+                <a:cs typeface="맑은 고딕 Semilight" panose="020B0502040204020203" pitchFamily="50" charset="-127"/>
+              </a:rPr>
+              <a:t>그 </a:t>
+            </a:r>
+            <a:r>
+              <a:rPr lang="ko-KR" altLang="en-US" sz="1400">
+                <a:ln>
+                  <a:solidFill>
+                    <a:schemeClr val="tx1">
+                      <a:alpha val="29000"/>
+                    </a:schemeClr>
+                  </a:solidFill>
+                </a:ln>
+                <a:latin typeface="+mn-ea"/>
+                <a:cs typeface="맑은 고딕 Semilight" panose="020B0502040204020203" pitchFamily="50" charset="-127"/>
+              </a:rPr>
+              <a:t>첫 번째 버전인 </a:t>
+            </a:r>
+            <a:r>
+              <a:rPr lang="en-US" altLang="ko-KR" sz="1400">
+                <a:ln>
+                  <a:solidFill>
+                    <a:schemeClr val="tx1">
+                      <a:alpha val="29000"/>
+                    </a:schemeClr>
+                  </a:solidFill>
+                </a:ln>
+                <a:latin typeface="+mn-ea"/>
+                <a:cs typeface="맑은 고딕 Semilight" panose="020B0502040204020203" pitchFamily="50" charset="-127"/>
+              </a:rPr>
+              <a:t>ECMA-262</a:t>
+            </a:r>
+            <a:r>
+              <a:rPr lang="ko-KR" altLang="en-US" sz="1400">
+                <a:ln>
+                  <a:solidFill>
+                    <a:schemeClr val="tx1">
+                      <a:alpha val="29000"/>
+                    </a:schemeClr>
+                  </a:solidFill>
+                </a:ln>
+                <a:latin typeface="+mn-ea"/>
+                <a:cs typeface="맑은 고딕 Semilight" panose="020B0502040204020203" pitchFamily="50" charset="-127"/>
+              </a:rPr>
+              <a:t>를 </a:t>
+            </a:r>
+            <a:r>
+              <a:rPr lang="en-US" altLang="ko-KR" sz="1400">
+                <a:ln>
+                  <a:solidFill>
+                    <a:schemeClr val="tx1">
+                      <a:alpha val="29000"/>
+                    </a:schemeClr>
+                  </a:solidFill>
+                </a:ln>
+                <a:latin typeface="+mn-ea"/>
+                <a:cs typeface="맑은 고딕 Semilight" panose="020B0502040204020203" pitchFamily="50" charset="-127"/>
+              </a:rPr>
+              <a:t>1997</a:t>
+            </a:r>
+            <a:r>
+              <a:rPr lang="ko-KR" altLang="en-US" sz="1400">
+                <a:ln>
+                  <a:solidFill>
+                    <a:schemeClr val="tx1">
+                      <a:alpha val="29000"/>
+                    </a:schemeClr>
+                  </a:solidFill>
+                </a:ln>
+                <a:latin typeface="+mn-ea"/>
+                <a:cs typeface="맑은 고딕 Semilight" panose="020B0502040204020203" pitchFamily="50" charset="-127"/>
+              </a:rPr>
+              <a:t>년에 </a:t>
+            </a:r>
+            <a:r>
+              <a:rPr lang="ko-KR" altLang="en-US" sz="1400" smtClean="0">
+                <a:ln>
+                  <a:solidFill>
+                    <a:schemeClr val="tx1">
+                      <a:alpha val="29000"/>
+                    </a:schemeClr>
+                  </a:solidFill>
+                </a:ln>
+                <a:latin typeface="+mn-ea"/>
+                <a:cs typeface="맑은 고딕 Semilight" panose="020B0502040204020203" pitchFamily="50" charset="-127"/>
+              </a:rPr>
+              <a:t>공표</a:t>
+            </a:r>
+            <a:endParaRPr lang="en-US" altLang="ko-KR" sz="1400">
+              <a:ln>
+                <a:solidFill>
+                  <a:schemeClr val="tx1">
+                    <a:alpha val="29000"/>
+                  </a:schemeClr>
+                </a:solidFill>
+              </a:ln>
+              <a:latin typeface="+mn-ea"/>
+              <a:cs typeface="맑은 고딕 Semilight" panose="020B0502040204020203" pitchFamily="50" charset="-127"/>
+            </a:endParaRPr>
+          </a:p>
+          <a:p>
+            <a:pPr marL="449263" lvl="1" indent="-182563">
+              <a:lnSpc>
+                <a:spcPct val="150000"/>
+              </a:lnSpc>
+              <a:buFontTx/>
+              <a:buChar char="-"/>
+              <a:tabLst>
+                <a:tab pos="182563" algn="l"/>
+                <a:tab pos="449263" algn="l"/>
+              </a:tabLst>
+            </a:pPr>
+            <a:r>
+              <a:rPr lang="en-US" altLang="ko-KR" sz="1400">
+                <a:ln>
+                  <a:solidFill>
+                    <a:schemeClr val="tx1">
+                      <a:alpha val="29000"/>
+                    </a:schemeClr>
+                  </a:solidFill>
+                </a:ln>
+                <a:latin typeface="+mn-ea"/>
+                <a:cs typeface="맑은 고딕 Semilight" panose="020B0502040204020203" pitchFamily="50" charset="-127"/>
+              </a:rPr>
+              <a:t>ECMAScript</a:t>
+            </a:r>
+            <a:r>
+              <a:rPr lang="ko-KR" altLang="en-US" sz="1400">
+                <a:ln>
+                  <a:solidFill>
+                    <a:schemeClr val="tx1">
+                      <a:alpha val="29000"/>
+                    </a:schemeClr>
+                  </a:solidFill>
+                </a:ln>
+                <a:latin typeface="+mn-ea"/>
+                <a:cs typeface="맑은 고딕 Semilight" panose="020B0502040204020203" pitchFamily="50" charset="-127"/>
+              </a:rPr>
+              <a:t>는 자바스크립트뿐만 </a:t>
+            </a:r>
+            <a:r>
+              <a:rPr lang="ko-KR" altLang="en-US" sz="1400">
+                <a:ln>
+                  <a:solidFill>
+                    <a:schemeClr val="tx1">
+                      <a:alpha val="29000"/>
+                    </a:schemeClr>
+                  </a:solidFill>
+                </a:ln>
+                <a:latin typeface="+mn-ea"/>
+                <a:cs typeface="맑은 고딕 Semilight" panose="020B0502040204020203" pitchFamily="50" charset="-127"/>
+              </a:rPr>
+              <a:t>아니라 </a:t>
+            </a:r>
+            <a:r>
+              <a:rPr lang="en-US" altLang="ko-KR" sz="1400" smtClean="0">
+                <a:ln>
+                  <a:solidFill>
+                    <a:schemeClr val="tx1">
+                      <a:alpha val="29000"/>
+                    </a:schemeClr>
+                  </a:solidFill>
+                </a:ln>
+                <a:latin typeface="+mn-ea"/>
+                <a:cs typeface="맑은 고딕 Semilight" panose="020B0502040204020203" pitchFamily="50" charset="-127"/>
+              </a:rPr>
+              <a:t/>
+            </a:r>
+            <a:br>
+              <a:rPr lang="en-US" altLang="ko-KR" sz="1400" smtClean="0">
+                <a:ln>
+                  <a:solidFill>
+                    <a:schemeClr val="tx1">
+                      <a:alpha val="29000"/>
+                    </a:schemeClr>
+                  </a:solidFill>
+                </a:ln>
+                <a:latin typeface="+mn-ea"/>
+                <a:cs typeface="맑은 고딕 Semilight" panose="020B0502040204020203" pitchFamily="50" charset="-127"/>
+              </a:rPr>
+            </a:br>
+            <a:r>
+              <a:rPr lang="ko-KR" altLang="en-US" sz="1400" smtClean="0">
+                <a:ln>
+                  <a:solidFill>
+                    <a:schemeClr val="tx1">
+                      <a:alpha val="29000"/>
+                    </a:schemeClr>
+                  </a:solidFill>
+                </a:ln>
+                <a:latin typeface="+mn-ea"/>
+                <a:cs typeface="맑은 고딕 Semilight" panose="020B0502040204020203" pitchFamily="50" charset="-127"/>
+              </a:rPr>
+              <a:t>마이크로소프트의 </a:t>
+            </a:r>
+            <a:r>
+              <a:rPr lang="en-US" altLang="ko-KR" sz="1400">
+                <a:ln>
+                  <a:solidFill>
+                    <a:schemeClr val="tx1">
+                      <a:alpha val="29000"/>
+                    </a:schemeClr>
+                  </a:solidFill>
+                </a:ln>
+                <a:latin typeface="+mn-ea"/>
+                <a:cs typeface="맑은 고딕 Semilight" panose="020B0502040204020203" pitchFamily="50" charset="-127"/>
+              </a:rPr>
+              <a:t>JScript</a:t>
+            </a:r>
+            <a:r>
+              <a:rPr lang="ko-KR" altLang="en-US" sz="1400">
+                <a:ln>
+                  <a:solidFill>
+                    <a:schemeClr val="tx1">
+                      <a:alpha val="29000"/>
+                    </a:schemeClr>
+                  </a:solidFill>
+                </a:ln>
+                <a:latin typeface="+mn-ea"/>
+                <a:cs typeface="맑은 고딕 Semilight" panose="020B0502040204020203" pitchFamily="50" charset="-127"/>
+              </a:rPr>
+              <a:t>나 어도비의 액션스크립트도 따르는 국제 </a:t>
+            </a:r>
+            <a:r>
+              <a:rPr lang="ko-KR" altLang="en-US" sz="1400">
+                <a:ln>
+                  <a:solidFill>
+                    <a:schemeClr val="tx1">
+                      <a:alpha val="29000"/>
+                    </a:schemeClr>
+                  </a:solidFill>
+                </a:ln>
+                <a:latin typeface="+mn-ea"/>
+                <a:cs typeface="맑은 고딕 Semilight" panose="020B0502040204020203" pitchFamily="50" charset="-127"/>
+              </a:rPr>
+              <a:t>표준이 </a:t>
+            </a:r>
+            <a:r>
+              <a:rPr lang="ko-KR" altLang="en-US" sz="1400">
+                <a:ln>
+                  <a:solidFill>
+                    <a:schemeClr val="tx1">
+                      <a:alpha val="29000"/>
+                    </a:schemeClr>
+                  </a:solidFill>
+                </a:ln>
+                <a:latin typeface="+mn-ea"/>
+                <a:cs typeface="맑은 고딕 Semilight" panose="020B0502040204020203" pitchFamily="50" charset="-127"/>
+              </a:rPr>
+              <a:t>됨</a:t>
+            </a:r>
+            <a:endParaRPr lang="en-US" altLang="ko-KR" sz="1400">
+              <a:ln>
+                <a:solidFill>
+                  <a:schemeClr val="tx1">
+                    <a:alpha val="29000"/>
+                  </a:schemeClr>
+                </a:solidFill>
+              </a:ln>
+              <a:latin typeface="+mn-ea"/>
+              <a:cs typeface="맑은 고딕 Semilight" panose="020B0502040204020203" pitchFamily="50" charset="-127"/>
+            </a:endParaRPr>
+          </a:p>
+          <a:p>
+            <a:pPr marL="449263" lvl="1" indent="-182563">
+              <a:lnSpc>
+                <a:spcPct val="150000"/>
+              </a:lnSpc>
+              <a:buFontTx/>
+              <a:buChar char="-"/>
+              <a:tabLst>
+                <a:tab pos="182563" algn="l"/>
+                <a:tab pos="449263" algn="l"/>
+              </a:tabLst>
+            </a:pPr>
+            <a:r>
+              <a:rPr lang="ko-KR" altLang="en-US" sz="1400">
+                <a:ln>
+                  <a:solidFill>
+                    <a:schemeClr val="tx1">
+                      <a:alpha val="29000"/>
+                    </a:schemeClr>
+                  </a:solidFill>
+                </a:ln>
+                <a:latin typeface="+mn-ea"/>
+                <a:cs typeface="맑은 고딕 Semilight" panose="020B0502040204020203" pitchFamily="50" charset="-127"/>
+              </a:rPr>
+              <a:t>현재 자바스크립트의 최신 표준은 </a:t>
+            </a:r>
+            <a:r>
+              <a:rPr lang="en-US" altLang="ko-KR" sz="1400">
+                <a:ln>
+                  <a:solidFill>
+                    <a:schemeClr val="tx1">
+                      <a:alpha val="29000"/>
+                    </a:schemeClr>
+                  </a:solidFill>
+                </a:ln>
+                <a:latin typeface="+mn-ea"/>
+                <a:cs typeface="맑은 고딕 Semilight" panose="020B0502040204020203" pitchFamily="50" charset="-127"/>
+              </a:rPr>
+              <a:t>2015</a:t>
+            </a:r>
+            <a:r>
+              <a:rPr lang="ko-KR" altLang="en-US" sz="1400">
+                <a:ln>
+                  <a:solidFill>
+                    <a:schemeClr val="tx1">
+                      <a:alpha val="29000"/>
+                    </a:schemeClr>
+                  </a:solidFill>
+                </a:ln>
+                <a:latin typeface="+mn-ea"/>
+                <a:cs typeface="맑은 고딕 Semilight" panose="020B0502040204020203" pitchFamily="50" charset="-127"/>
+              </a:rPr>
+              <a:t>년에 발표된 </a:t>
+            </a:r>
+            <a:r>
+              <a:rPr lang="en-US" altLang="ko-KR" sz="1400">
+                <a:ln>
+                  <a:solidFill>
+                    <a:schemeClr val="tx1">
+                      <a:alpha val="29000"/>
+                    </a:schemeClr>
+                  </a:solidFill>
+                </a:ln>
+                <a:latin typeface="+mn-ea"/>
+                <a:cs typeface="맑은 고딕 Semilight" panose="020B0502040204020203" pitchFamily="50" charset="-127"/>
+              </a:rPr>
+              <a:t>ECMAScript 6</a:t>
+            </a:r>
+            <a:r>
+              <a:rPr lang="ko-KR" altLang="en-US" sz="1400">
+                <a:ln>
+                  <a:solidFill>
+                    <a:schemeClr val="tx1">
+                      <a:alpha val="29000"/>
+                    </a:schemeClr>
+                  </a:solidFill>
+                </a:ln>
+                <a:latin typeface="+mn-ea"/>
+                <a:cs typeface="맑은 고딕 Semilight" panose="020B0502040204020203" pitchFamily="50" charset="-127"/>
+              </a:rPr>
+              <a:t>입니다</a:t>
+            </a:r>
+            <a:r>
+              <a:rPr lang="en-US" altLang="ko-KR" sz="1400">
+                <a:ln>
+                  <a:solidFill>
+                    <a:schemeClr val="tx1">
+                      <a:alpha val="29000"/>
+                    </a:schemeClr>
+                  </a:solidFill>
+                </a:ln>
+                <a:latin typeface="+mn-ea"/>
+                <a:cs typeface="맑은 고딕 Semilight" panose="020B0502040204020203" pitchFamily="50" charset="-127"/>
+              </a:rPr>
+              <a:t>.</a:t>
+            </a:r>
+          </a:p>
+          <a:p>
+            <a:pPr marL="449263" lvl="1" indent="-182563">
+              <a:lnSpc>
+                <a:spcPct val="150000"/>
+              </a:lnSpc>
+              <a:buFontTx/>
+              <a:buChar char="-"/>
+              <a:tabLst>
+                <a:tab pos="182563" algn="l"/>
+                <a:tab pos="449263" algn="l"/>
+              </a:tabLst>
+            </a:pPr>
+            <a:r>
+              <a:rPr lang="en-US" altLang="ko-KR" sz="1400" smtClean="0">
+                <a:ln>
+                  <a:solidFill>
+                    <a:schemeClr val="tx1">
+                      <a:alpha val="29000"/>
+                    </a:schemeClr>
+                  </a:solidFill>
+                </a:ln>
+                <a:latin typeface="+mn-ea"/>
+                <a:cs typeface="맑은 고딕 Semilight" panose="020B0502040204020203" pitchFamily="50" charset="-127"/>
+              </a:rPr>
+              <a:t>2013</a:t>
+            </a:r>
+            <a:r>
+              <a:rPr lang="ko-KR" altLang="en-US" sz="1400" smtClean="0">
+                <a:ln>
+                  <a:solidFill>
+                    <a:schemeClr val="tx1">
+                      <a:alpha val="29000"/>
+                    </a:schemeClr>
+                  </a:solidFill>
+                </a:ln>
+                <a:latin typeface="+mn-ea"/>
+                <a:cs typeface="맑은 고딕 Semilight" panose="020B0502040204020203" pitchFamily="50" charset="-127"/>
+              </a:rPr>
+              <a:t>년에서는 </a:t>
+            </a:r>
+            <a:r>
+              <a:rPr lang="en-US" altLang="ko-KR" sz="1400">
+                <a:ln>
+                  <a:solidFill>
+                    <a:schemeClr val="tx1">
+                      <a:alpha val="29000"/>
+                    </a:schemeClr>
+                  </a:solidFill>
+                </a:ln>
+                <a:latin typeface="+mn-ea"/>
+                <a:cs typeface="맑은 고딕 Semilight" panose="020B0502040204020203" pitchFamily="50" charset="-127"/>
+              </a:rPr>
+              <a:t>ECMAScript 5</a:t>
+            </a:r>
+            <a:r>
+              <a:rPr lang="ko-KR" altLang="en-US" sz="1400">
+                <a:ln>
+                  <a:solidFill>
+                    <a:schemeClr val="tx1">
+                      <a:alpha val="29000"/>
+                    </a:schemeClr>
+                  </a:solidFill>
+                </a:ln>
+                <a:latin typeface="+mn-ea"/>
+                <a:cs typeface="맑은 고딕 Semilight" panose="020B0502040204020203" pitchFamily="50" charset="-127"/>
+              </a:rPr>
+              <a:t>가 표준으로 </a:t>
+            </a:r>
+            <a:r>
+              <a:rPr lang="ko-KR" altLang="en-US" sz="1400" smtClean="0">
+                <a:ln>
+                  <a:solidFill>
+                    <a:schemeClr val="tx1">
+                      <a:alpha val="29000"/>
+                    </a:schemeClr>
+                  </a:solidFill>
+                </a:ln>
+                <a:latin typeface="+mn-ea"/>
+                <a:cs typeface="맑은 고딕 Semilight" panose="020B0502040204020203" pitchFamily="50" charset="-127"/>
+              </a:rPr>
+              <a:t>정의</a:t>
+            </a:r>
+            <a:r>
+              <a:rPr lang="en-US" altLang="ko-KR" sz="1400" smtClean="0">
+                <a:ln>
+                  <a:solidFill>
+                    <a:schemeClr val="tx1">
+                      <a:alpha val="29000"/>
+                    </a:schemeClr>
+                  </a:solidFill>
+                </a:ln>
+                <a:latin typeface="+mn-ea"/>
+                <a:cs typeface="맑은 고딕 Semilight" panose="020B0502040204020203" pitchFamily="50" charset="-127"/>
+              </a:rPr>
+              <a:t/>
+            </a:r>
+            <a:br>
+              <a:rPr lang="en-US" altLang="ko-KR" sz="1400" smtClean="0">
+                <a:ln>
+                  <a:solidFill>
+                    <a:schemeClr val="tx1">
+                      <a:alpha val="29000"/>
+                    </a:schemeClr>
+                  </a:solidFill>
+                </a:ln>
+                <a:latin typeface="+mn-ea"/>
+                <a:cs typeface="맑은 고딕 Semilight" panose="020B0502040204020203" pitchFamily="50" charset="-127"/>
+              </a:rPr>
+            </a:br>
+            <a:r>
+              <a:rPr lang="en-US" altLang="ko-KR" sz="1400" smtClean="0">
+                <a:ln>
+                  <a:solidFill>
+                    <a:schemeClr val="tx1">
+                      <a:alpha val="29000"/>
+                    </a:schemeClr>
+                  </a:solidFill>
+                </a:ln>
+                <a:latin typeface="+mn-ea"/>
+                <a:cs typeface="맑은 고딕 Semilight" panose="020B0502040204020203" pitchFamily="50" charset="-127"/>
+              </a:rPr>
+              <a:t> </a:t>
+            </a:r>
+            <a:r>
+              <a:rPr lang="en-US" altLang="ko-KR" sz="1400" smtClean="0">
+                <a:ln>
+                  <a:solidFill>
+                    <a:schemeClr val="tx1">
+                      <a:alpha val="29000"/>
+                    </a:schemeClr>
+                  </a:solidFill>
+                </a:ln>
+                <a:latin typeface="+mn-ea"/>
+                <a:cs typeface="맑은 고딕 Semilight" panose="020B0502040204020203" pitchFamily="50" charset="-127"/>
+                <a:sym typeface="Wingdings" panose="05000000000000000000" pitchFamily="2" charset="2"/>
+              </a:rPr>
+              <a:t> </a:t>
+            </a:r>
+            <a:r>
+              <a:rPr lang="ko-KR" altLang="en-US" sz="1400" smtClean="0">
+                <a:ln>
+                  <a:solidFill>
+                    <a:schemeClr val="tx1">
+                      <a:alpha val="29000"/>
+                    </a:schemeClr>
+                  </a:solidFill>
+                </a:ln>
+                <a:latin typeface="+mn-ea"/>
+                <a:cs typeface="맑은 고딕 Semilight" panose="020B0502040204020203" pitchFamily="50" charset="-127"/>
+                <a:sym typeface="Wingdings" panose="05000000000000000000" pitchFamily="2" charset="2"/>
+              </a:rPr>
+              <a:t>이 당시는 </a:t>
+            </a:r>
+            <a:r>
+              <a:rPr lang="en-US" altLang="ko-KR" sz="1400">
+                <a:ln>
+                  <a:solidFill>
+                    <a:schemeClr val="tx1">
+                      <a:alpha val="29000"/>
+                    </a:schemeClr>
+                  </a:solidFill>
+                </a:ln>
+                <a:latin typeface="+mn-ea"/>
+                <a:cs typeface="맑은 고딕 Semilight" panose="020B0502040204020203" pitchFamily="50" charset="-127"/>
+              </a:rPr>
+              <a:t>ECMAScript </a:t>
+            </a:r>
+            <a:r>
+              <a:rPr lang="en-US" altLang="ko-KR" sz="1400" smtClean="0">
+                <a:ln>
+                  <a:solidFill>
+                    <a:schemeClr val="tx1">
+                      <a:alpha val="29000"/>
+                    </a:schemeClr>
+                  </a:solidFill>
+                </a:ln>
+                <a:latin typeface="+mn-ea"/>
+                <a:cs typeface="맑은 고딕 Semilight" panose="020B0502040204020203" pitchFamily="50" charset="-127"/>
+              </a:rPr>
+              <a:t>3 </a:t>
+            </a:r>
+            <a:r>
+              <a:rPr lang="ko-KR" altLang="en-US" sz="1400" smtClean="0">
+                <a:ln>
+                  <a:solidFill>
+                    <a:schemeClr val="tx1">
+                      <a:alpha val="29000"/>
+                    </a:schemeClr>
+                  </a:solidFill>
+                </a:ln>
+                <a:latin typeface="+mn-ea"/>
+                <a:cs typeface="맑은 고딕 Semilight" panose="020B0502040204020203" pitchFamily="50" charset="-127"/>
+              </a:rPr>
+              <a:t>사용 중</a:t>
+            </a:r>
+            <a:r>
+              <a:rPr lang="en-US" altLang="ko-KR" sz="1400" smtClean="0">
+                <a:ln>
+                  <a:solidFill>
+                    <a:schemeClr val="tx1">
+                      <a:alpha val="29000"/>
+                    </a:schemeClr>
+                  </a:solidFill>
+                </a:ln>
+                <a:latin typeface="+mn-ea"/>
+                <a:cs typeface="맑은 고딕 Semilight" panose="020B0502040204020203" pitchFamily="50" charset="-127"/>
+              </a:rPr>
+              <a:t/>
+            </a:r>
+            <a:br>
+              <a:rPr lang="en-US" altLang="ko-KR" sz="1400" smtClean="0">
+                <a:ln>
+                  <a:solidFill>
+                    <a:schemeClr val="tx1">
+                      <a:alpha val="29000"/>
+                    </a:schemeClr>
+                  </a:solidFill>
+                </a:ln>
+                <a:latin typeface="+mn-ea"/>
+                <a:cs typeface="맑은 고딕 Semilight" panose="020B0502040204020203" pitchFamily="50" charset="-127"/>
+              </a:rPr>
+            </a:br>
+            <a:r>
+              <a:rPr lang="en-US" altLang="ko-KR" sz="1400" smtClean="0">
+                <a:ln>
+                  <a:solidFill>
+                    <a:schemeClr val="tx1">
+                      <a:alpha val="29000"/>
+                    </a:schemeClr>
+                  </a:solidFill>
+                </a:ln>
+                <a:latin typeface="+mn-ea"/>
+                <a:cs typeface="맑은 고딕 Semilight" panose="020B0502040204020203" pitchFamily="50" charset="-127"/>
+              </a:rPr>
+              <a:t> </a:t>
+            </a:r>
+            <a:r>
+              <a:rPr lang="en-US" altLang="ko-KR" sz="1400" smtClean="0">
+                <a:ln>
+                  <a:solidFill>
+                    <a:schemeClr val="tx1">
+                      <a:alpha val="29000"/>
+                    </a:schemeClr>
+                  </a:solidFill>
+                </a:ln>
+                <a:latin typeface="+mn-ea"/>
+                <a:cs typeface="맑은 고딕 Semilight" panose="020B0502040204020203" pitchFamily="50" charset="-127"/>
+                <a:sym typeface="Wingdings" panose="05000000000000000000" pitchFamily="2" charset="2"/>
+              </a:rPr>
+              <a:t> </a:t>
+            </a:r>
+            <a:r>
+              <a:rPr lang="ko-KR" altLang="en-US" sz="1400" smtClean="0">
+                <a:ln>
+                  <a:solidFill>
+                    <a:schemeClr val="tx1">
+                      <a:alpha val="29000"/>
+                    </a:schemeClr>
+                  </a:solidFill>
+                </a:ln>
+                <a:latin typeface="+mn-ea"/>
+                <a:cs typeface="맑은 고딕 Semilight" panose="020B0502040204020203" pitchFamily="50" charset="-127"/>
+                <a:sym typeface="Wingdings" panose="05000000000000000000" pitchFamily="2" charset="2"/>
+              </a:rPr>
+              <a:t>현재는 </a:t>
+            </a:r>
+            <a:r>
+              <a:rPr lang="en-US" altLang="ko-KR" sz="1400" smtClean="0">
+                <a:ln>
+                  <a:solidFill>
+                    <a:schemeClr val="tx1">
+                      <a:alpha val="29000"/>
+                    </a:schemeClr>
+                  </a:solidFill>
+                </a:ln>
+                <a:latin typeface="+mn-ea"/>
+                <a:cs typeface="맑은 고딕 Semilight" panose="020B0502040204020203" pitchFamily="50" charset="-127"/>
+                <a:sym typeface="Wingdings" panose="05000000000000000000" pitchFamily="2" charset="2"/>
+              </a:rPr>
+              <a:t>6 </a:t>
+            </a:r>
+            <a:r>
+              <a:rPr lang="ko-KR" altLang="en-US" sz="1400" smtClean="0">
+                <a:ln>
+                  <a:solidFill>
+                    <a:schemeClr val="tx1">
+                      <a:alpha val="29000"/>
+                    </a:schemeClr>
+                  </a:solidFill>
+                </a:ln>
+                <a:latin typeface="+mn-ea"/>
+                <a:cs typeface="맑은 고딕 Semilight" panose="020B0502040204020203" pitchFamily="50" charset="-127"/>
+                <a:sym typeface="Wingdings" panose="05000000000000000000" pitchFamily="2" charset="2"/>
+              </a:rPr>
+              <a:t>등의 상위 버전이 있으나 </a:t>
+            </a:r>
+            <a:r>
+              <a:rPr lang="en-US" altLang="ko-KR" sz="1400" smtClean="0">
+                <a:ln>
+                  <a:solidFill>
+                    <a:schemeClr val="tx1">
+                      <a:alpha val="29000"/>
+                    </a:schemeClr>
+                  </a:solidFill>
+                </a:ln>
+                <a:latin typeface="+mn-ea"/>
+                <a:cs typeface="맑은 고딕 Semilight" panose="020B0502040204020203" pitchFamily="50" charset="-127"/>
+                <a:sym typeface="Wingdings" panose="05000000000000000000" pitchFamily="2" charset="2"/>
+              </a:rPr>
+              <a:t>5</a:t>
+            </a:r>
+            <a:r>
+              <a:rPr lang="ko-KR" altLang="en-US" sz="1400" smtClean="0">
+                <a:ln>
+                  <a:solidFill>
+                    <a:schemeClr val="tx1">
+                      <a:alpha val="29000"/>
+                    </a:schemeClr>
+                  </a:solidFill>
+                </a:ln>
+                <a:latin typeface="+mn-ea"/>
+                <a:cs typeface="맑은 고딕 Semilight" panose="020B0502040204020203" pitchFamily="50" charset="-127"/>
+                <a:sym typeface="Wingdings" panose="05000000000000000000" pitchFamily="2" charset="2"/>
+              </a:rPr>
+              <a:t>를</a:t>
+            </a:r>
+            <a:r>
+              <a:rPr lang="en-US" altLang="ko-KR" sz="1400" smtClean="0">
+                <a:ln>
+                  <a:solidFill>
+                    <a:schemeClr val="tx1">
+                      <a:alpha val="29000"/>
+                    </a:schemeClr>
+                  </a:solidFill>
+                </a:ln>
+                <a:latin typeface="+mn-ea"/>
+                <a:cs typeface="맑은 고딕 Semilight" panose="020B0502040204020203" pitchFamily="50" charset="-127"/>
+                <a:sym typeface="Wingdings" panose="05000000000000000000" pitchFamily="2" charset="2"/>
+              </a:rPr>
+              <a:t> </a:t>
+            </a:r>
+            <a:r>
+              <a:rPr lang="ko-KR" altLang="en-US" sz="1400" smtClean="0">
+                <a:ln>
+                  <a:solidFill>
+                    <a:schemeClr val="tx1">
+                      <a:alpha val="29000"/>
+                    </a:schemeClr>
+                  </a:solidFill>
+                </a:ln>
+                <a:latin typeface="+mn-ea"/>
+                <a:cs typeface="맑은 고딕 Semilight" panose="020B0502040204020203" pitchFamily="50" charset="-127"/>
+                <a:sym typeface="Wingdings" panose="05000000000000000000" pitchFamily="2" charset="2"/>
+              </a:rPr>
+              <a:t>많이 사용 중</a:t>
+            </a:r>
+            <a:endParaRPr lang="en-US" altLang="ko-KR" sz="1400" smtClean="0">
+              <a:ln>
+                <a:solidFill>
+                  <a:schemeClr val="tx1">
+                    <a:alpha val="29000"/>
+                  </a:schemeClr>
+                </a:solidFill>
+              </a:ln>
+              <a:latin typeface="+mn-ea"/>
+              <a:cs typeface="맑은 고딕 Semilight" panose="020B0502040204020203" pitchFamily="50" charset="-127"/>
+            </a:endParaRPr>
+          </a:p>
+        </p:txBody>
+      </p:sp>
+    </p:spTree>
+    <p:extLst>
+      <p:ext uri="{BB962C8B-B14F-4D97-AF65-F5344CB8AC3E}">
+        <p14:creationId xmlns:p14="http://schemas.microsoft.com/office/powerpoint/2010/main" val="3392562536"/>
+      </p:ext>
+    </p:extLst>
+  </p:cSld>
+  <p:clrMapOvr>
+    <a:masterClrMapping/>
+  </p:clrMapOvr>
+  <p:timing>
+    <p:tnLst>
+      <p:par>
+        <p:cTn id="1" dur="indefinite" restart="never" nodeType="tmRoot"/>
+      </p:par>
+    </p:tnLst>
+  </p:timing>
+</p:sld>
+</file>
+
+<file path=ppt/slides/slide7.xml><?xml version="1.0" encoding="utf-8"?>
+<p:sld xmlns:a="http://schemas.openxmlformats.org/drawingml/2006/main" xmlns:r="http://schemas.openxmlformats.org/officeDocument/2006/relationships" xmlns:p="http://schemas.openxmlformats.org/presentationml/2006/main">
+  <p:cSld>
+    <p:spTree>
+      <p:nvGrpSpPr>
+        <p:cNvPr id="1" name=""/>
+        <p:cNvGrpSpPr/>
+        <p:nvPr/>
+      </p:nvGrpSpPr>
+      <p:grpSpPr>
+        <a:xfrm>
+          <a:off x="0" y="0"/>
+          <a:ext cx="0" cy="0"/>
+          <a:chOff x="0" y="0"/>
+          <a:chExt cx="0" cy="0"/>
+        </a:xfrm>
+      </p:grpSpPr>
+      <p:cxnSp>
+        <p:nvCxnSpPr>
+          <p:cNvPr id="7" name="직선 연결선 6"/>
+          <p:cNvCxnSpPr/>
+          <p:nvPr/>
+        </p:nvCxnSpPr>
+        <p:spPr>
+          <a:xfrm>
+            <a:off x="0" y="683316"/>
+            <a:ext cx="3300761" cy="0"/>
+          </a:xfrm>
+          <a:prstGeom prst="line">
+            <a:avLst/>
+          </a:prstGeom>
+          <a:ln w="28575">
+            <a:solidFill>
+              <a:srgbClr val="ED553B"/>
+            </a:solidFill>
+            <a:tailEnd type="oval" w="lg" len="lg"/>
+          </a:ln>
+        </p:spPr>
+        <p:style>
+          <a:lnRef idx="1">
+            <a:schemeClr val="accent1"/>
+          </a:lnRef>
+          <a:fillRef idx="0">
+            <a:schemeClr val="accent1"/>
+          </a:fillRef>
+          <a:effectRef idx="0">
+            <a:schemeClr val="accent1"/>
+          </a:effectRef>
+          <a:fontRef idx="minor">
+            <a:schemeClr val="tx1"/>
+          </a:fontRef>
+        </p:style>
+      </p:cxnSp>
+      <p:sp>
+        <p:nvSpPr>
+          <p:cNvPr id="9" name="TextBox 8"/>
+          <p:cNvSpPr txBox="1"/>
+          <p:nvPr/>
+        </p:nvSpPr>
+        <p:spPr>
+          <a:xfrm>
+            <a:off x="322413" y="140957"/>
+            <a:ext cx="5552787" cy="400110"/>
+          </a:xfrm>
+          <a:prstGeom prst="rect">
+            <a:avLst/>
+          </a:prstGeom>
+          <a:noFill/>
+        </p:spPr>
+        <p:txBody>
+          <a:bodyPr wrap="square" rtlCol="0">
+            <a:spAutoFit/>
+          </a:bodyPr>
+          <a:lstStyle/>
+          <a:p>
+            <a:r>
+              <a:rPr lang="en-US" altLang="ko-KR" sz="2000" smtClean="0">
+                <a:ln>
+                  <a:solidFill>
+                    <a:schemeClr val="tx1">
+                      <a:alpha val="29000"/>
+                    </a:schemeClr>
+                  </a:solidFill>
+                </a:ln>
+                <a:latin typeface="+mn-ea"/>
+                <a:cs typeface="맑은 고딕 Semilight" panose="020B0502040204020203" pitchFamily="50" charset="-127"/>
+              </a:rPr>
+              <a:t>JavaScript</a:t>
+            </a:r>
+            <a:r>
+              <a:rPr lang="ko-KR" altLang="en-US" sz="2000" smtClean="0">
+                <a:ln>
+                  <a:solidFill>
+                    <a:schemeClr val="tx1">
+                      <a:alpha val="29000"/>
+                    </a:schemeClr>
+                  </a:solidFill>
+                </a:ln>
+                <a:latin typeface="+mn-ea"/>
+                <a:cs typeface="맑은 고딕 Semilight" panose="020B0502040204020203" pitchFamily="50" charset="-127"/>
+              </a:rPr>
+              <a:t>란 무엇일까</a:t>
+            </a:r>
+            <a:r>
+              <a:rPr lang="en-US" altLang="ko-KR" sz="2000" smtClean="0">
+                <a:ln>
+                  <a:solidFill>
+                    <a:schemeClr val="tx1">
+                      <a:alpha val="29000"/>
+                    </a:schemeClr>
+                  </a:solidFill>
+                </a:ln>
+                <a:latin typeface="+mn-ea"/>
+                <a:cs typeface="맑은 고딕 Semilight" panose="020B0502040204020203" pitchFamily="50" charset="-127"/>
+              </a:rPr>
+              <a:t>?</a:t>
+            </a:r>
+            <a:endParaRPr lang="en-US" altLang="ko-KR" sz="2000" dirty="0">
+              <a:ln>
+                <a:solidFill>
+                  <a:schemeClr val="tx1">
+                    <a:alpha val="29000"/>
+                  </a:schemeClr>
+                </a:solidFill>
+              </a:ln>
+              <a:latin typeface="+mn-ea"/>
+              <a:cs typeface="맑은 고딕 Semilight" panose="020B0502040204020203" pitchFamily="50" charset="-127"/>
+            </a:endParaRPr>
+          </a:p>
+        </p:txBody>
+      </p:sp>
+      <p:sp>
+        <p:nvSpPr>
+          <p:cNvPr id="74" name="TextBox 73"/>
+          <p:cNvSpPr txBox="1"/>
+          <p:nvPr/>
+        </p:nvSpPr>
+        <p:spPr>
+          <a:xfrm>
+            <a:off x="267599" y="825566"/>
             <a:ext cx="9578660" cy="1477328"/>
           </a:xfrm>
           <a:prstGeom prst="rect">
@@ -7701,7 +9453,7 @@
                 <a:cs typeface="맑은 고딕 Semilight" panose="020B0502040204020203" pitchFamily="50" charset="-127"/>
                 <a:sym typeface="Wingdings" panose="05000000000000000000" pitchFamily="2" charset="2"/>
               </a:rPr>
-              <a:t>JavaScript </a:t>
+              <a:t>JavaScript</a:t>
             </a:r>
             <a:r>
               <a:rPr lang="ko-KR" altLang="en-US" sz="1800" smtClean="0">
@@ -7716,7 +9468,67 @@
                 <a:cs typeface="맑은 고딕 Semilight" panose="020B0502040204020203" pitchFamily="50" charset="-127"/>
                 <a:sym typeface="Wingdings" panose="05000000000000000000" pitchFamily="2" charset="2"/>
               </a:rPr>
-              <a:t>기본</a:t>
+              <a:t>로 할 수 있는 </a:t>
+            </a:r>
+            <a:r>
+              <a:rPr lang="ko-KR" altLang="en-US" sz="1800" smtClean="0">
+                <a:ln>
+                  <a:solidFill>
+                    <a:schemeClr val="tx1">
+                      <a:alpha val="29000"/>
+                    </a:schemeClr>
+                  </a:solidFill>
+                </a:ln>
+                <a:latin typeface="+mn-ea"/>
+                <a:cs typeface="맑은 고딕 Semilight" panose="020B0502040204020203" pitchFamily="50" charset="-127"/>
+                <a:sym typeface="Wingdings" panose="05000000000000000000" pitchFamily="2" charset="2"/>
+              </a:rPr>
+              <a:t>일들 </a:t>
+            </a:r>
+            <a:r>
+              <a:rPr lang="en-US" altLang="ko-KR" sz="1800" smtClean="0">
+                <a:ln>
+                  <a:solidFill>
+                    <a:schemeClr val="tx1">
+                      <a:alpha val="29000"/>
+                    </a:schemeClr>
+                  </a:solidFill>
+                </a:ln>
+                <a:latin typeface="+mn-ea"/>
+                <a:cs typeface="맑은 고딕 Semilight" panose="020B0502040204020203" pitchFamily="50" charset="-127"/>
+                <a:sym typeface="Wingdings" panose="05000000000000000000" pitchFamily="2" charset="2"/>
+              </a:rPr>
+              <a:t>(</a:t>
+            </a:r>
+            <a:r>
+              <a:rPr lang="ko-KR" altLang="en-US" sz="1800" smtClean="0">
+                <a:ln>
+                  <a:solidFill>
+                    <a:schemeClr val="tx1">
+                      <a:alpha val="29000"/>
+                    </a:schemeClr>
+                  </a:solidFill>
+                </a:ln>
+                <a:latin typeface="+mn-ea"/>
+                <a:cs typeface="맑은 고딕 Semilight" panose="020B0502040204020203" pitchFamily="50" charset="-127"/>
+                <a:sym typeface="Wingdings" panose="05000000000000000000" pitchFamily="2" charset="2"/>
+              </a:rPr>
+              <a:t>소개</a:t>
+            </a:r>
+            <a:r>
+              <a:rPr lang="en-US" altLang="ko-KR" sz="1800" smtClean="0">
+                <a:ln>
+                  <a:solidFill>
+                    <a:schemeClr val="tx1">
+                      <a:alpha val="29000"/>
+                    </a:schemeClr>
+                  </a:solidFill>
+                </a:ln>
+                <a:latin typeface="+mn-ea"/>
+                <a:cs typeface="맑은 고딕 Semilight" panose="020B0502040204020203" pitchFamily="50" charset="-127"/>
+                <a:sym typeface="Wingdings" panose="05000000000000000000" pitchFamily="2" charset="2"/>
+              </a:rPr>
+              <a:t>)</a:t>
             </a:r>
             <a:endParaRPr lang="en-US" altLang="ko-KR" sz="1800" dirty="0">
               <a:ln>
@@ -7744,20 +9556,6 @@
               </a:tabLst>
             </a:pPr>
             <a:r>
-              <a:rPr lang="en-US" altLang="ko-KR" sz="1400" smtClean="0">
-                <a:ln>
-                  <a:solidFill>
-                    <a:schemeClr val="tx1">
-                      <a:alpha val="29000"/>
-                    </a:schemeClr>
-                  </a:solidFill>
-                </a:ln>
-                <a:latin typeface="+mn-ea"/>
-                <a:cs typeface="맑은 고딕 Semilight" panose="020B0502040204020203" pitchFamily="50" charset="-127"/>
-              </a:rPr>
-              <a:t>HTML, CSS </a:t>
-            </a:r>
-            <a:r>
               <a:rPr lang="ko-KR" altLang="en-US" sz="1400" smtClean="0">
                 <a:ln>
                   <a:solidFill>
@@ -7769,7 +9567,461 @@
                 <a:latin typeface="+mn-ea"/>
                 <a:cs typeface="맑은 고딕 Semilight" panose="020B0502040204020203" pitchFamily="50" charset="-127"/>
               </a:rPr>
-              <a:t>등을 기본적으로 알고 있어야 함</a:t>
+              <a:t>자바스크립트는 </a:t>
+            </a:r>
+            <a:r>
+              <a:rPr lang="en-US" altLang="ko-KR" sz="1400">
+                <a:ln>
+                  <a:solidFill>
+                    <a:schemeClr val="tx1">
+                      <a:alpha val="29000"/>
+                    </a:schemeClr>
+                  </a:solidFill>
+                </a:ln>
+                <a:latin typeface="+mn-ea"/>
+                <a:cs typeface="맑은 고딕 Semilight" panose="020B0502040204020203" pitchFamily="50" charset="-127"/>
+              </a:rPr>
+              <a:t>HTML</a:t>
+            </a:r>
+            <a:r>
+              <a:rPr lang="ko-KR" altLang="en-US" sz="1400">
+                <a:ln>
+                  <a:solidFill>
+                    <a:schemeClr val="tx1">
+                      <a:alpha val="29000"/>
+                    </a:schemeClr>
+                  </a:solidFill>
+                </a:ln>
+                <a:latin typeface="+mn-ea"/>
+                <a:cs typeface="맑은 고딕 Semilight" panose="020B0502040204020203" pitchFamily="50" charset="-127"/>
+              </a:rPr>
+              <a:t>의 </a:t>
+            </a:r>
+            <a:r>
+              <a:rPr lang="en-US" altLang="ko-KR" sz="1400">
+                <a:ln>
+                  <a:solidFill>
+                    <a:schemeClr val="tx1">
+                      <a:alpha val="29000"/>
+                    </a:schemeClr>
+                  </a:solidFill>
+                </a:ln>
+                <a:latin typeface="+mn-ea"/>
+                <a:cs typeface="맑은 고딕 Semilight" panose="020B0502040204020203" pitchFamily="50" charset="-127"/>
+              </a:rPr>
+              <a:t>'</a:t>
+            </a:r>
+            <a:r>
+              <a:rPr lang="ko-KR" altLang="en-US" sz="1400">
+                <a:ln>
+                  <a:solidFill>
+                    <a:schemeClr val="tx1">
+                      <a:alpha val="29000"/>
+                    </a:schemeClr>
+                  </a:solidFill>
+                </a:ln>
+                <a:latin typeface="+mn-ea"/>
+                <a:cs typeface="맑은 고딕 Semilight" panose="020B0502040204020203" pitchFamily="50" charset="-127"/>
+              </a:rPr>
+              <a:t>내용</a:t>
+            </a:r>
+            <a:r>
+              <a:rPr lang="en-US" altLang="ko-KR" sz="1400">
+                <a:ln>
+                  <a:solidFill>
+                    <a:schemeClr val="tx1">
+                      <a:alpha val="29000"/>
+                    </a:schemeClr>
+                  </a:solidFill>
+                </a:ln>
+                <a:latin typeface="+mn-ea"/>
+                <a:cs typeface="맑은 고딕 Semilight" panose="020B0502040204020203" pitchFamily="50" charset="-127"/>
+              </a:rPr>
+              <a:t>'</a:t>
+            </a:r>
+            <a:r>
+              <a:rPr lang="ko-KR" altLang="en-US" sz="1400">
+                <a:ln>
+                  <a:solidFill>
+                    <a:schemeClr val="tx1">
+                      <a:alpha val="29000"/>
+                    </a:schemeClr>
+                  </a:solidFill>
+                </a:ln>
+                <a:latin typeface="+mn-ea"/>
+                <a:cs typeface="맑은 고딕 Semilight" panose="020B0502040204020203" pitchFamily="50" charset="-127"/>
+              </a:rPr>
+              <a:t>을 </a:t>
+            </a:r>
+            <a:r>
+              <a:rPr lang="ko-KR" altLang="en-US" sz="1400" smtClean="0">
+                <a:ln>
+                  <a:solidFill>
+                    <a:schemeClr val="tx1">
+                      <a:alpha val="29000"/>
+                    </a:schemeClr>
+                  </a:solidFill>
+                </a:ln>
+                <a:latin typeface="+mn-ea"/>
+                <a:cs typeface="맑은 고딕 Semilight" panose="020B0502040204020203" pitchFamily="50" charset="-127"/>
+              </a:rPr>
+              <a:t>변경할 수 있음</a:t>
+            </a:r>
+            <a:endParaRPr lang="ko-KR" altLang="en-US" sz="1400">
+              <a:ln>
+                <a:solidFill>
+                  <a:schemeClr val="tx1">
+                    <a:alpha val="29000"/>
+                  </a:schemeClr>
+                </a:solidFill>
+              </a:ln>
+              <a:latin typeface="+mn-ea"/>
+              <a:cs typeface="맑은 고딕 Semilight" panose="020B0502040204020203" pitchFamily="50" charset="-127"/>
+            </a:endParaRPr>
+          </a:p>
+          <a:p>
+            <a:pPr marL="449263" lvl="1" indent="-182563">
+              <a:lnSpc>
+                <a:spcPct val="150000"/>
+              </a:lnSpc>
+              <a:buFontTx/>
+              <a:buChar char="-"/>
+              <a:tabLst>
+                <a:tab pos="182563" algn="l"/>
+                <a:tab pos="449263" algn="l"/>
+              </a:tabLst>
+            </a:pPr>
+            <a:r>
+              <a:rPr lang="ko-KR" altLang="en-US" sz="1400" smtClean="0">
+                <a:ln>
+                  <a:solidFill>
+                    <a:schemeClr val="tx1">
+                      <a:alpha val="29000"/>
+                    </a:schemeClr>
+                  </a:solidFill>
+                </a:ln>
+                <a:latin typeface="+mn-ea"/>
+                <a:cs typeface="맑은 고딕 Semilight" panose="020B0502040204020203" pitchFamily="50" charset="-127"/>
+              </a:rPr>
+              <a:t>자바스크립트는 </a:t>
+            </a:r>
+            <a:r>
+              <a:rPr lang="en-US" altLang="ko-KR" sz="1400">
+                <a:ln>
+                  <a:solidFill>
+                    <a:schemeClr val="tx1">
+                      <a:alpha val="29000"/>
+                    </a:schemeClr>
+                  </a:solidFill>
+                </a:ln>
+                <a:latin typeface="+mn-ea"/>
+                <a:cs typeface="맑은 고딕 Semilight" panose="020B0502040204020203" pitchFamily="50" charset="-127"/>
+              </a:rPr>
+              <a:t>HTML</a:t>
+            </a:r>
+            <a:r>
+              <a:rPr lang="ko-KR" altLang="en-US" sz="1400">
+                <a:ln>
+                  <a:solidFill>
+                    <a:schemeClr val="tx1">
+                      <a:alpha val="29000"/>
+                    </a:schemeClr>
+                  </a:solidFill>
+                </a:ln>
+                <a:latin typeface="+mn-ea"/>
+                <a:cs typeface="맑은 고딕 Semilight" panose="020B0502040204020203" pitchFamily="50" charset="-127"/>
+              </a:rPr>
+              <a:t>의 </a:t>
+            </a:r>
+            <a:r>
+              <a:rPr lang="en-US" altLang="ko-KR" sz="1400">
+                <a:ln>
+                  <a:solidFill>
+                    <a:schemeClr val="tx1">
+                      <a:alpha val="29000"/>
+                    </a:schemeClr>
+                  </a:solidFill>
+                </a:ln>
+                <a:latin typeface="+mn-ea"/>
+                <a:cs typeface="맑은 고딕 Semilight" panose="020B0502040204020203" pitchFamily="50" charset="-127"/>
+              </a:rPr>
+              <a:t>'</a:t>
+            </a:r>
+            <a:r>
+              <a:rPr lang="ko-KR" altLang="en-US" sz="1400">
+                <a:ln>
+                  <a:solidFill>
+                    <a:schemeClr val="tx1">
+                      <a:alpha val="29000"/>
+                    </a:schemeClr>
+                  </a:solidFill>
+                </a:ln>
+                <a:latin typeface="+mn-ea"/>
+                <a:cs typeface="맑은 고딕 Semilight" panose="020B0502040204020203" pitchFamily="50" charset="-127"/>
+              </a:rPr>
+              <a:t>속성</a:t>
+            </a:r>
+            <a:r>
+              <a:rPr lang="en-US" altLang="ko-KR" sz="1400">
+                <a:ln>
+                  <a:solidFill>
+                    <a:schemeClr val="tx1">
+                      <a:alpha val="29000"/>
+                    </a:schemeClr>
+                  </a:solidFill>
+                </a:ln>
+                <a:latin typeface="+mn-ea"/>
+                <a:cs typeface="맑은 고딕 Semilight" panose="020B0502040204020203" pitchFamily="50" charset="-127"/>
+              </a:rPr>
+              <a:t>'</a:t>
+            </a:r>
+            <a:r>
+              <a:rPr lang="ko-KR" altLang="en-US" sz="1400">
+                <a:ln>
+                  <a:solidFill>
+                    <a:schemeClr val="tx1">
+                      <a:alpha val="29000"/>
+                    </a:schemeClr>
+                  </a:solidFill>
+                </a:ln>
+                <a:latin typeface="+mn-ea"/>
+                <a:cs typeface="맑은 고딕 Semilight" panose="020B0502040204020203" pitchFamily="50" charset="-127"/>
+              </a:rPr>
+              <a:t>을 </a:t>
+            </a:r>
+            <a:r>
+              <a:rPr lang="ko-KR" altLang="en-US" sz="1400" smtClean="0">
+                <a:ln>
+                  <a:solidFill>
+                    <a:schemeClr val="tx1">
+                      <a:alpha val="29000"/>
+                    </a:schemeClr>
+                  </a:solidFill>
+                </a:ln>
+                <a:latin typeface="+mn-ea"/>
+                <a:cs typeface="맑은 고딕 Semilight" panose="020B0502040204020203" pitchFamily="50" charset="-127"/>
+              </a:rPr>
+              <a:t>변경</a:t>
+            </a:r>
+            <a:r>
+              <a:rPr lang="ko-KR" altLang="en-US" sz="1400">
+                <a:ln>
+                  <a:solidFill>
+                    <a:schemeClr val="tx1">
+                      <a:alpha val="29000"/>
+                    </a:schemeClr>
+                  </a:solidFill>
+                </a:ln>
+                <a:latin typeface="+mn-ea"/>
+                <a:cs typeface="맑은 고딕 Semilight" panose="020B0502040204020203" pitchFamily="50" charset="-127"/>
+              </a:rPr>
+              <a:t>할 </a:t>
+            </a:r>
+            <a:r>
+              <a:rPr lang="ko-KR" altLang="en-US" sz="1400">
+                <a:ln>
+                  <a:solidFill>
+                    <a:schemeClr val="tx1">
+                      <a:alpha val="29000"/>
+                    </a:schemeClr>
+                  </a:solidFill>
+                </a:ln>
+                <a:latin typeface="+mn-ea"/>
+                <a:cs typeface="맑은 고딕 Semilight" panose="020B0502040204020203" pitchFamily="50" charset="-127"/>
+              </a:rPr>
+              <a:t>수 </a:t>
+            </a:r>
+            <a:r>
+              <a:rPr lang="ko-KR" altLang="en-US" sz="1400" smtClean="0">
+                <a:ln>
+                  <a:solidFill>
+                    <a:schemeClr val="tx1">
+                      <a:alpha val="29000"/>
+                    </a:schemeClr>
+                  </a:solidFill>
+                </a:ln>
+                <a:latin typeface="+mn-ea"/>
+                <a:cs typeface="맑은 고딕 Semilight" panose="020B0502040204020203" pitchFamily="50" charset="-127"/>
+              </a:rPr>
+              <a:t>있음</a:t>
+            </a:r>
+            <a:endParaRPr lang="en-US" altLang="ko-KR" sz="1400">
+              <a:ln>
+                <a:solidFill>
+                  <a:schemeClr val="tx1">
+                    <a:alpha val="29000"/>
+                  </a:schemeClr>
+                </a:solidFill>
+              </a:ln>
+              <a:latin typeface="+mn-ea"/>
+              <a:cs typeface="맑은 고딕 Semilight" panose="020B0502040204020203" pitchFamily="50" charset="-127"/>
+            </a:endParaRPr>
+          </a:p>
+          <a:p>
+            <a:pPr marL="449263" lvl="1" indent="-182563">
+              <a:lnSpc>
+                <a:spcPct val="150000"/>
+              </a:lnSpc>
+              <a:buFontTx/>
+              <a:buChar char="-"/>
+              <a:tabLst>
+                <a:tab pos="182563" algn="l"/>
+                <a:tab pos="449263" algn="l"/>
+              </a:tabLst>
+            </a:pPr>
+            <a:r>
+              <a:rPr lang="ko-KR" altLang="en-US" sz="1400" smtClean="0">
+                <a:ln>
+                  <a:solidFill>
+                    <a:schemeClr val="tx1">
+                      <a:alpha val="29000"/>
+                    </a:schemeClr>
+                  </a:solidFill>
+                </a:ln>
+                <a:latin typeface="+mn-ea"/>
+                <a:cs typeface="맑은 고딕 Semilight" panose="020B0502040204020203" pitchFamily="50" charset="-127"/>
+              </a:rPr>
+              <a:t>자바스크립트는 </a:t>
+            </a:r>
+            <a:r>
+              <a:rPr lang="en-US" altLang="ko-KR" sz="1400">
+                <a:ln>
+                  <a:solidFill>
+                    <a:schemeClr val="tx1">
+                      <a:alpha val="29000"/>
+                    </a:schemeClr>
+                  </a:solidFill>
+                </a:ln>
+                <a:latin typeface="+mn-ea"/>
+                <a:cs typeface="맑은 고딕 Semilight" panose="020B0502040204020203" pitchFamily="50" charset="-127"/>
+              </a:rPr>
+              <a:t>HTML</a:t>
+            </a:r>
+            <a:r>
+              <a:rPr lang="ko-KR" altLang="en-US" sz="1400">
+                <a:ln>
+                  <a:solidFill>
+                    <a:schemeClr val="tx1">
+                      <a:alpha val="29000"/>
+                    </a:schemeClr>
+                  </a:solidFill>
+                </a:ln>
+                <a:latin typeface="+mn-ea"/>
+                <a:cs typeface="맑은 고딕 Semilight" panose="020B0502040204020203" pitchFamily="50" charset="-127"/>
+              </a:rPr>
+              <a:t>의 </a:t>
+            </a:r>
+            <a:r>
+              <a:rPr lang="en-US" altLang="ko-KR" sz="1400">
+                <a:ln>
+                  <a:solidFill>
+                    <a:schemeClr val="tx1">
+                      <a:alpha val="29000"/>
+                    </a:schemeClr>
+                  </a:solidFill>
+                </a:ln>
+                <a:latin typeface="+mn-ea"/>
+                <a:cs typeface="맑은 고딕 Semilight" panose="020B0502040204020203" pitchFamily="50" charset="-127"/>
+              </a:rPr>
+              <a:t>'</a:t>
+            </a:r>
+            <a:r>
+              <a:rPr lang="ko-KR" altLang="en-US" sz="1400">
+                <a:ln>
+                  <a:solidFill>
+                    <a:schemeClr val="tx1">
+                      <a:alpha val="29000"/>
+                    </a:schemeClr>
+                  </a:solidFill>
+                </a:ln>
+                <a:latin typeface="+mn-ea"/>
+                <a:cs typeface="맑은 고딕 Semilight" panose="020B0502040204020203" pitchFamily="50" charset="-127"/>
+              </a:rPr>
+              <a:t>스타일</a:t>
+            </a:r>
+            <a:r>
+              <a:rPr lang="en-US" altLang="ko-KR" sz="1400">
+                <a:ln>
+                  <a:solidFill>
+                    <a:schemeClr val="tx1">
+                      <a:alpha val="29000"/>
+                    </a:schemeClr>
+                  </a:solidFill>
+                </a:ln>
+                <a:latin typeface="+mn-ea"/>
+                <a:cs typeface="맑은 고딕 Semilight" panose="020B0502040204020203" pitchFamily="50" charset="-127"/>
+              </a:rPr>
+              <a:t>'</a:t>
+            </a:r>
+            <a:r>
+              <a:rPr lang="ko-KR" altLang="en-US" sz="1400">
+                <a:ln>
+                  <a:solidFill>
+                    <a:schemeClr val="tx1">
+                      <a:alpha val="29000"/>
+                    </a:schemeClr>
+                  </a:solidFill>
+                </a:ln>
+                <a:latin typeface="+mn-ea"/>
+                <a:cs typeface="맑은 고딕 Semilight" panose="020B0502040204020203" pitchFamily="50" charset="-127"/>
+              </a:rPr>
+              <a:t>을 </a:t>
+            </a:r>
+            <a:r>
+              <a:rPr lang="ko-KR" altLang="en-US" sz="1400" smtClean="0">
+                <a:ln>
+                  <a:solidFill>
+                    <a:schemeClr val="tx1">
+                      <a:alpha val="29000"/>
+                    </a:schemeClr>
+                  </a:solidFill>
+                </a:ln>
+                <a:latin typeface="+mn-ea"/>
+                <a:cs typeface="맑은 고딕 Semilight" panose="020B0502040204020203" pitchFamily="50" charset="-127"/>
+              </a:rPr>
+              <a:t>변경</a:t>
+            </a:r>
+            <a:r>
+              <a:rPr lang="ko-KR" altLang="en-US" sz="1400">
+                <a:ln>
+                  <a:solidFill>
+                    <a:schemeClr val="tx1">
+                      <a:alpha val="29000"/>
+                    </a:schemeClr>
+                  </a:solidFill>
+                </a:ln>
+                <a:latin typeface="+mn-ea"/>
+                <a:cs typeface="맑은 고딕 Semilight" panose="020B0502040204020203" pitchFamily="50" charset="-127"/>
+              </a:rPr>
+              <a:t>할 </a:t>
+            </a:r>
+            <a:r>
+              <a:rPr lang="ko-KR" altLang="en-US" sz="1400">
+                <a:ln>
+                  <a:solidFill>
+                    <a:schemeClr val="tx1">
+                      <a:alpha val="29000"/>
+                    </a:schemeClr>
+                  </a:solidFill>
+                </a:ln>
+                <a:latin typeface="+mn-ea"/>
+                <a:cs typeface="맑은 고딕 Semilight" panose="020B0502040204020203" pitchFamily="50" charset="-127"/>
+              </a:rPr>
+              <a:t>수 </a:t>
+            </a:r>
+            <a:r>
+              <a:rPr lang="ko-KR" altLang="en-US" sz="1400" smtClean="0">
+                <a:ln>
+                  <a:solidFill>
+                    <a:schemeClr val="tx1">
+                      <a:alpha val="29000"/>
+                    </a:schemeClr>
+                  </a:solidFill>
+                </a:ln>
+                <a:latin typeface="+mn-ea"/>
+                <a:cs typeface="맑은 고딕 Semilight" panose="020B0502040204020203" pitchFamily="50" charset="-127"/>
+              </a:rPr>
+              <a:t>있음</a:t>
             </a:r>
             <a:endParaRPr lang="en-US" altLang="ko-KR" sz="1400" smtClean="0">
               <a:ln>
@@ -7783,6 +10035,291 @@
               <a:cs typeface="맑은 고딕 Semilight" panose="020B0502040204020203" pitchFamily="50" charset="-127"/>
             </a:endParaRPr>
           </a:p>
+        </p:txBody>
+      </p:sp>
+    </p:spTree>
+    <p:extLst>
+      <p:ext uri="{BB962C8B-B14F-4D97-AF65-F5344CB8AC3E}">
+        <p14:creationId xmlns:p14="http://schemas.microsoft.com/office/powerpoint/2010/main" val="2952524589"/>
+      </p:ext>
+    </p:extLst>
+  </p:cSld>
+  <p:clrMapOvr>
+    <a:masterClrMapping/>
+  </p:clrMapOvr>
+  <p:timing>
+    <p:tnLst>
+      <p:par>
+        <p:cTn id="1" dur="indefinite" restart="never" nodeType="tmRoot"/>
+      </p:par>
+    </p:tnLst>
+  </p:timing>
+</p:sld>
+</file>
+
+<file path=ppt/slides/slide8.xml><?xml version="1.0" encoding="utf-8"?>
+<p:sld xmlns:a="http://schemas.openxmlformats.org/drawingml/2006/main" xmlns:r="http://schemas.openxmlformats.org/officeDocument/2006/relationships" xmlns:p="http://schemas.openxmlformats.org/presentationml/2006/main">
+  <p:cSld>
+    <p:spTree>
+      <p:nvGrpSpPr>
+        <p:cNvPr id="1" name=""/>
+        <p:cNvGrpSpPr/>
+        <p:nvPr/>
+      </p:nvGrpSpPr>
+      <p:grpSpPr>
+        <a:xfrm>
+          <a:off x="0" y="0"/>
+          <a:ext cx="0" cy="0"/>
+          <a:chOff x="0" y="0"/>
+          <a:chExt cx="0" cy="0"/>
+        </a:xfrm>
+      </p:grpSpPr>
+      <p:cxnSp>
+        <p:nvCxnSpPr>
+          <p:cNvPr id="7" name="직선 연결선 6"/>
+          <p:cNvCxnSpPr/>
+          <p:nvPr/>
+        </p:nvCxnSpPr>
+        <p:spPr>
+          <a:xfrm>
+            <a:off x="0" y="683316"/>
+            <a:ext cx="3300761" cy="0"/>
+          </a:xfrm>
+          <a:prstGeom prst="line">
+            <a:avLst/>
+          </a:prstGeom>
+          <a:ln w="28575">
+            <a:solidFill>
+              <a:srgbClr val="ED553B"/>
+            </a:solidFill>
+            <a:tailEnd type="oval" w="lg" len="lg"/>
+          </a:ln>
+        </p:spPr>
+        <p:style>
+          <a:lnRef idx="1">
+            <a:schemeClr val="accent1"/>
+          </a:lnRef>
+          <a:fillRef idx="0">
+            <a:schemeClr val="accent1"/>
+          </a:fillRef>
+          <a:effectRef idx="0">
+            <a:schemeClr val="accent1"/>
+          </a:effectRef>
+          <a:fontRef idx="minor">
+            <a:schemeClr val="tx1"/>
+          </a:fontRef>
+        </p:style>
+      </p:cxnSp>
+      <p:sp>
+        <p:nvSpPr>
+          <p:cNvPr id="9" name="TextBox 8"/>
+          <p:cNvSpPr txBox="1"/>
+          <p:nvPr/>
+        </p:nvSpPr>
+        <p:spPr>
+          <a:xfrm>
+            <a:off x="322413" y="140957"/>
+            <a:ext cx="5552787" cy="400110"/>
+          </a:xfrm>
+          <a:prstGeom prst="rect">
+            <a:avLst/>
+          </a:prstGeom>
+          <a:noFill/>
+        </p:spPr>
+        <p:txBody>
+          <a:bodyPr wrap="square" rtlCol="0">
+            <a:spAutoFit/>
+          </a:bodyPr>
+          <a:lstStyle/>
+          <a:p>
+            <a:r>
+              <a:rPr lang="en-US" altLang="ko-KR" sz="2000" smtClean="0">
+                <a:ln>
+                  <a:solidFill>
+                    <a:schemeClr val="tx1">
+                      <a:alpha val="29000"/>
+                    </a:schemeClr>
+                  </a:solidFill>
+                </a:ln>
+                <a:latin typeface="+mn-ea"/>
+                <a:cs typeface="맑은 고딕 Semilight" panose="020B0502040204020203" pitchFamily="50" charset="-127"/>
+              </a:rPr>
+              <a:t>JavaScript</a:t>
+            </a:r>
+            <a:r>
+              <a:rPr lang="ko-KR" altLang="en-US" sz="2000" smtClean="0">
+                <a:ln>
+                  <a:solidFill>
+                    <a:schemeClr val="tx1">
+                      <a:alpha val="29000"/>
+                    </a:schemeClr>
+                  </a:solidFill>
+                </a:ln>
+                <a:latin typeface="+mn-ea"/>
+                <a:cs typeface="맑은 고딕 Semilight" panose="020B0502040204020203" pitchFamily="50" charset="-127"/>
+              </a:rPr>
+              <a:t>란 무엇일까</a:t>
+            </a:r>
+            <a:r>
+              <a:rPr lang="en-US" altLang="ko-KR" sz="2000" smtClean="0">
+                <a:ln>
+                  <a:solidFill>
+                    <a:schemeClr val="tx1">
+                      <a:alpha val="29000"/>
+                    </a:schemeClr>
+                  </a:solidFill>
+                </a:ln>
+                <a:latin typeface="+mn-ea"/>
+                <a:cs typeface="맑은 고딕 Semilight" panose="020B0502040204020203" pitchFamily="50" charset="-127"/>
+              </a:rPr>
+              <a:t>?</a:t>
+            </a:r>
+            <a:endParaRPr lang="en-US" altLang="ko-KR" sz="2000" dirty="0">
+              <a:ln>
+                <a:solidFill>
+                  <a:schemeClr val="tx1">
+                    <a:alpha val="29000"/>
+                  </a:schemeClr>
+                </a:solidFill>
+              </a:ln>
+              <a:latin typeface="+mn-ea"/>
+              <a:cs typeface="맑은 고딕 Semilight" panose="020B0502040204020203" pitchFamily="50" charset="-127"/>
+            </a:endParaRPr>
+          </a:p>
+        </p:txBody>
+      </p:sp>
+      <p:sp>
+        <p:nvSpPr>
+          <p:cNvPr id="74" name="TextBox 73"/>
+          <p:cNvSpPr txBox="1"/>
+          <p:nvPr/>
+        </p:nvSpPr>
+        <p:spPr>
+          <a:xfrm>
+            <a:off x="267599" y="825566"/>
+            <a:ext cx="9578660" cy="4431983"/>
+          </a:xfrm>
+          <a:prstGeom prst="rect">
+            <a:avLst/>
+          </a:prstGeom>
+          <a:noFill/>
+        </p:spPr>
+        <p:txBody>
+          <a:bodyPr wrap="square" rtlCol="0">
+            <a:spAutoFit/>
+          </a:bodyPr>
+          <a:lstStyle/>
+          <a:p>
+            <a:pPr marL="285750" indent="-285750">
+              <a:lnSpc>
+                <a:spcPct val="150000"/>
+              </a:lnSpc>
+              <a:buFont typeface="Arial" panose="020B0604020202020204" pitchFamily="34" charset="0"/>
+              <a:buChar char="•"/>
+            </a:pPr>
+            <a:r>
+              <a:rPr lang="en-US" altLang="ko-KR" sz="1800" smtClean="0">
+                <a:ln>
+                  <a:solidFill>
+                    <a:schemeClr val="tx1">
+                      <a:alpha val="29000"/>
+                    </a:schemeClr>
+                  </a:solidFill>
+                </a:ln>
+                <a:latin typeface="+mn-ea"/>
+                <a:cs typeface="맑은 고딕 Semilight" panose="020B0502040204020203" pitchFamily="50" charset="-127"/>
+                <a:sym typeface="Wingdings" panose="05000000000000000000" pitchFamily="2" charset="2"/>
+              </a:rPr>
+              <a:t>JavaScript</a:t>
+            </a:r>
+            <a:r>
+              <a:rPr lang="ko-KR" altLang="en-US" sz="1800" smtClean="0">
+                <a:ln>
+                  <a:solidFill>
+                    <a:schemeClr val="tx1">
+                      <a:alpha val="29000"/>
+                    </a:schemeClr>
+                  </a:solidFill>
+                </a:ln>
+                <a:latin typeface="+mn-ea"/>
+                <a:cs typeface="맑은 고딕 Semilight" panose="020B0502040204020203" pitchFamily="50" charset="-127"/>
+                <a:sym typeface="Wingdings" panose="05000000000000000000" pitchFamily="2" charset="2"/>
+              </a:rPr>
+              <a:t>로 할 수 있는 </a:t>
+            </a:r>
+            <a:r>
+              <a:rPr lang="ko-KR" altLang="en-US" sz="1800" smtClean="0">
+                <a:ln>
+                  <a:solidFill>
+                    <a:schemeClr val="tx1">
+                      <a:alpha val="29000"/>
+                    </a:schemeClr>
+                  </a:solidFill>
+                </a:ln>
+                <a:latin typeface="+mn-ea"/>
+                <a:cs typeface="맑은 고딕 Semilight" panose="020B0502040204020203" pitchFamily="50" charset="-127"/>
+                <a:sym typeface="Wingdings" panose="05000000000000000000" pitchFamily="2" charset="2"/>
+              </a:rPr>
+              <a:t>일들 </a:t>
+            </a:r>
+            <a:r>
+              <a:rPr lang="en-US" altLang="ko-KR" sz="1800" smtClean="0">
+                <a:ln>
+                  <a:solidFill>
+                    <a:schemeClr val="tx1">
+                      <a:alpha val="29000"/>
+                    </a:schemeClr>
+                  </a:solidFill>
+                </a:ln>
+                <a:latin typeface="+mn-ea"/>
+                <a:cs typeface="맑은 고딕 Semilight" panose="020B0502040204020203" pitchFamily="50" charset="-127"/>
+                <a:sym typeface="Wingdings" panose="05000000000000000000" pitchFamily="2" charset="2"/>
+              </a:rPr>
+              <a:t>(</a:t>
+            </a:r>
+            <a:r>
+              <a:rPr lang="ko-KR" altLang="en-US" sz="1800" smtClean="0">
+                <a:ln>
+                  <a:solidFill>
+                    <a:schemeClr val="tx1">
+                      <a:alpha val="29000"/>
+                    </a:schemeClr>
+                  </a:solidFill>
+                </a:ln>
+                <a:latin typeface="+mn-ea"/>
+                <a:cs typeface="맑은 고딕 Semilight" panose="020B0502040204020203" pitchFamily="50" charset="-127"/>
+                <a:sym typeface="Wingdings" panose="05000000000000000000" pitchFamily="2" charset="2"/>
+              </a:rPr>
+              <a:t>응용</a:t>
+            </a:r>
+            <a:r>
+              <a:rPr lang="en-US" altLang="ko-KR" sz="1800" smtClean="0">
+                <a:ln>
+                  <a:solidFill>
+                    <a:schemeClr val="tx1">
+                      <a:alpha val="29000"/>
+                    </a:schemeClr>
+                  </a:solidFill>
+                </a:ln>
+                <a:latin typeface="+mn-ea"/>
+                <a:cs typeface="맑은 고딕 Semilight" panose="020B0502040204020203" pitchFamily="50" charset="-127"/>
+                <a:sym typeface="Wingdings" panose="05000000000000000000" pitchFamily="2" charset="2"/>
+              </a:rPr>
+              <a:t>)</a:t>
+            </a:r>
+            <a:endParaRPr lang="en-US" altLang="ko-KR" sz="1800" dirty="0">
+              <a:ln>
+                <a:solidFill>
+                  <a:schemeClr val="tx1">
+                    <a:alpha val="29000"/>
+                  </a:schemeClr>
+                </a:solidFill>
+              </a:ln>
+              <a:latin typeface="+mn-ea"/>
+              <a:cs typeface="맑은 고딕 Semilight" panose="020B0502040204020203" pitchFamily="50" charset="-127"/>
+              <a:sym typeface="Wingdings" panose="05000000000000000000" pitchFamily="2" charset="2"/>
+            </a:endParaRPr>
+          </a:p>
           <a:p>
             <a:pPr marL="449263" lvl="1" indent="-182563">
               <a:lnSpc>
@@ -7796,6 +10333,796 @@
               </a:tabLst>
             </a:pPr>
             <a:r>
+              <a:rPr lang="ko-KR" altLang="en-US" sz="1400">
+                <a:ln>
+                  <a:solidFill>
+                    <a:schemeClr val="tx1">
+                      <a:alpha val="29000"/>
+                    </a:schemeClr>
+                  </a:solidFill>
+                </a:ln>
+                <a:latin typeface="+mn-ea"/>
+                <a:cs typeface="맑은 고딕 Semilight" panose="020B0502040204020203" pitchFamily="50" charset="-127"/>
+              </a:rPr>
+              <a:t>웹페이지 스크립팅 </a:t>
+            </a:r>
+            <a:r>
+              <a:rPr lang="en-US" altLang="ko-KR" sz="1400">
+                <a:ln>
+                  <a:solidFill>
+                    <a:schemeClr val="tx1">
+                      <a:alpha val="29000"/>
+                    </a:schemeClr>
+                  </a:solidFill>
+                </a:ln>
+                <a:latin typeface="+mn-ea"/>
+                <a:cs typeface="맑은 고딕 Semilight" panose="020B0502040204020203" pitchFamily="50" charset="-127"/>
+              </a:rPr>
+              <a:t>- DOM</a:t>
+            </a:r>
+          </a:p>
+          <a:p>
+            <a:pPr marL="449263" lvl="1" indent="-182563">
+              <a:lnSpc>
+                <a:spcPct val="150000"/>
+              </a:lnSpc>
+              <a:buFontTx/>
+              <a:buChar char="-"/>
+              <a:tabLst>
+                <a:tab pos="182563" algn="l"/>
+                <a:tab pos="449263" algn="l"/>
+              </a:tabLst>
+            </a:pPr>
+            <a:r>
+              <a:rPr lang="ko-KR" altLang="en-US" sz="1400">
+                <a:ln>
+                  <a:solidFill>
+                    <a:schemeClr val="tx1">
+                      <a:alpha val="29000"/>
+                    </a:schemeClr>
+                  </a:solidFill>
+                </a:ln>
+                <a:latin typeface="+mn-ea"/>
+                <a:cs typeface="맑은 고딕 Semilight" panose="020B0502040204020203" pitchFamily="50" charset="-127"/>
+              </a:rPr>
+              <a:t>서버 측 스크립팅 </a:t>
+            </a:r>
+            <a:r>
+              <a:rPr lang="en-US" altLang="ko-KR" sz="1400">
+                <a:ln>
+                  <a:solidFill>
+                    <a:schemeClr val="tx1">
+                      <a:alpha val="29000"/>
+                    </a:schemeClr>
+                  </a:solidFill>
+                </a:ln>
+                <a:latin typeface="+mn-ea"/>
+                <a:cs typeface="맑은 고딕 Semilight" panose="020B0502040204020203" pitchFamily="50" charset="-127"/>
+              </a:rPr>
+              <a:t>- node.js</a:t>
+            </a:r>
+          </a:p>
+          <a:p>
+            <a:pPr marL="449263" lvl="1" indent="-182563">
+              <a:lnSpc>
+                <a:spcPct val="150000"/>
+              </a:lnSpc>
+              <a:buFontTx/>
+              <a:buChar char="-"/>
+              <a:tabLst>
+                <a:tab pos="182563" algn="l"/>
+                <a:tab pos="449263" algn="l"/>
+              </a:tabLst>
+            </a:pPr>
+            <a:r>
+              <a:rPr lang="ko-KR" altLang="en-US" sz="1400">
+                <a:ln>
+                  <a:solidFill>
+                    <a:schemeClr val="tx1">
+                      <a:alpha val="29000"/>
+                    </a:schemeClr>
+                  </a:solidFill>
+                </a:ln>
+                <a:latin typeface="+mn-ea"/>
+                <a:cs typeface="맑은 고딕 Semilight" panose="020B0502040204020203" pitchFamily="50" charset="-127"/>
+              </a:rPr>
+              <a:t>브라우저 확장기능</a:t>
+            </a:r>
+          </a:p>
+          <a:p>
+            <a:pPr marL="851916" lvl="2" indent="-228600">
+              <a:lnSpc>
+                <a:spcPct val="150000"/>
+              </a:lnSpc>
+              <a:buFont typeface="+mj-lt"/>
+              <a:buAutoNum type="arabicParenR"/>
+              <a:tabLst>
+                <a:tab pos="182563" algn="l"/>
+                <a:tab pos="449263" algn="l"/>
+              </a:tabLst>
+            </a:pPr>
+            <a:r>
+              <a:rPr lang="en-US" altLang="ko-KR" sz="1200">
+                <a:ln>
+                  <a:solidFill>
+                    <a:schemeClr val="tx1">
+                      <a:alpha val="29000"/>
+                    </a:schemeClr>
+                  </a:solidFill>
+                </a:ln>
+                <a:latin typeface="+mn-ea"/>
+                <a:cs typeface="맑은 고딕 Semilight" panose="020B0502040204020203" pitchFamily="50" charset="-127"/>
+              </a:rPr>
+              <a:t>Google Chrome extensions</a:t>
+            </a:r>
+          </a:p>
+          <a:p>
+            <a:pPr marL="851916" lvl="2" indent="-228600">
+              <a:lnSpc>
+                <a:spcPct val="150000"/>
+              </a:lnSpc>
+              <a:buFont typeface="+mj-lt"/>
+              <a:buAutoNum type="arabicParenR"/>
+              <a:tabLst>
+                <a:tab pos="182563" algn="l"/>
+                <a:tab pos="449263" algn="l"/>
+              </a:tabLst>
+            </a:pPr>
+            <a:r>
+              <a:rPr lang="en-US" altLang="ko-KR" sz="1200">
+                <a:ln>
+                  <a:solidFill>
+                    <a:schemeClr val="tx1">
+                      <a:alpha val="29000"/>
+                    </a:schemeClr>
+                  </a:solidFill>
+                </a:ln>
+                <a:latin typeface="+mn-ea"/>
+                <a:cs typeface="맑은 고딕 Semilight" panose="020B0502040204020203" pitchFamily="50" charset="-127"/>
+              </a:rPr>
+              <a:t>Opera extensions</a:t>
+            </a:r>
+          </a:p>
+          <a:p>
+            <a:pPr marL="851916" lvl="2" indent="-228600">
+              <a:lnSpc>
+                <a:spcPct val="150000"/>
+              </a:lnSpc>
+              <a:buFont typeface="+mj-lt"/>
+              <a:buAutoNum type="arabicParenR"/>
+              <a:tabLst>
+                <a:tab pos="182563" algn="l"/>
+                <a:tab pos="449263" algn="l"/>
+              </a:tabLst>
+            </a:pPr>
+            <a:r>
+              <a:rPr lang="en-US" altLang="ko-KR" sz="1200">
+                <a:ln>
+                  <a:solidFill>
+                    <a:schemeClr val="tx1">
+                      <a:alpha val="29000"/>
+                    </a:schemeClr>
+                  </a:solidFill>
+                </a:ln>
+                <a:latin typeface="+mn-ea"/>
+                <a:cs typeface="맑은 고딕 Semilight" panose="020B0502040204020203" pitchFamily="50" charset="-127"/>
+              </a:rPr>
+              <a:t>Apple Safari 5 extensions</a:t>
+            </a:r>
+          </a:p>
+          <a:p>
+            <a:pPr marL="851916" lvl="2" indent="-228600">
+              <a:lnSpc>
+                <a:spcPct val="150000"/>
+              </a:lnSpc>
+              <a:buFont typeface="+mj-lt"/>
+              <a:buAutoNum type="arabicParenR"/>
+              <a:tabLst>
+                <a:tab pos="182563" algn="l"/>
+                <a:tab pos="449263" algn="l"/>
+              </a:tabLst>
+            </a:pPr>
+            <a:r>
+              <a:rPr lang="en-US" altLang="ko-KR" sz="1200">
+                <a:ln>
+                  <a:solidFill>
+                    <a:schemeClr val="tx1">
+                      <a:alpha val="29000"/>
+                    </a:schemeClr>
+                  </a:solidFill>
+                </a:ln>
+                <a:latin typeface="+mn-ea"/>
+                <a:cs typeface="맑은 고딕 Semilight" panose="020B0502040204020203" pitchFamily="50" charset="-127"/>
+              </a:rPr>
+              <a:t>Apple Dashboard Widgets</a:t>
+            </a:r>
+          </a:p>
+          <a:p>
+            <a:pPr marL="851916" lvl="2" indent="-228600">
+              <a:lnSpc>
+                <a:spcPct val="150000"/>
+              </a:lnSpc>
+              <a:buFont typeface="+mj-lt"/>
+              <a:buAutoNum type="arabicParenR"/>
+              <a:tabLst>
+                <a:tab pos="182563" algn="l"/>
+                <a:tab pos="449263" algn="l"/>
+              </a:tabLst>
+            </a:pPr>
+            <a:r>
+              <a:rPr lang="en-US" altLang="ko-KR" sz="1200">
+                <a:ln>
+                  <a:solidFill>
+                    <a:schemeClr val="tx1">
+                      <a:alpha val="29000"/>
+                    </a:schemeClr>
+                  </a:solidFill>
+                </a:ln>
+                <a:latin typeface="+mn-ea"/>
+                <a:cs typeface="맑은 고딕 Semilight" panose="020B0502040204020203" pitchFamily="50" charset="-127"/>
+              </a:rPr>
+              <a:t>Microsoft </a:t>
+            </a:r>
+            <a:r>
+              <a:rPr lang="en-US" altLang="ko-KR" sz="1200" smtClean="0">
+                <a:ln>
+                  <a:solidFill>
+                    <a:schemeClr val="tx1">
+                      <a:alpha val="29000"/>
+                    </a:schemeClr>
+                  </a:solidFill>
+                </a:ln>
+                <a:latin typeface="+mn-ea"/>
+                <a:cs typeface="맑은 고딕 Semilight" panose="020B0502040204020203" pitchFamily="50" charset="-127"/>
+              </a:rPr>
+              <a:t>Gadgets</a:t>
+            </a:r>
+          </a:p>
+          <a:p>
+            <a:pPr marL="851916" lvl="2" indent="-228600">
+              <a:lnSpc>
+                <a:spcPct val="150000"/>
+              </a:lnSpc>
+              <a:buFont typeface="+mj-lt"/>
+              <a:buAutoNum type="arabicParenR"/>
+              <a:tabLst>
+                <a:tab pos="182563" algn="l"/>
+                <a:tab pos="449263" algn="l"/>
+              </a:tabLst>
+            </a:pPr>
+            <a:r>
+              <a:rPr lang="en-US" altLang="ko-KR" sz="1200" smtClean="0">
+                <a:ln>
+                  <a:solidFill>
+                    <a:schemeClr val="tx1">
+                      <a:alpha val="29000"/>
+                    </a:schemeClr>
+                  </a:solidFill>
+                </a:ln>
+                <a:latin typeface="+mn-ea"/>
+                <a:cs typeface="맑은 고딕 Semilight" panose="020B0502040204020203" pitchFamily="50" charset="-127"/>
+              </a:rPr>
+              <a:t>Google </a:t>
+            </a:r>
+            <a:r>
+              <a:rPr lang="en-US" altLang="ko-KR" sz="1200">
+                <a:ln>
+                  <a:solidFill>
+                    <a:schemeClr val="tx1">
+                      <a:alpha val="29000"/>
+                    </a:schemeClr>
+                  </a:solidFill>
+                </a:ln>
+                <a:latin typeface="+mn-ea"/>
+                <a:cs typeface="맑은 고딕 Semilight" panose="020B0502040204020203" pitchFamily="50" charset="-127"/>
+              </a:rPr>
+              <a:t>Desktop </a:t>
+            </a:r>
+            <a:r>
+              <a:rPr lang="en-US" altLang="ko-KR" sz="1200" smtClean="0">
+                <a:ln>
+                  <a:solidFill>
+                    <a:schemeClr val="tx1">
+                      <a:alpha val="29000"/>
+                    </a:schemeClr>
+                  </a:solidFill>
+                </a:ln>
+                <a:latin typeface="+mn-ea"/>
+                <a:cs typeface="맑은 고딕 Semilight" panose="020B0502040204020203" pitchFamily="50" charset="-127"/>
+              </a:rPr>
+              <a:t>Gadgets</a:t>
+            </a:r>
+          </a:p>
+          <a:p>
+            <a:pPr marL="449263" lvl="1" indent="-182563">
+              <a:lnSpc>
+                <a:spcPct val="150000"/>
+              </a:lnSpc>
+              <a:buFontTx/>
+              <a:buChar char="-"/>
+              <a:tabLst>
+                <a:tab pos="182563" algn="l"/>
+                <a:tab pos="449263" algn="l"/>
+              </a:tabLst>
+            </a:pPr>
+            <a:r>
+              <a:rPr lang="en-US" altLang="ko-KR" sz="1400" smtClean="0">
+                <a:ln>
+                  <a:solidFill>
+                    <a:schemeClr val="tx1">
+                      <a:alpha val="29000"/>
+                    </a:schemeClr>
+                  </a:solidFill>
+                </a:ln>
+                <a:latin typeface="+mn-ea"/>
+                <a:cs typeface="맑은 고딕 Semilight" panose="020B0502040204020203" pitchFamily="50" charset="-127"/>
+              </a:rPr>
+              <a:t>Adobe </a:t>
+            </a:r>
+            <a:r>
+              <a:rPr lang="en-US" altLang="ko-KR" sz="1400">
+                <a:ln>
+                  <a:solidFill>
+                    <a:schemeClr val="tx1">
+                      <a:alpha val="29000"/>
+                    </a:schemeClr>
+                  </a:solidFill>
+                </a:ln>
+                <a:latin typeface="+mn-ea"/>
+                <a:cs typeface="맑은 고딕 Semilight" panose="020B0502040204020203" pitchFamily="50" charset="-127"/>
+              </a:rPr>
+              <a:t>PDF</a:t>
+            </a:r>
+          </a:p>
+          <a:p>
+            <a:pPr marL="449263" lvl="1" indent="-182563">
+              <a:lnSpc>
+                <a:spcPct val="150000"/>
+              </a:lnSpc>
+              <a:buFontTx/>
+              <a:buChar char="-"/>
+              <a:tabLst>
+                <a:tab pos="182563" algn="l"/>
+                <a:tab pos="449263" algn="l"/>
+              </a:tabLst>
+            </a:pPr>
+            <a:r>
+              <a:rPr lang="en-US" altLang="ko-KR" sz="1400">
+                <a:ln>
+                  <a:solidFill>
+                    <a:schemeClr val="tx1">
+                      <a:alpha val="29000"/>
+                    </a:schemeClr>
+                  </a:solidFill>
+                </a:ln>
+                <a:latin typeface="+mn-ea"/>
+                <a:cs typeface="맑은 고딕 Semilight" panose="020B0502040204020203" pitchFamily="50" charset="-127"/>
+              </a:rPr>
+              <a:t>Tools in the Adobe Creative Suite</a:t>
+            </a:r>
+            <a:r>
+              <a:rPr lang="en-US" altLang="ko-KR" sz="1400" smtClean="0">
+                <a:ln>
+                  <a:solidFill>
+                    <a:schemeClr val="tx1">
+                      <a:alpha val="29000"/>
+                    </a:schemeClr>
+                  </a:solidFill>
+                </a:ln>
+                <a:latin typeface="+mn-ea"/>
+                <a:cs typeface="맑은 고딕 Semilight" panose="020B0502040204020203" pitchFamily="50" charset="-127"/>
+              </a:rPr>
+              <a:t>, OpenOffice.org</a:t>
+            </a:r>
+            <a:endParaRPr lang="en-US" altLang="ko-KR" sz="1400">
+              <a:ln>
+                <a:solidFill>
+                  <a:schemeClr val="tx1">
+                    <a:alpha val="29000"/>
+                  </a:schemeClr>
+                </a:solidFill>
+              </a:ln>
+              <a:latin typeface="+mn-ea"/>
+              <a:cs typeface="맑은 고딕 Semilight" panose="020B0502040204020203" pitchFamily="50" charset="-127"/>
+            </a:endParaRPr>
+          </a:p>
+          <a:p>
+            <a:pPr marL="449263" lvl="1" indent="-182563">
+              <a:lnSpc>
+                <a:spcPct val="150000"/>
+              </a:lnSpc>
+              <a:buFontTx/>
+              <a:buChar char="-"/>
+              <a:tabLst>
+                <a:tab pos="182563" algn="l"/>
+                <a:tab pos="449263" algn="l"/>
+              </a:tabLst>
+            </a:pPr>
+            <a:r>
+              <a:rPr lang="en-US" altLang="ko-KR" sz="1400">
+                <a:ln>
+                  <a:solidFill>
+                    <a:schemeClr val="tx1">
+                      <a:alpha val="29000"/>
+                    </a:schemeClr>
+                  </a:solidFill>
+                </a:ln>
+                <a:latin typeface="+mn-ea"/>
+                <a:cs typeface="맑은 고딕 Semilight" panose="020B0502040204020203" pitchFamily="50" charset="-127"/>
+              </a:rPr>
+              <a:t>Unity </a:t>
+            </a:r>
+            <a:r>
+              <a:rPr lang="ko-KR" altLang="en-US" sz="1400">
+                <a:ln>
+                  <a:solidFill>
+                    <a:schemeClr val="tx1">
+                      <a:alpha val="29000"/>
+                    </a:schemeClr>
+                  </a:solidFill>
+                </a:ln>
+                <a:latin typeface="+mn-ea"/>
+                <a:cs typeface="맑은 고딕 Semilight" panose="020B0502040204020203" pitchFamily="50" charset="-127"/>
+              </a:rPr>
+              <a:t>게임 엔진</a:t>
+            </a:r>
+          </a:p>
+          <a:p>
+            <a:pPr marL="449263" lvl="1" indent="-182563">
+              <a:lnSpc>
+                <a:spcPct val="150000"/>
+              </a:lnSpc>
+              <a:buFontTx/>
+              <a:buChar char="-"/>
+              <a:tabLst>
+                <a:tab pos="182563" algn="l"/>
+                <a:tab pos="449263" algn="l"/>
+              </a:tabLst>
+            </a:pPr>
+            <a:r>
+              <a:rPr lang="en-US" altLang="ko-KR" sz="1400">
+                <a:ln>
+                  <a:solidFill>
+                    <a:schemeClr val="tx1">
+                      <a:alpha val="29000"/>
+                    </a:schemeClr>
+                  </a:solidFill>
+                </a:ln>
+                <a:latin typeface="+mn-ea"/>
+                <a:cs typeface="맑은 고딕 Semilight" panose="020B0502040204020203" pitchFamily="50" charset="-127"/>
+              </a:rPr>
+              <a:t>Google Apps </a:t>
+            </a:r>
+            <a:r>
+              <a:rPr lang="en-US" altLang="ko-KR" sz="1400" smtClean="0">
+                <a:ln>
+                  <a:solidFill>
+                    <a:schemeClr val="tx1">
+                      <a:alpha val="29000"/>
+                    </a:schemeClr>
+                  </a:solidFill>
+                </a:ln>
+                <a:latin typeface="+mn-ea"/>
+                <a:cs typeface="맑은 고딕 Semilight" panose="020B0502040204020203" pitchFamily="50" charset="-127"/>
+              </a:rPr>
+              <a:t>Script</a:t>
+            </a:r>
+            <a:r>
+              <a:rPr lang="ko-KR" altLang="en-US" sz="1400" smtClean="0">
+                <a:ln>
+                  <a:solidFill>
+                    <a:schemeClr val="tx1">
+                      <a:alpha val="29000"/>
+                    </a:schemeClr>
+                  </a:solidFill>
+                </a:ln>
+                <a:latin typeface="+mn-ea"/>
+                <a:cs typeface="맑은 고딕 Semilight" panose="020B0502040204020203" pitchFamily="50" charset="-127"/>
+              </a:rPr>
+              <a:t>채팅 시스템</a:t>
+            </a:r>
+            <a:endParaRPr lang="en-US" altLang="ko-KR" sz="1400" smtClean="0">
+              <a:ln>
+                <a:solidFill>
+                  <a:schemeClr val="tx1">
+                    <a:alpha val="29000"/>
+                  </a:schemeClr>
+                </a:solidFill>
+              </a:ln>
+              <a:latin typeface="+mn-ea"/>
+              <a:cs typeface="맑은 고딕 Semilight" panose="020B0502040204020203" pitchFamily="50" charset="-127"/>
+            </a:endParaRPr>
+          </a:p>
+        </p:txBody>
+      </p:sp>
+    </p:spTree>
+    <p:extLst>
+      <p:ext uri="{BB962C8B-B14F-4D97-AF65-F5344CB8AC3E}">
+        <p14:creationId xmlns:p14="http://schemas.microsoft.com/office/powerpoint/2010/main" val="1333319947"/>
+      </p:ext>
+    </p:extLst>
+  </p:cSld>
+  <p:clrMapOvr>
+    <a:masterClrMapping/>
+  </p:clrMapOvr>
+  <p:timing>
+    <p:tnLst>
+      <p:par>
+        <p:cTn id="1" dur="indefinite" restart="never" nodeType="tmRoot"/>
+      </p:par>
+    </p:tnLst>
+  </p:timing>
+</p:sld>
+</file>
+
+<file path=ppt/slides/slide9.xml><?xml version="1.0" encoding="utf-8"?>
+<p:sld xmlns:a="http://schemas.openxmlformats.org/drawingml/2006/main" xmlns:r="http://schemas.openxmlformats.org/officeDocument/2006/relationships" xmlns:p="http://schemas.openxmlformats.org/presentationml/2006/main">
+  <p:cSld>
+    <p:spTree>
+      <p:nvGrpSpPr>
+        <p:cNvPr id="1" name=""/>
+        <p:cNvGrpSpPr/>
+        <p:nvPr/>
+      </p:nvGrpSpPr>
+      <p:grpSpPr>
+        <a:xfrm>
+          <a:off x="0" y="0"/>
+          <a:ext cx="0" cy="0"/>
+          <a:chOff x="0" y="0"/>
+          <a:chExt cx="0" cy="0"/>
+        </a:xfrm>
+      </p:grpSpPr>
+      <p:cxnSp>
+        <p:nvCxnSpPr>
+          <p:cNvPr id="7" name="직선 연결선 6"/>
+          <p:cNvCxnSpPr/>
+          <p:nvPr/>
+        </p:nvCxnSpPr>
+        <p:spPr>
+          <a:xfrm>
+            <a:off x="0" y="683316"/>
+            <a:ext cx="3300761" cy="0"/>
+          </a:xfrm>
+          <a:prstGeom prst="line">
+            <a:avLst/>
+          </a:prstGeom>
+          <a:ln w="28575">
+            <a:solidFill>
+              <a:srgbClr val="ED553B"/>
+            </a:solidFill>
+            <a:tailEnd type="oval" w="lg" len="lg"/>
+          </a:ln>
+        </p:spPr>
+        <p:style>
+          <a:lnRef idx="1">
+            <a:schemeClr val="accent1"/>
+          </a:lnRef>
+          <a:fillRef idx="0">
+            <a:schemeClr val="accent1"/>
+          </a:fillRef>
+          <a:effectRef idx="0">
+            <a:schemeClr val="accent1"/>
+          </a:effectRef>
+          <a:fontRef idx="minor">
+            <a:schemeClr val="tx1"/>
+          </a:fontRef>
+        </p:style>
+      </p:cxnSp>
+      <p:sp>
+        <p:nvSpPr>
+          <p:cNvPr id="9" name="TextBox 8"/>
+          <p:cNvSpPr txBox="1"/>
+          <p:nvPr/>
+        </p:nvSpPr>
+        <p:spPr>
+          <a:xfrm>
+            <a:off x="322413" y="140957"/>
+            <a:ext cx="5552787" cy="400110"/>
+          </a:xfrm>
+          <a:prstGeom prst="rect">
+            <a:avLst/>
+          </a:prstGeom>
+          <a:noFill/>
+        </p:spPr>
+        <p:txBody>
+          <a:bodyPr wrap="square" rtlCol="0">
+            <a:spAutoFit/>
+          </a:bodyPr>
+          <a:lstStyle/>
+          <a:p>
+            <a:r>
+              <a:rPr lang="en-US" altLang="ko-KR" sz="2000" smtClean="0">
+                <a:ln>
+                  <a:solidFill>
+                    <a:schemeClr val="tx1">
+                      <a:alpha val="29000"/>
+                    </a:schemeClr>
+                  </a:solidFill>
+                </a:ln>
+                <a:latin typeface="+mn-ea"/>
+                <a:cs typeface="맑은 고딕 Semilight" panose="020B0502040204020203" pitchFamily="50" charset="-127"/>
+              </a:rPr>
+              <a:t>JavaScript</a:t>
+            </a:r>
+            <a:r>
+              <a:rPr lang="ko-KR" altLang="en-US" sz="2000" smtClean="0">
+                <a:ln>
+                  <a:solidFill>
+                    <a:schemeClr val="tx1">
+                      <a:alpha val="29000"/>
+                    </a:schemeClr>
+                  </a:solidFill>
+                </a:ln>
+                <a:latin typeface="+mn-ea"/>
+                <a:cs typeface="맑은 고딕 Semilight" panose="020B0502040204020203" pitchFamily="50" charset="-127"/>
+              </a:rPr>
+              <a:t>란 무엇일까</a:t>
+            </a:r>
+            <a:r>
+              <a:rPr lang="en-US" altLang="ko-KR" sz="2000" smtClean="0">
+                <a:ln>
+                  <a:solidFill>
+                    <a:schemeClr val="tx1">
+                      <a:alpha val="29000"/>
+                    </a:schemeClr>
+                  </a:solidFill>
+                </a:ln>
+                <a:latin typeface="+mn-ea"/>
+                <a:cs typeface="맑은 고딕 Semilight" panose="020B0502040204020203" pitchFamily="50" charset="-127"/>
+              </a:rPr>
+              <a:t>?</a:t>
+            </a:r>
+            <a:endParaRPr lang="en-US" altLang="ko-KR" sz="2000" dirty="0">
+              <a:ln>
+                <a:solidFill>
+                  <a:schemeClr val="tx1">
+                    <a:alpha val="29000"/>
+                  </a:schemeClr>
+                </a:solidFill>
+              </a:ln>
+              <a:latin typeface="+mn-ea"/>
+              <a:cs typeface="맑은 고딕 Semilight" panose="020B0502040204020203" pitchFamily="50" charset="-127"/>
+            </a:endParaRPr>
+          </a:p>
+        </p:txBody>
+      </p:sp>
+      <p:sp>
+        <p:nvSpPr>
+          <p:cNvPr id="74" name="TextBox 73"/>
+          <p:cNvSpPr txBox="1"/>
+          <p:nvPr/>
+        </p:nvSpPr>
+        <p:spPr>
+          <a:xfrm>
+            <a:off x="267599" y="825566"/>
+            <a:ext cx="9578660" cy="1477328"/>
+          </a:xfrm>
+          <a:prstGeom prst="rect">
+            <a:avLst/>
+          </a:prstGeom>
+          <a:noFill/>
+        </p:spPr>
+        <p:txBody>
+          <a:bodyPr wrap="square" rtlCol="0">
+            <a:spAutoFit/>
+          </a:bodyPr>
+          <a:lstStyle/>
+          <a:p>
+            <a:pPr marL="285750" indent="-285750">
+              <a:lnSpc>
+                <a:spcPct val="150000"/>
+              </a:lnSpc>
+              <a:buFont typeface="Arial" panose="020B0604020202020204" pitchFamily="34" charset="0"/>
+              <a:buChar char="•"/>
+            </a:pPr>
+            <a:r>
+              <a:rPr lang="en-US" altLang="ko-KR" sz="1800" smtClean="0">
+                <a:ln>
+                  <a:solidFill>
+                    <a:schemeClr val="tx1">
+                      <a:alpha val="29000"/>
+                    </a:schemeClr>
+                  </a:solidFill>
+                </a:ln>
+                <a:latin typeface="+mn-ea"/>
+                <a:cs typeface="맑은 고딕 Semilight" panose="020B0502040204020203" pitchFamily="50" charset="-127"/>
+                <a:sym typeface="Wingdings" panose="05000000000000000000" pitchFamily="2" charset="2"/>
+              </a:rPr>
+              <a:t>JavaScript </a:t>
+            </a:r>
+            <a:r>
+              <a:rPr lang="ko-KR" altLang="en-US" sz="1800" smtClean="0">
+                <a:ln>
+                  <a:solidFill>
+                    <a:schemeClr val="tx1">
+                      <a:alpha val="29000"/>
+                    </a:schemeClr>
+                  </a:solidFill>
+                </a:ln>
+                <a:latin typeface="+mn-ea"/>
+                <a:cs typeface="맑은 고딕 Semilight" panose="020B0502040204020203" pitchFamily="50" charset="-127"/>
+                <a:sym typeface="Wingdings" panose="05000000000000000000" pitchFamily="2" charset="2"/>
+              </a:rPr>
+              <a:t>기본</a:t>
+            </a:r>
+            <a:endParaRPr lang="en-US" altLang="ko-KR" sz="1800" dirty="0">
+              <a:ln>
+                <a:solidFill>
+                  <a:schemeClr val="tx1">
+                    <a:alpha val="29000"/>
+                  </a:schemeClr>
+                </a:solidFill>
+              </a:ln>
+              <a:latin typeface="+mn-ea"/>
+              <a:cs typeface="맑은 고딕 Semilight" panose="020B0502040204020203" pitchFamily="50" charset="-127"/>
+              <a:sym typeface="Wingdings" panose="05000000000000000000" pitchFamily="2" charset="2"/>
+            </a:endParaRPr>
+          </a:p>
+          <a:p>
+            <a:pPr marL="449263" lvl="1" indent="-182563">
+              <a:lnSpc>
+                <a:spcPct val="150000"/>
+              </a:lnSpc>
+              <a:buFontTx/>
+              <a:buChar char="-"/>
+              <a:tabLst>
+                <a:tab pos="182563" algn="l"/>
+                <a:tab pos="449263" algn="l"/>
+              </a:tabLst>
+            </a:pPr>
+            <a:r>
+              <a:rPr lang="en-US" altLang="ko-KR" sz="1400" smtClean="0">
+                <a:ln>
+                  <a:solidFill>
+                    <a:schemeClr val="tx1">
+                      <a:alpha val="29000"/>
+                    </a:schemeClr>
+                  </a:solidFill>
+                </a:ln>
+                <a:latin typeface="+mn-ea"/>
+                <a:cs typeface="맑은 고딕 Semilight" panose="020B0502040204020203" pitchFamily="50" charset="-127"/>
+              </a:rPr>
+              <a:t>HTML, CSS </a:t>
+            </a:r>
+            <a:r>
+              <a:rPr lang="ko-KR" altLang="en-US" sz="1400" smtClean="0">
+                <a:ln>
+                  <a:solidFill>
+                    <a:schemeClr val="tx1">
+                      <a:alpha val="29000"/>
+                    </a:schemeClr>
+                  </a:solidFill>
+                </a:ln>
+                <a:latin typeface="+mn-ea"/>
+                <a:cs typeface="맑은 고딕 Semilight" panose="020B0502040204020203" pitchFamily="50" charset="-127"/>
+              </a:rPr>
+              <a:t>등을 기본적으로 알고 있어야 함</a:t>
+            </a:r>
+            <a:endParaRPr lang="en-US" altLang="ko-KR" sz="1400" smtClean="0">
+              <a:ln>
+                <a:solidFill>
+                  <a:schemeClr val="tx1">
+                    <a:alpha val="29000"/>
+                  </a:schemeClr>
+                </a:solidFill>
+              </a:ln>
+              <a:latin typeface="+mn-ea"/>
+              <a:cs typeface="맑은 고딕 Semilight" panose="020B0502040204020203" pitchFamily="50" charset="-127"/>
+            </a:endParaRPr>
+          </a:p>
+          <a:p>
+            <a:pPr marL="449263" lvl="1" indent="-182563">
+              <a:lnSpc>
+                <a:spcPct val="150000"/>
+              </a:lnSpc>
+              <a:buFontTx/>
+              <a:buChar char="-"/>
+              <a:tabLst>
+                <a:tab pos="182563" algn="l"/>
+                <a:tab pos="449263" algn="l"/>
+              </a:tabLst>
+            </a:pPr>
+            <a:r>
               <a:rPr lang="ko-KR" altLang="en-US" sz="1400" smtClean="0">
                 <a:ln>
                   <a:solidFill>
@@ -7974,21 +11301,7 @@
                 <a:latin typeface="+mn-ea"/>
                 <a:cs typeface="맑은 고딕 Semilight" panose="020B0502040204020203" pitchFamily="50" charset="-127"/>
               </a:rPr>
-              <a:t>학습을 시작하는 </a:t>
-            </a:r>
-            <a:r>
-              <a:rPr lang="ko-KR" altLang="en-US" sz="1400">
-                <a:ln>
-                  <a:solidFill>
-                    <a:schemeClr val="tx1">
-                      <a:alpha val="29000"/>
-                    </a:schemeClr>
-                  </a:solidFill>
-                </a:ln>
-                <a:latin typeface="+mn-ea"/>
-                <a:cs typeface="맑은 고딕 Semilight" panose="020B0502040204020203" pitchFamily="50" charset="-127"/>
-              </a:rPr>
-              <a:t>것을 </a:t>
+              <a:t>학습을 시작하는 것을 </a:t>
             </a:r>
             <a:r>
               <a:rPr lang="ko-KR" altLang="en-US" sz="1400" smtClean="0">
